--- a/FYP_Defense_Presentation/FYP-1_presentation.pptx
+++ b/FYP_Defense_Presentation/FYP-1_presentation.pptx
@@ -5,7 +5,7 @@
     <p:sldMasterId id="2147483842" r:id="rId2"/>
   </p:sldMasterIdLst>
   <p:notesMasterIdLst>
-    <p:notesMasterId r:id="rId11"/>
+    <p:notesMasterId r:id="rId17"/>
   </p:notesMasterIdLst>
   <p:sldIdLst>
     <p:sldId id="256" r:id="rId3"/>
@@ -14,8 +14,14 @@
     <p:sldId id="259" r:id="rId6"/>
     <p:sldId id="263" r:id="rId7"/>
     <p:sldId id="277" r:id="rId8"/>
-    <p:sldId id="276" r:id="rId9"/>
-    <p:sldId id="273" r:id="rId10"/>
+    <p:sldId id="281" r:id="rId9"/>
+    <p:sldId id="282" r:id="rId10"/>
+    <p:sldId id="283" r:id="rId11"/>
+    <p:sldId id="278" r:id="rId12"/>
+    <p:sldId id="279" r:id="rId13"/>
+    <p:sldId id="280" r:id="rId14"/>
+    <p:sldId id="276" r:id="rId15"/>
+    <p:sldId id="273" r:id="rId16"/>
   </p:sldIdLst>
   <p:sldSz cx="9144000" cy="6858000" type="screen4x3"/>
   <p:notesSz cx="6858000" cy="9144000"/>
@@ -528,6 +534,365 @@
         </p:nvSpPr>
         <p:spPr/>
         <p:txBody>
+          <a:bodyPr/>
+          <a:lstStyle/>
+          <a:p>
+            <a:r>
+              <a:rPr lang="en-GB" sz="1200" b="0" i="0" kern="1200" dirty="0" smtClean="0">
+                <a:solidFill>
+                  <a:schemeClr val="tx1"/>
+                </a:solidFill>
+                <a:effectLst/>
+                <a:latin typeface="+mn-lt"/>
+                <a:ea typeface="+mn-ea"/>
+                <a:cs typeface="+mn-cs"/>
+              </a:rPr>
+              <a:t> change in the E-field in time (the time derivative) is dependent on the change in the H-field across space (</a:t>
+            </a:r>
+            <a:r>
+              <a:rPr lang="en-GB" sz="1200" b="0" i="0" kern="1200" dirty="0" smtClean="0">
+                <a:solidFill>
+                  <a:schemeClr val="tx1">
+                    <a:lumMod val="50000"/>
+                    <a:lumOff val="50000"/>
+                  </a:schemeClr>
+                </a:solidFill>
+                <a:effectLst/>
+                <a:latin typeface="+mn-lt"/>
+                <a:ea typeface="+mn-ea"/>
+                <a:cs typeface="+mn-cs"/>
+              </a:rPr>
+              <a:t>the</a:t>
+            </a:r>
+            <a:r>
+              <a:rPr lang="en-GB" sz="1200" b="0" i="0" kern="1200" baseline="0" dirty="0" smtClean="0">
+                <a:solidFill>
+                  <a:schemeClr val="tx1">
+                    <a:lumMod val="50000"/>
+                    <a:lumOff val="50000"/>
+                  </a:schemeClr>
+                </a:solidFill>
+                <a:effectLst/>
+                <a:latin typeface="+mn-lt"/>
+                <a:ea typeface="+mn-ea"/>
+                <a:cs typeface="+mn-cs"/>
+              </a:rPr>
+              <a:t> curl)</a:t>
+            </a:r>
+          </a:p>
+          <a:p>
+            <a:r>
+              <a:rPr lang="el-GR" sz="1200" b="1" i="0" kern="1200" dirty="0" smtClean="0">
+                <a:solidFill>
+                  <a:schemeClr val="tx1"/>
+                </a:solidFill>
+                <a:effectLst/>
+                <a:latin typeface="+mn-lt"/>
+                <a:ea typeface="+mn-ea"/>
+                <a:cs typeface="+mn-cs"/>
+              </a:rPr>
+              <a:t>ε</a:t>
+            </a:r>
+            <a:r>
+              <a:rPr lang="en-US" sz="1200" b="1" i="0" kern="1200" dirty="0" smtClean="0">
+                <a:solidFill>
+                  <a:schemeClr val="tx1"/>
+                </a:solidFill>
+                <a:effectLst/>
+                <a:latin typeface="+mn-lt"/>
+                <a:ea typeface="+mn-ea"/>
+                <a:cs typeface="+mn-cs"/>
+              </a:rPr>
+              <a:t> permittivity (</a:t>
+            </a:r>
+            <a:r>
+              <a:rPr lang="en-GB" sz="1200" b="0" i="0" kern="1200" dirty="0" smtClean="0">
+                <a:solidFill>
+                  <a:schemeClr val="tx1"/>
+                </a:solidFill>
+                <a:effectLst/>
+                <a:latin typeface="+mn-lt"/>
+                <a:ea typeface="+mn-ea"/>
+                <a:cs typeface="+mn-cs"/>
+              </a:rPr>
+              <a:t>extent to which it concentrates </a:t>
+            </a:r>
+            <a:r>
+              <a:rPr lang="en-GB" sz="1200" b="0" i="0" u="none" strike="noStrike" kern="1200" dirty="0" smtClean="0">
+                <a:solidFill>
+                  <a:schemeClr val="tx1"/>
+                </a:solidFill>
+                <a:effectLst/>
+                <a:latin typeface="+mn-lt"/>
+                <a:ea typeface="+mn-ea"/>
+                <a:cs typeface="+mn-cs"/>
+                <a:hlinkClick r:id="rId3" tooltip="Electrostatic"/>
+              </a:rPr>
+              <a:t>electrostatic</a:t>
+            </a:r>
+            <a:r>
+              <a:rPr lang="en-GB" sz="1200" b="0" i="0" kern="1200" dirty="0" smtClean="0">
+                <a:solidFill>
+                  <a:schemeClr val="tx1"/>
+                </a:solidFill>
+                <a:effectLst/>
+                <a:latin typeface="+mn-lt"/>
+                <a:ea typeface="+mn-ea"/>
+                <a:cs typeface="+mn-cs"/>
+              </a:rPr>
+              <a:t> lines </a:t>
+            </a:r>
+            <a:r>
+              <a:rPr lang="en-GB" sz="1200" b="0" i="0" kern="1200" dirty="0" smtClean="0">
+                <a:solidFill>
+                  <a:schemeClr val="tx1"/>
+                </a:solidFill>
+                <a:effectLst/>
+                <a:latin typeface="+mn-lt"/>
+                <a:ea typeface="+mn-ea"/>
+                <a:cs typeface="+mn-cs"/>
+              </a:rPr>
+              <a:t>of </a:t>
+            </a:r>
+            <a:r>
+              <a:rPr lang="en-GB" sz="1200" b="0" i="0" u="none" strike="noStrike" kern="1200" dirty="0" smtClean="0">
+                <a:solidFill>
+                  <a:schemeClr val="tx1"/>
+                </a:solidFill>
+                <a:effectLst/>
+                <a:latin typeface="+mn-lt"/>
+                <a:ea typeface="+mn-ea"/>
+                <a:cs typeface="+mn-cs"/>
+                <a:hlinkClick r:id="rId4" tooltip="Flux"/>
+              </a:rPr>
+              <a:t>flux</a:t>
+            </a:r>
+            <a:r>
+              <a:rPr lang="en-GB" sz="1200" b="0" i="0" kern="1200" dirty="0" smtClean="0">
+                <a:solidFill>
+                  <a:schemeClr val="tx1"/>
+                </a:solidFill>
+                <a:effectLst/>
+                <a:latin typeface="+mn-lt"/>
+                <a:ea typeface="+mn-ea"/>
+                <a:cs typeface="+mn-cs"/>
+              </a:rPr>
+              <a:t>. In technical terms, it is the ratio of the amount of electrical energy stored in a material by an applied voltage, relative to that stored in a vacuum </a:t>
+            </a:r>
+            <a:r>
+              <a:rPr lang="en-US" sz="1200" b="1" i="0" kern="1200" dirty="0" smtClean="0">
+                <a:solidFill>
+                  <a:schemeClr val="tx1"/>
+                </a:solidFill>
+                <a:effectLst/>
+                <a:latin typeface="+mn-lt"/>
+                <a:ea typeface="+mn-ea"/>
+                <a:cs typeface="+mn-cs"/>
+              </a:rPr>
+              <a:t>)</a:t>
+            </a:r>
+          </a:p>
+          <a:p>
+            <a:r>
+              <a:rPr lang="en-GB" sz="1200" b="0" i="0" kern="1200" dirty="0" smtClean="0">
+                <a:solidFill>
+                  <a:schemeClr val="tx1"/>
+                </a:solidFill>
+                <a:effectLst/>
+                <a:latin typeface="+mn-lt"/>
+                <a:ea typeface="+mn-ea"/>
+                <a:cs typeface="+mn-cs"/>
+              </a:rPr>
+              <a:t> µ </a:t>
+            </a:r>
+            <a:r>
+              <a:rPr lang="en-GB" sz="1200" b="1" i="0" kern="1200" dirty="0" smtClean="0">
+                <a:solidFill>
+                  <a:schemeClr val="tx1"/>
+                </a:solidFill>
+                <a:effectLst/>
+                <a:latin typeface="+mn-lt"/>
+                <a:ea typeface="+mn-ea"/>
+                <a:cs typeface="+mn-cs"/>
+              </a:rPr>
+              <a:t>permeability</a:t>
+            </a:r>
+            <a:r>
+              <a:rPr lang="en-GB" sz="1200" b="0" i="0" kern="1200" dirty="0" smtClean="0">
+                <a:solidFill>
+                  <a:schemeClr val="tx1"/>
+                </a:solidFill>
+                <a:effectLst/>
+                <a:latin typeface="+mn-lt"/>
+                <a:ea typeface="+mn-ea"/>
+                <a:cs typeface="+mn-cs"/>
+              </a:rPr>
+              <a:t> ( the ability of a material to support the formation of a </a:t>
+            </a:r>
+            <a:r>
+              <a:rPr lang="en-GB" sz="1200" b="0" i="0" u="none" strike="noStrike" kern="1200" dirty="0" smtClean="0">
+                <a:solidFill>
+                  <a:schemeClr val="tx1"/>
+                </a:solidFill>
+                <a:effectLst/>
+                <a:latin typeface="+mn-lt"/>
+                <a:ea typeface="+mn-ea"/>
+                <a:cs typeface="+mn-cs"/>
+                <a:hlinkClick r:id="rId5" tooltip="Magnetic field"/>
+              </a:rPr>
+              <a:t>magnetic field</a:t>
+            </a:r>
+            <a:r>
+              <a:rPr lang="en-GB" sz="1200" b="0" i="0" kern="1200" dirty="0" smtClean="0">
+                <a:solidFill>
+                  <a:schemeClr val="tx1"/>
+                </a:solidFill>
+                <a:effectLst/>
+                <a:latin typeface="+mn-lt"/>
+                <a:ea typeface="+mn-ea"/>
+                <a:cs typeface="+mn-cs"/>
+              </a:rPr>
+              <a:t> within itself. In other words, it is the degree of </a:t>
+            </a:r>
+            <a:r>
+              <a:rPr lang="en-GB" sz="1200" b="0" i="0" u="none" strike="noStrike" kern="1200" dirty="0" smtClean="0">
+                <a:solidFill>
+                  <a:schemeClr val="tx1"/>
+                </a:solidFill>
+                <a:effectLst/>
+                <a:latin typeface="+mn-lt"/>
+                <a:ea typeface="+mn-ea"/>
+                <a:cs typeface="+mn-cs"/>
+                <a:hlinkClick r:id="rId6" tooltip="Magnetization"/>
+              </a:rPr>
+              <a:t>magnetization</a:t>
+            </a:r>
+            <a:r>
+              <a:rPr lang="en-GB" sz="1200" b="0" i="0" kern="1200" dirty="0" smtClean="0">
+                <a:solidFill>
+                  <a:schemeClr val="tx1"/>
+                </a:solidFill>
+                <a:effectLst/>
+                <a:latin typeface="+mn-lt"/>
+                <a:ea typeface="+mn-ea"/>
+                <a:cs typeface="+mn-cs"/>
+              </a:rPr>
+              <a:t> that a material obtains in response to an applied </a:t>
+            </a:r>
+            <a:r>
+              <a:rPr lang="en-GB" sz="1200" b="0" i="0" u="none" strike="noStrike" kern="1200" dirty="0" smtClean="0">
+                <a:solidFill>
+                  <a:schemeClr val="tx1"/>
+                </a:solidFill>
+                <a:effectLst/>
+                <a:latin typeface="+mn-lt"/>
+                <a:ea typeface="+mn-ea"/>
+                <a:cs typeface="+mn-cs"/>
+                <a:hlinkClick r:id="rId5" tooltip="Magnetic field"/>
+              </a:rPr>
+              <a:t>magnetic field</a:t>
+            </a:r>
+            <a:r>
+              <a:rPr lang="en-GB" sz="1200" b="0" i="0" kern="1200" dirty="0" smtClean="0">
+                <a:solidFill>
+                  <a:schemeClr val="tx1"/>
+                </a:solidFill>
+                <a:effectLst/>
+                <a:latin typeface="+mn-lt"/>
+                <a:ea typeface="+mn-ea"/>
+                <a:cs typeface="+mn-cs"/>
+              </a:rPr>
+              <a:t>.)</a:t>
+            </a:r>
+            <a:endParaRPr lang="en-GB" dirty="0">
+              <a:solidFill>
+                <a:schemeClr val="tx1">
+                  <a:lumMod val="50000"/>
+                  <a:lumOff val="50000"/>
+                </a:schemeClr>
+              </a:solidFill>
+            </a:endParaRPr>
+          </a:p>
+        </p:txBody>
+      </p:sp>
+      <p:sp>
+        <p:nvSpPr>
+          <p:cNvPr id="4" name="Slide Number Placeholder 3"/>
+          <p:cNvSpPr>
+            <a:spLocks noGrp="1"/>
+          </p:cNvSpPr>
+          <p:nvPr>
+            <p:ph type="sldNum" sz="quarter" idx="10"/>
+          </p:nvPr>
+        </p:nvSpPr>
+        <p:spPr/>
+        <p:txBody>
+          <a:bodyPr/>
+          <a:lstStyle/>
+          <a:p>
+            <a:fld id="{7391B597-7F42-4E6C-A16E-96B6B138CE43}" type="slidenum">
+              <a:rPr lang="en-US" smtClean="0"/>
+              <a:pPr/>
+              <a:t>7</a:t>
+            </a:fld>
+            <a:endParaRPr lang="en-US"/>
+          </a:p>
+        </p:txBody>
+      </p:sp>
+    </p:spTree>
+    <p:extLst>
+      <p:ext uri="{BB962C8B-B14F-4D97-AF65-F5344CB8AC3E}">
+        <p14:creationId xmlns:p14="http://schemas.microsoft.com/office/powerpoint/2010/main" val="1291117958"/>
+      </p:ext>
+    </p:extLst>
+  </p:cSld>
+  <p:clrMapOvr>
+    <a:masterClrMapping/>
+  </p:clrMapOvr>
+</p:notes>
+</file>
+
+<file path=ppt/notesSlides/notesSlide2.xml><?xml version="1.0" encoding="utf-8"?>
+<p:notes xmlns:a="http://schemas.openxmlformats.org/drawingml/2006/main" xmlns:r="http://schemas.openxmlformats.org/officeDocument/2006/relationships" xmlns:p="http://schemas.openxmlformats.org/presentationml/2006/main">
+  <p:cSld>
+    <p:spTree>
+      <p:nvGrpSpPr>
+        <p:cNvPr id="1" name=""/>
+        <p:cNvGrpSpPr/>
+        <p:nvPr/>
+      </p:nvGrpSpPr>
+      <p:grpSpPr>
+        <a:xfrm>
+          <a:off x="0" y="0"/>
+          <a:ext cx="0" cy="0"/>
+          <a:chOff x="0" y="0"/>
+          <a:chExt cx="0" cy="0"/>
+        </a:xfrm>
+      </p:grpSpPr>
+      <p:sp>
+        <p:nvSpPr>
+          <p:cNvPr id="2" name="Slide Image Placeholder 1"/>
+          <p:cNvSpPr>
+            <a:spLocks noGrp="1" noRot="1" noChangeAspect="1"/>
+          </p:cNvSpPr>
+          <p:nvPr>
+            <p:ph type="sldImg"/>
+          </p:nvPr>
+        </p:nvSpPr>
+        <p:spPr/>
+      </p:sp>
+      <p:sp>
+        <p:nvSpPr>
+          <p:cNvPr id="3" name="Notes Placeholder 2"/>
+          <p:cNvSpPr>
+            <a:spLocks noGrp="1"/>
+          </p:cNvSpPr>
+          <p:nvPr>
+            <p:ph type="body" idx="1"/>
+          </p:nvPr>
+        </p:nvSpPr>
+        <p:spPr/>
+        <p:txBody>
           <a:bodyPr>
             <a:normAutofit/>
           </a:bodyPr>
@@ -624,7 +989,7 @@
             <a:fld id="{7391B597-7F42-4E6C-A16E-96B6B138CE43}" type="slidenum">
               <a:rPr lang="en-US" smtClean="0"/>
               <a:pPr/>
-              <a:t>8</a:t>
+              <a:t>14</a:t>
             </a:fld>
             <a:endParaRPr lang="en-US"/>
           </a:p>
@@ -7300,6 +7665,542 @@
 </p:sld>
 </file>
 
+<file path=ppt/slides/slide10.xml><?xml version="1.0" encoding="utf-8"?>
+<p:sld xmlns:a="http://schemas.openxmlformats.org/drawingml/2006/main" xmlns:r="http://schemas.openxmlformats.org/officeDocument/2006/relationships" xmlns:p="http://schemas.openxmlformats.org/presentationml/2006/main">
+  <p:cSld>
+    <p:spTree>
+      <p:nvGrpSpPr>
+        <p:cNvPr id="1" name=""/>
+        <p:cNvGrpSpPr/>
+        <p:nvPr/>
+      </p:nvGrpSpPr>
+      <p:grpSpPr>
+        <a:xfrm>
+          <a:off x="0" y="0"/>
+          <a:ext cx="0" cy="0"/>
+          <a:chOff x="0" y="0"/>
+          <a:chExt cx="0" cy="0"/>
+        </a:xfrm>
+      </p:grpSpPr>
+      <p:sp>
+        <p:nvSpPr>
+          <p:cNvPr id="2" name="Title 1"/>
+          <p:cNvSpPr>
+            <a:spLocks noGrp="1"/>
+          </p:cNvSpPr>
+          <p:nvPr>
+            <p:ph type="title"/>
+          </p:nvPr>
+        </p:nvSpPr>
+        <p:spPr/>
+        <p:txBody>
+          <a:bodyPr/>
+          <a:lstStyle/>
+          <a:p>
+            <a:r>
+              <a:rPr lang="en-US" dirty="0" smtClean="0"/>
+              <a:t>Task 2: Implementation On </a:t>
+            </a:r>
+            <a:r>
+              <a:rPr lang="en-US" dirty="0" err="1" smtClean="0"/>
+              <a:t>MATlab</a:t>
+            </a:r>
+            <a:endParaRPr lang="en-GB" dirty="0"/>
+          </a:p>
+        </p:txBody>
+      </p:sp>
+      <p:sp>
+        <p:nvSpPr>
+          <p:cNvPr id="3" name="Content Placeholder 2"/>
+          <p:cNvSpPr>
+            <a:spLocks noGrp="1"/>
+          </p:cNvSpPr>
+          <p:nvPr>
+            <p:ph idx="1"/>
+          </p:nvPr>
+        </p:nvSpPr>
+        <p:spPr/>
+        <p:txBody>
+          <a:bodyPr/>
+          <a:lstStyle/>
+          <a:p>
+            <a:r>
+              <a:rPr lang="en-US" dirty="0" smtClean="0"/>
+              <a:t>Both sinusoidal and Gaussian waves</a:t>
+            </a:r>
+          </a:p>
+          <a:p>
+            <a:r>
+              <a:rPr lang="en-US" dirty="0" smtClean="0"/>
+              <a:t>F = 3 </a:t>
+            </a:r>
+            <a:r>
+              <a:rPr lang="en-US" dirty="0" err="1" smtClean="0"/>
+              <a:t>Ghz</a:t>
+            </a:r>
+            <a:endParaRPr lang="en-GB" dirty="0"/>
+          </a:p>
+        </p:txBody>
+      </p:sp>
+    </p:spTree>
+    <p:extLst>
+      <p:ext uri="{BB962C8B-B14F-4D97-AF65-F5344CB8AC3E}">
+        <p14:creationId xmlns:p14="http://schemas.microsoft.com/office/powerpoint/2010/main" val="2212522789"/>
+      </p:ext>
+    </p:extLst>
+  </p:cSld>
+  <p:clrMapOvr>
+    <a:masterClrMapping/>
+  </p:clrMapOvr>
+  <mc:AlternateContent xmlns:mc="http://schemas.openxmlformats.org/markup-compatibility/2006">
+    <mc:Choice xmlns:p14="http://schemas.microsoft.com/office/powerpoint/2010/main" Requires="p14">
+      <p:transition spd="med" p14:dur="700">
+        <p:fade/>
+      </p:transition>
+    </mc:Choice>
+    <mc:Fallback>
+      <p:transition spd="med">
+        <p:fade/>
+      </p:transition>
+    </mc:Fallback>
+  </mc:AlternateContent>
+  <p:timing>
+    <p:tnLst>
+      <p:par>
+        <p:cTn id="1" dur="indefinite" restart="never" nodeType="tmRoot"/>
+      </p:par>
+    </p:tnLst>
+  </p:timing>
+</p:sld>
+</file>
+
+<file path=ppt/slides/slide11.xml><?xml version="1.0" encoding="utf-8"?>
+<p:sld xmlns:a="http://schemas.openxmlformats.org/drawingml/2006/main" xmlns:r="http://schemas.openxmlformats.org/officeDocument/2006/relationships" xmlns:p="http://schemas.openxmlformats.org/presentationml/2006/main">
+  <p:cSld>
+    <p:spTree>
+      <p:nvGrpSpPr>
+        <p:cNvPr id="1" name=""/>
+        <p:cNvGrpSpPr/>
+        <p:nvPr/>
+      </p:nvGrpSpPr>
+      <p:grpSpPr>
+        <a:xfrm>
+          <a:off x="0" y="0"/>
+          <a:ext cx="0" cy="0"/>
+          <a:chOff x="0" y="0"/>
+          <a:chExt cx="0" cy="0"/>
+        </a:xfrm>
+      </p:grpSpPr>
+      <p:sp>
+        <p:nvSpPr>
+          <p:cNvPr id="2" name="Title 1"/>
+          <p:cNvSpPr>
+            <a:spLocks noGrp="1"/>
+          </p:cNvSpPr>
+          <p:nvPr>
+            <p:ph type="title"/>
+          </p:nvPr>
+        </p:nvSpPr>
+        <p:spPr/>
+        <p:txBody>
+          <a:bodyPr/>
+          <a:lstStyle/>
+          <a:p>
+            <a:r>
+              <a:rPr lang="en-US" dirty="0" smtClean="0"/>
+              <a:t>Task 3: Frequency Domain Analysis</a:t>
+            </a:r>
+            <a:endParaRPr lang="en-GB" dirty="0"/>
+          </a:p>
+        </p:txBody>
+      </p:sp>
+      <p:sp>
+        <p:nvSpPr>
+          <p:cNvPr id="3" name="Content Placeholder 2"/>
+          <p:cNvSpPr>
+            <a:spLocks noGrp="1"/>
+          </p:cNvSpPr>
+          <p:nvPr>
+            <p:ph idx="1"/>
+          </p:nvPr>
+        </p:nvSpPr>
+        <p:spPr/>
+        <p:txBody>
+          <a:bodyPr/>
+          <a:lstStyle/>
+          <a:p>
+            <a:r>
+              <a:rPr lang="en-US" dirty="0" smtClean="0"/>
+              <a:t>Medium under observation is shown</a:t>
+            </a:r>
+          </a:p>
+          <a:p>
+            <a:r>
+              <a:rPr lang="el-GR" dirty="0"/>
+              <a:t>ε </a:t>
+            </a:r>
+            <a:r>
+              <a:rPr lang="en-US" dirty="0"/>
+              <a:t>permittivity </a:t>
+            </a:r>
+            <a:r>
+              <a:rPr lang="en-US" dirty="0" smtClean="0"/>
+              <a:t>= 2 </a:t>
+            </a:r>
+            <a:r>
+              <a:rPr lang="el-GR" dirty="0" smtClean="0"/>
+              <a:t>ε</a:t>
+            </a:r>
+            <a:r>
+              <a:rPr lang="en-US" baseline="-25000" dirty="0" smtClean="0"/>
+              <a:t>o</a:t>
+            </a:r>
+            <a:endParaRPr lang="en-US" dirty="0" smtClean="0"/>
+          </a:p>
+          <a:p>
+            <a:endParaRPr lang="en-US" dirty="0" smtClean="0"/>
+          </a:p>
+          <a:p>
+            <a:endParaRPr lang="en-GB" dirty="0"/>
+          </a:p>
+        </p:txBody>
+      </p:sp>
+    </p:spTree>
+    <p:extLst>
+      <p:ext uri="{BB962C8B-B14F-4D97-AF65-F5344CB8AC3E}">
+        <p14:creationId xmlns:p14="http://schemas.microsoft.com/office/powerpoint/2010/main" val="3453090673"/>
+      </p:ext>
+    </p:extLst>
+  </p:cSld>
+  <p:clrMapOvr>
+    <a:masterClrMapping/>
+  </p:clrMapOvr>
+  <mc:AlternateContent xmlns:mc="http://schemas.openxmlformats.org/markup-compatibility/2006">
+    <mc:Choice xmlns:p14="http://schemas.microsoft.com/office/powerpoint/2010/main" Requires="p14">
+      <p:transition spd="med" p14:dur="700">
+        <p:fade/>
+      </p:transition>
+    </mc:Choice>
+    <mc:Fallback>
+      <p:transition spd="med">
+        <p:fade/>
+      </p:transition>
+    </mc:Fallback>
+  </mc:AlternateContent>
+  <p:timing>
+    <p:tnLst>
+      <p:par>
+        <p:cTn id="1" dur="indefinite" restart="never" nodeType="tmRoot"/>
+      </p:par>
+    </p:tnLst>
+  </p:timing>
+</p:sld>
+</file>
+
+<file path=ppt/slides/slide12.xml><?xml version="1.0" encoding="utf-8"?>
+<p:sld xmlns:a="http://schemas.openxmlformats.org/drawingml/2006/main" xmlns:r="http://schemas.openxmlformats.org/officeDocument/2006/relationships" xmlns:p="http://schemas.openxmlformats.org/presentationml/2006/main">
+  <p:cSld>
+    <p:spTree>
+      <p:nvGrpSpPr>
+        <p:cNvPr id="1" name=""/>
+        <p:cNvGrpSpPr/>
+        <p:nvPr/>
+      </p:nvGrpSpPr>
+      <p:grpSpPr>
+        <a:xfrm>
+          <a:off x="0" y="0"/>
+          <a:ext cx="0" cy="0"/>
+          <a:chOff x="0" y="0"/>
+          <a:chExt cx="0" cy="0"/>
+        </a:xfrm>
+      </p:grpSpPr>
+      <p:sp>
+        <p:nvSpPr>
+          <p:cNvPr id="2" name="Title 1"/>
+          <p:cNvSpPr>
+            <a:spLocks noGrp="1"/>
+          </p:cNvSpPr>
+          <p:nvPr>
+            <p:ph type="title"/>
+          </p:nvPr>
+        </p:nvSpPr>
+        <p:spPr/>
+        <p:txBody>
+          <a:bodyPr/>
+          <a:lstStyle/>
+          <a:p>
+            <a:r>
+              <a:rPr lang="en-US" dirty="0" smtClean="0"/>
+              <a:t>Additional Task: Implementation in C++</a:t>
+            </a:r>
+            <a:endParaRPr lang="en-GB" dirty="0"/>
+          </a:p>
+        </p:txBody>
+      </p:sp>
+      <p:sp>
+        <p:nvSpPr>
+          <p:cNvPr id="3" name="Content Placeholder 2"/>
+          <p:cNvSpPr>
+            <a:spLocks noGrp="1"/>
+          </p:cNvSpPr>
+          <p:nvPr>
+            <p:ph idx="1"/>
+          </p:nvPr>
+        </p:nvSpPr>
+        <p:spPr/>
+        <p:txBody>
+          <a:bodyPr/>
+          <a:lstStyle/>
+          <a:p>
+            <a:r>
+              <a:rPr lang="en-US" dirty="0" smtClean="0"/>
+              <a:t>Problems</a:t>
+            </a:r>
+          </a:p>
+          <a:p>
+            <a:pPr lvl="1"/>
+            <a:r>
+              <a:rPr lang="en-US" dirty="0" err="1" smtClean="0"/>
+              <a:t>Filehandling</a:t>
+            </a:r>
+            <a:endParaRPr lang="en-US" dirty="0"/>
+          </a:p>
+          <a:p>
+            <a:pPr lvl="1"/>
+            <a:r>
+              <a:rPr lang="en-US" dirty="0" smtClean="0"/>
+              <a:t>Data Types</a:t>
+            </a:r>
+            <a:endParaRPr lang="en-US" dirty="0"/>
+          </a:p>
+        </p:txBody>
+      </p:sp>
+    </p:spTree>
+    <p:extLst>
+      <p:ext uri="{BB962C8B-B14F-4D97-AF65-F5344CB8AC3E}">
+        <p14:creationId xmlns:p14="http://schemas.microsoft.com/office/powerpoint/2010/main" val="3317833351"/>
+      </p:ext>
+    </p:extLst>
+  </p:cSld>
+  <p:clrMapOvr>
+    <a:masterClrMapping/>
+  </p:clrMapOvr>
+  <mc:AlternateContent xmlns:mc="http://schemas.openxmlformats.org/markup-compatibility/2006">
+    <mc:Choice xmlns:p14="http://schemas.microsoft.com/office/powerpoint/2010/main" Requires="p14">
+      <p:transition spd="med" p14:dur="700">
+        <p:fade/>
+      </p:transition>
+    </mc:Choice>
+    <mc:Fallback>
+      <p:transition spd="med">
+        <p:fade/>
+      </p:transition>
+    </mc:Fallback>
+  </mc:AlternateContent>
+  <p:timing>
+    <p:tnLst>
+      <p:par>
+        <p:cTn id="1" dur="indefinite" restart="never" nodeType="tmRoot"/>
+      </p:par>
+    </p:tnLst>
+  </p:timing>
+</p:sld>
+</file>
+
+<file path=ppt/slides/slide13.xml><?xml version="1.0" encoding="utf-8"?>
+<p:sld xmlns:a="http://schemas.openxmlformats.org/drawingml/2006/main" xmlns:r="http://schemas.openxmlformats.org/officeDocument/2006/relationships" xmlns:p="http://schemas.openxmlformats.org/presentationml/2006/main">
+  <p:cSld>
+    <p:spTree>
+      <p:nvGrpSpPr>
+        <p:cNvPr id="1" name=""/>
+        <p:cNvGrpSpPr/>
+        <p:nvPr/>
+      </p:nvGrpSpPr>
+      <p:grpSpPr>
+        <a:xfrm>
+          <a:off x="0" y="0"/>
+          <a:ext cx="0" cy="0"/>
+          <a:chOff x="0" y="0"/>
+          <a:chExt cx="0" cy="0"/>
+        </a:xfrm>
+      </p:grpSpPr>
+      <p:sp>
+        <p:nvSpPr>
+          <p:cNvPr id="2" name="Title 1"/>
+          <p:cNvSpPr>
+            <a:spLocks noGrp="1"/>
+          </p:cNvSpPr>
+          <p:nvPr>
+            <p:ph type="title"/>
+          </p:nvPr>
+        </p:nvSpPr>
+        <p:spPr>
+          <a:xfrm>
+            <a:off x="457200" y="2971800"/>
+            <a:ext cx="8229600" cy="1143000"/>
+          </a:xfrm>
+        </p:spPr>
+        <p:txBody>
+          <a:bodyPr>
+            <a:normAutofit/>
+          </a:bodyPr>
+          <a:lstStyle/>
+          <a:p>
+            <a:r>
+              <a:rPr lang="en-US" dirty="0" smtClean="0"/>
+              <a:t>Questions ?</a:t>
+            </a:r>
+            <a:endParaRPr lang="en-US" dirty="0"/>
+          </a:p>
+        </p:txBody>
+      </p:sp>
+    </p:spTree>
+  </p:cSld>
+  <p:clrMapOvr>
+    <a:masterClrMapping/>
+  </p:clrMapOvr>
+  <mc:AlternateContent xmlns:mc="http://schemas.openxmlformats.org/markup-compatibility/2006" xmlns:p14="http://schemas.microsoft.com/office/powerpoint/2010/main">
+    <mc:Choice Requires="p14">
+      <p:transition spd="med" p14:dur="700">
+        <p:fade/>
+      </p:transition>
+    </mc:Choice>
+    <mc:Fallback xmlns="">
+      <p:transition spd="med">
+        <p:fade/>
+      </p:transition>
+    </mc:Fallback>
+  </mc:AlternateContent>
+  <p:timing>
+    <p:tnLst>
+      <p:par>
+        <p:cTn id="1" dur="indefinite" restart="never" nodeType="tmRoot"/>
+      </p:par>
+    </p:tnLst>
+  </p:timing>
+</p:sld>
+</file>
+
+<file path=ppt/slides/slide14.xml><?xml version="1.0" encoding="utf-8"?>
+<p:sld xmlns:a="http://schemas.openxmlformats.org/drawingml/2006/main" xmlns:r="http://schemas.openxmlformats.org/officeDocument/2006/relationships" xmlns:p="http://schemas.openxmlformats.org/presentationml/2006/main">
+  <p:cSld>
+    <p:spTree>
+      <p:nvGrpSpPr>
+        <p:cNvPr id="1" name=""/>
+        <p:cNvGrpSpPr/>
+        <p:nvPr/>
+      </p:nvGrpSpPr>
+      <p:grpSpPr>
+        <a:xfrm>
+          <a:off x="0" y="0"/>
+          <a:ext cx="0" cy="0"/>
+          <a:chOff x="0" y="0"/>
+          <a:chExt cx="0" cy="0"/>
+        </a:xfrm>
+      </p:grpSpPr>
+      <p:sp>
+        <p:nvSpPr>
+          <p:cNvPr id="2" name="Title 1"/>
+          <p:cNvSpPr>
+            <a:spLocks noGrp="1"/>
+          </p:cNvSpPr>
+          <p:nvPr>
+            <p:ph type="title"/>
+          </p:nvPr>
+        </p:nvSpPr>
+        <p:spPr/>
+        <p:txBody>
+          <a:bodyPr/>
+          <a:lstStyle/>
+          <a:p>
+            <a:r>
+              <a:rPr lang="en-US" b="1" dirty="0" smtClean="0"/>
+              <a:t>Applications of NIM</a:t>
+            </a:r>
+            <a:endParaRPr lang="en-US" b="1" dirty="0"/>
+          </a:p>
+        </p:txBody>
+      </p:sp>
+      <p:sp>
+        <p:nvSpPr>
+          <p:cNvPr id="3" name="Content Placeholder 2"/>
+          <p:cNvSpPr>
+            <a:spLocks noGrp="1"/>
+          </p:cNvSpPr>
+          <p:nvPr>
+            <p:ph idx="1"/>
+          </p:nvPr>
+        </p:nvSpPr>
+        <p:spPr/>
+        <p:txBody>
+          <a:bodyPr/>
+          <a:lstStyle/>
+          <a:p>
+            <a:r>
+              <a:rPr lang="en-US" dirty="0" smtClean="0"/>
+              <a:t>Super </a:t>
+            </a:r>
+            <a:r>
+              <a:rPr lang="en-US" dirty="0" err="1" smtClean="0"/>
+              <a:t>lense</a:t>
+            </a:r>
+            <a:endParaRPr lang="en-US" dirty="0"/>
+          </a:p>
+        </p:txBody>
+      </p:sp>
+      <p:pic>
+        <p:nvPicPr>
+          <p:cNvPr id="8194" name="Picture 2" descr="J:\Downloads\320px-Negative_refraction_index_focusing.png"/>
+          <p:cNvPicPr>
+            <a:picLocks noChangeAspect="1" noChangeArrowheads="1"/>
+          </p:cNvPicPr>
+          <p:nvPr/>
+        </p:nvPicPr>
+        <p:blipFill>
+          <a:blip r:embed="rId3" cstate="print"/>
+          <a:srcRect/>
+          <a:stretch>
+            <a:fillRect/>
+          </a:stretch>
+        </p:blipFill>
+        <p:spPr bwMode="auto">
+          <a:xfrm>
+            <a:off x="2438400" y="2514600"/>
+            <a:ext cx="6004723" cy="3657600"/>
+          </a:xfrm>
+          <a:prstGeom prst="rect">
+            <a:avLst/>
+          </a:prstGeom>
+          <a:noFill/>
+        </p:spPr>
+      </p:pic>
+    </p:spTree>
+  </p:cSld>
+  <p:clrMapOvr>
+    <a:masterClrMapping/>
+  </p:clrMapOvr>
+  <mc:AlternateContent xmlns:mc="http://schemas.openxmlformats.org/markup-compatibility/2006" xmlns:p14="http://schemas.microsoft.com/office/powerpoint/2010/main">
+    <mc:Choice Requires="p14">
+      <p:transition spd="med" p14:dur="700">
+        <p:fade/>
+      </p:transition>
+    </mc:Choice>
+    <mc:Fallback xmlns="">
+      <p:transition spd="med">
+        <p:fade/>
+      </p:transition>
+    </mc:Fallback>
+  </mc:AlternateContent>
+  <p:timing>
+    <p:tnLst>
+      <p:par>
+        <p:cTn id="1" dur="indefinite" restart="never" nodeType="tmRoot"/>
+      </p:par>
+    </p:tnLst>
+  </p:timing>
+</p:sld>
+</file>
+
 <file path=ppt/slides/slide2.xml><?xml version="1.0" encoding="utf-8"?>
 <p:sld xmlns:a="http://schemas.openxmlformats.org/drawingml/2006/main" xmlns:r="http://schemas.openxmlformats.org/officeDocument/2006/relationships" xmlns:p="http://schemas.openxmlformats.org/presentationml/2006/main">
   <p:cSld>
@@ -7909,11 +8810,7 @@
           <a:p>
             <a:r>
               <a:rPr lang="en-US" dirty="0" smtClean="0"/>
-              <a:t>TASK 1: FDTD Implementation on </a:t>
-            </a:r>
-            <a:r>
-              <a:rPr lang="en-US" dirty="0" err="1" smtClean="0"/>
-              <a:t>MATlab</a:t>
+              <a:t>Task 1: FDTD Technique</a:t>
             </a:r>
             <a:endParaRPr lang="en-GB" dirty="0"/>
           </a:p>
@@ -7934,7 +8831,22 @@
           <a:bodyPr/>
           <a:lstStyle/>
           <a:p>
-            <a:endParaRPr lang="en-GB"/>
+            <a:r>
+              <a:rPr lang="en-US" dirty="0" smtClean="0"/>
+              <a:t>Why FDTD ?</a:t>
+            </a:r>
+          </a:p>
+          <a:p>
+            <a:endParaRPr lang="en-US" dirty="0"/>
+          </a:p>
+          <a:p>
+            <a:r>
+              <a:rPr lang="en-US" dirty="0" smtClean="0"/>
+              <a:t>Problems</a:t>
+            </a:r>
+          </a:p>
+          <a:p>
+            <a:endParaRPr lang="en-GB" dirty="0"/>
           </a:p>
         </p:txBody>
       </p:sp>
@@ -7997,27 +8909,128 @@
             <p:ph type="title"/>
           </p:nvPr>
         </p:nvSpPr>
+        <p:spPr/>
+        <p:txBody>
+          <a:bodyPr/>
+          <a:lstStyle/>
+          <a:p>
+            <a:r>
+              <a:rPr lang="en-US" b="1" dirty="0" smtClean="0"/>
+              <a:t>How FDTD </a:t>
+            </a:r>
+            <a:r>
+              <a:rPr lang="en-US" b="1" dirty="0" smtClean="0"/>
+              <a:t>works</a:t>
+            </a:r>
+            <a:endParaRPr lang="en-US" b="1" dirty="0"/>
+          </a:p>
+        </p:txBody>
+      </p:sp>
+      <p:sp>
+        <p:nvSpPr>
+          <p:cNvPr id="3" name="Content Placeholder 2"/>
+          <p:cNvSpPr>
+            <a:spLocks noGrp="1"/>
+          </p:cNvSpPr>
+          <p:nvPr>
+            <p:ph idx="1"/>
+          </p:nvPr>
+        </p:nvSpPr>
         <p:spPr>
           <a:xfrm>
-            <a:off x="457200" y="2971800"/>
-            <a:ext cx="8229600" cy="1143000"/>
+            <a:off x="827700" y="1853249"/>
+            <a:ext cx="6711654" cy="4395158"/>
           </a:xfrm>
         </p:spPr>
         <p:txBody>
-          <a:bodyPr>
-            <a:normAutofit/>
-          </a:bodyPr>
+          <a:bodyPr/>
           <a:lstStyle/>
           <a:p>
+            <a:pPr algn="just"/>
             <a:r>
               <a:rPr lang="en-US" dirty="0" smtClean="0"/>
-              <a:t>Questions ?</a:t>
-            </a:r>
+              <a:t>Write Ampere's and Faraday's laws in the form of finite differences. Writing them in the form of electric and magnetic field as the derivative of time and space.</a:t>
+            </a:r>
+          </a:p>
+          <a:p>
+            <a:endParaRPr lang="en-US" dirty="0" smtClean="0"/>
+          </a:p>
+          <a:p>
+            <a:pPr marL="0" indent="0">
+              <a:buNone/>
+            </a:pPr>
+            <a:endParaRPr lang="en-US" dirty="0" smtClean="0"/>
+          </a:p>
+          <a:p>
+            <a:pPr algn="just"/>
+            <a:r>
+              <a:rPr lang="en-US" dirty="0" smtClean="0"/>
+              <a:t>Solve equation so that we can get future values from past values</a:t>
+            </a:r>
+          </a:p>
+          <a:p>
             <a:endParaRPr lang="en-US" dirty="0"/>
           </a:p>
         </p:txBody>
       </p:sp>
+      <p:pic>
+        <p:nvPicPr>
+          <p:cNvPr id="3074" name="Picture 2" descr="C:\Users\Junaid\Desktop\3.PNG"/>
+          <p:cNvPicPr>
+            <a:picLocks noChangeAspect="1" noChangeArrowheads="1"/>
+          </p:cNvPicPr>
+          <p:nvPr/>
+        </p:nvPicPr>
+        <p:blipFill>
+          <a:blip r:embed="rId3" cstate="print"/>
+          <a:srcRect/>
+          <a:stretch>
+            <a:fillRect/>
+          </a:stretch>
+        </p:blipFill>
+        <p:spPr bwMode="auto">
+          <a:xfrm>
+            <a:off x="1905000" y="3124200"/>
+            <a:ext cx="4879622" cy="990600"/>
+          </a:xfrm>
+          <a:prstGeom prst="rect">
+            <a:avLst/>
+          </a:prstGeom>
+          <a:noFill/>
+        </p:spPr>
+      </p:pic>
+      <p:pic>
+        <p:nvPicPr>
+          <p:cNvPr id="3075" name="Picture 3" descr="C:\Users\Junaid\Desktop\22.PNG"/>
+          <p:cNvPicPr>
+            <a:picLocks noChangeAspect="1" noChangeArrowheads="1"/>
+          </p:cNvPicPr>
+          <p:nvPr/>
+        </p:nvPicPr>
+        <p:blipFill>
+          <a:blip r:embed="rId4" cstate="print"/>
+          <a:srcRect/>
+          <a:stretch>
+            <a:fillRect/>
+          </a:stretch>
+        </p:blipFill>
+        <p:spPr bwMode="auto">
+          <a:xfrm>
+            <a:off x="161884" y="4953000"/>
+            <a:ext cx="8829716" cy="990600"/>
+          </a:xfrm>
+          <a:prstGeom prst="rect">
+            <a:avLst/>
+          </a:prstGeom>
+          <a:noFill/>
+        </p:spPr>
+      </p:pic>
     </p:spTree>
+    <p:extLst>
+      <p:ext uri="{BB962C8B-B14F-4D97-AF65-F5344CB8AC3E}">
+        <p14:creationId xmlns:p14="http://schemas.microsoft.com/office/powerpoint/2010/main" val="3333083321"/>
+      </p:ext>
+    </p:extLst>
   </p:cSld>
   <p:clrMapOvr>
     <a:masterClrMapping/>
@@ -8078,7 +9091,7 @@
           <a:p>
             <a:r>
               <a:rPr lang="en-US" b="1" dirty="0" smtClean="0"/>
-              <a:t>Applications of NIM</a:t>
+              <a:t>How FDTD works</a:t>
             </a:r>
             <a:endParaRPr lang="en-US" b="1" dirty="0"/>
           </a:p>
@@ -8100,23 +9113,52 @@
           <a:lstStyle/>
           <a:p>
             <a:r>
-              <a:rPr lang="en-US" dirty="0" err="1" smtClean="0"/>
-              <a:t>Superlense</a:t>
-            </a:r>
+              <a:rPr lang="en-US" dirty="0" smtClean="0"/>
+              <a:t>We can find magnetic field using past values of electric field also find electric field values using past magnetic field values.</a:t>
+            </a:r>
+          </a:p>
+          <a:p>
+            <a:endParaRPr lang="en-US" dirty="0" smtClean="0"/>
+          </a:p>
+          <a:p>
+            <a:endParaRPr lang="en-US" dirty="0" smtClean="0"/>
+          </a:p>
+          <a:p>
+            <a:endParaRPr lang="en-US" dirty="0" smtClean="0"/>
+          </a:p>
+          <a:p>
+            <a:endParaRPr lang="en-US" dirty="0" smtClean="0"/>
+          </a:p>
+          <a:p>
+            <a:pPr>
+              <a:buNone/>
+            </a:pPr>
+            <a:r>
+              <a:rPr lang="en-US" dirty="0" smtClean="0"/>
+              <a:t>	</a:t>
+            </a:r>
+          </a:p>
+          <a:p>
+            <a:r>
+              <a:rPr lang="en-US" dirty="0" smtClean="0"/>
+              <a:t>Repeat the above step to get all values</a:t>
+            </a:r>
+          </a:p>
+          <a:p>
             <a:endParaRPr lang="en-US" dirty="0"/>
           </a:p>
         </p:txBody>
       </p:sp>
       <p:pic>
         <p:nvPicPr>
-          <p:cNvPr id="8194" name="Picture 2" descr="J:\Downloads\320px-Negative_refraction_index_focusing.png"/>
+          <p:cNvPr id="4098" name="Picture 2" descr="C:\Users\Junaid\Desktop\33.PNG"/>
           <p:cNvPicPr>
             <a:picLocks noChangeAspect="1" noChangeArrowheads="1"/>
           </p:cNvPicPr>
           <p:nvPr/>
         </p:nvPicPr>
         <p:blipFill>
-          <a:blip r:embed="rId3" cstate="print"/>
+          <a:blip r:embed="rId2" cstate="print"/>
           <a:srcRect/>
           <a:stretch>
             <a:fillRect/>
@@ -8124,8 +9166,8 @@
         </p:blipFill>
         <p:spPr bwMode="auto">
           <a:xfrm>
-            <a:off x="2438400" y="2514600"/>
-            <a:ext cx="6004723" cy="3657600"/>
+            <a:off x="304800" y="3276600"/>
+            <a:ext cx="8562701" cy="1905000"/>
           </a:xfrm>
           <a:prstGeom prst="rect">
             <a:avLst/>
@@ -8134,6 +9176,113 @@
         </p:spPr>
       </p:pic>
     </p:spTree>
+    <p:extLst>
+      <p:ext uri="{BB962C8B-B14F-4D97-AF65-F5344CB8AC3E}">
+        <p14:creationId xmlns:p14="http://schemas.microsoft.com/office/powerpoint/2010/main" val="1692360811"/>
+      </p:ext>
+    </p:extLst>
+  </p:cSld>
+  <p:clrMapOvr>
+    <a:masterClrMapping/>
+  </p:clrMapOvr>
+  <mc:AlternateContent xmlns:mc="http://schemas.openxmlformats.org/markup-compatibility/2006" xmlns:p14="http://schemas.microsoft.com/office/powerpoint/2010/main">
+    <mc:Choice Requires="p14">
+      <p:transition spd="med" p14:dur="700">
+        <p:fade/>
+      </p:transition>
+    </mc:Choice>
+    <mc:Fallback xmlns="">
+      <p:transition spd="med">
+        <p:fade/>
+      </p:transition>
+    </mc:Fallback>
+  </mc:AlternateContent>
+  <p:timing>
+    <p:tnLst>
+      <p:par>
+        <p:cTn id="1" dur="indefinite" restart="never" nodeType="tmRoot"/>
+      </p:par>
+    </p:tnLst>
+  </p:timing>
+</p:sld>
+</file>
+
+<file path=ppt/slides/slide9.xml><?xml version="1.0" encoding="utf-8"?>
+<p:sld xmlns:a="http://schemas.openxmlformats.org/drawingml/2006/main" xmlns:r="http://schemas.openxmlformats.org/officeDocument/2006/relationships" xmlns:p="http://schemas.openxmlformats.org/presentationml/2006/main">
+  <p:cSld>
+    <p:spTree>
+      <p:nvGrpSpPr>
+        <p:cNvPr id="1" name=""/>
+        <p:cNvGrpSpPr/>
+        <p:nvPr/>
+      </p:nvGrpSpPr>
+      <p:grpSpPr>
+        <a:xfrm>
+          <a:off x="0" y="0"/>
+          <a:ext cx="0" cy="0"/>
+          <a:chOff x="0" y="0"/>
+          <a:chExt cx="0" cy="0"/>
+        </a:xfrm>
+      </p:grpSpPr>
+      <p:sp>
+        <p:nvSpPr>
+          <p:cNvPr id="2" name="Title 1"/>
+          <p:cNvSpPr>
+            <a:spLocks noGrp="1"/>
+          </p:cNvSpPr>
+          <p:nvPr>
+            <p:ph type="title"/>
+          </p:nvPr>
+        </p:nvSpPr>
+        <p:spPr/>
+        <p:txBody>
+          <a:bodyPr/>
+          <a:lstStyle/>
+          <a:p>
+            <a:r>
+              <a:rPr lang="en-US" b="1" dirty="0"/>
+              <a:t>How FDTD works</a:t>
+            </a:r>
+            <a:endParaRPr lang="en-GB" dirty="0"/>
+          </a:p>
+        </p:txBody>
+      </p:sp>
+      <p:pic>
+        <p:nvPicPr>
+          <p:cNvPr id="5" name="Picture 4"/>
+          <p:cNvPicPr>
+            <a:picLocks noChangeAspect="1"/>
+          </p:cNvPicPr>
+          <p:nvPr/>
+        </p:nvPicPr>
+        <p:blipFill>
+          <a:blip r:embed="rId2">
+            <a:extLst>
+              <a:ext uri="{28A0092B-C50C-407E-A947-70E740481C1C}">
+                <a14:useLocalDpi xmlns:a14="http://schemas.microsoft.com/office/drawing/2010/main" val="0"/>
+              </a:ext>
+            </a:extLst>
+          </a:blip>
+          <a:stretch>
+            <a:fillRect/>
+          </a:stretch>
+        </p:blipFill>
+        <p:spPr>
+          <a:xfrm>
+            <a:off x="1419060" y="1524000"/>
+            <a:ext cx="6305879" cy="4706112"/>
+          </a:xfrm>
+          <a:prstGeom prst="rect">
+            <a:avLst/>
+          </a:prstGeom>
+        </p:spPr>
+      </p:pic>
+    </p:spTree>
+    <p:extLst>
+      <p:ext uri="{BB962C8B-B14F-4D97-AF65-F5344CB8AC3E}">
+        <p14:creationId xmlns:p14="http://schemas.microsoft.com/office/powerpoint/2010/main" val="3536022546"/>
+      </p:ext>
+    </p:extLst>
   </p:cSld>
   <p:clrMapOvr>
     <a:masterClrMapping/>

--- a/FYP_Defense_Presentation/FYP-1_presentation.pptx
+++ b/FYP_Defense_Presentation/FYP-1_presentation.pptx
@@ -122,7 +122,7 @@
   </p:defaultTextStyle>
   <p:extLst>
     <p:ext uri="{EFAFB233-063F-42B5-8137-9DF3F51BA10A}">
-      <p15:sldGuideLst xmlns:p15="http://schemas.microsoft.com/office/powerpoint/2012/main">
+      <p15:sldGuideLst xmlns:p15="http://schemas.microsoft.com/office/powerpoint/2012/main" xmlns="">
         <p15:guide id="1" orient="horz" pos="2160">
           <p15:clr>
             <a:srgbClr val="A4A3A4"/>
@@ -393,7 +393,7 @@
     </p:spTree>
     <p:extLst>
       <p:ext uri="{BB962C8B-B14F-4D97-AF65-F5344CB8AC3E}">
-        <p14:creationId xmlns:p14="http://schemas.microsoft.com/office/powerpoint/2010/main" val="2938669800"/>
+        <p14:creationId xmlns:p14="http://schemas.microsoft.com/office/powerpoint/2010/main" xmlns="" val="2938669800"/>
       </p:ext>
     </p:extLst>
   </p:cSld>
@@ -640,19 +640,7 @@
                 <a:ea typeface="+mn-ea"/>
                 <a:cs typeface="+mn-cs"/>
               </a:rPr>
-              <a:t> lines </a:t>
-            </a:r>
-            <a:r>
-              <a:rPr lang="en-GB" sz="1200" b="0" i="0" kern="1200" dirty="0" smtClean="0">
-                <a:solidFill>
-                  <a:schemeClr val="tx1"/>
-                </a:solidFill>
-                <a:effectLst/>
-                <a:latin typeface="+mn-lt"/>
-                <a:ea typeface="+mn-ea"/>
-                <a:cs typeface="+mn-cs"/>
-              </a:rPr>
-              <a:t>of </a:t>
+              <a:t> lines of </a:t>
             </a:r>
             <a:r>
               <a:rPr lang="en-GB" sz="1200" b="0" i="0" u="none" strike="noStrike" kern="1200" dirty="0" smtClean="0">
@@ -842,7 +830,7 @@
     </p:spTree>
     <p:extLst>
       <p:ext uri="{BB962C8B-B14F-4D97-AF65-F5344CB8AC3E}">
-        <p14:creationId xmlns:p14="http://schemas.microsoft.com/office/powerpoint/2010/main" val="1291117958"/>
+        <p14:creationId xmlns:p14="http://schemas.microsoft.com/office/powerpoint/2010/main" xmlns="" val="1291117958"/>
       </p:ext>
     </p:extLst>
   </p:cSld>
@@ -998,7 +986,7 @@
     </p:spTree>
     <p:extLst>
       <p:ext uri="{BB962C8B-B14F-4D97-AF65-F5344CB8AC3E}">
-        <p14:creationId xmlns:p14="http://schemas.microsoft.com/office/powerpoint/2010/main" val="3589294838"/>
+        <p14:creationId xmlns:p14="http://schemas.microsoft.com/office/powerpoint/2010/main" xmlns="" val="3589294838"/>
       </p:ext>
     </p:extLst>
   </p:cSld>
@@ -1247,20 +1235,20 @@
     </p:spTree>
     <p:extLst>
       <p:ext uri="{BB962C8B-B14F-4D97-AF65-F5344CB8AC3E}">
-        <p14:creationId xmlns:p14="http://schemas.microsoft.com/office/powerpoint/2010/main" val="1487840183"/>
+        <p14:creationId xmlns:p14="http://schemas.microsoft.com/office/powerpoint/2010/main" xmlns="" val="1487840183"/>
       </p:ext>
     </p:extLst>
   </p:cSld>
   <p:clrMapOvr>
     <a:masterClrMapping/>
   </p:clrMapOvr>
-  <mc:AlternateContent xmlns:mc="http://schemas.openxmlformats.org/markup-compatibility/2006" xmlns:p14="http://schemas.microsoft.com/office/powerpoint/2010/main">
-    <mc:Choice Requires="p14">
+  <mc:AlternateContent xmlns:mc="http://schemas.openxmlformats.org/markup-compatibility/2006">
+    <mc:Choice xmlns:p14="http://schemas.microsoft.com/office/powerpoint/2010/main" xmlns="" Requires="p14">
       <p:transition spd="med" p14:dur="700">
         <p:fade/>
       </p:transition>
     </mc:Choice>
-    <mc:Fallback xmlns="">
+    <mc:Fallback>
       <p:transition spd="med">
         <p:fade/>
       </p:transition>
@@ -1543,7 +1531,7 @@
     </p:spTree>
     <p:extLst>
       <p:ext uri="{BB962C8B-B14F-4D97-AF65-F5344CB8AC3E}">
-        <p14:creationId xmlns:p14="http://schemas.microsoft.com/office/powerpoint/2010/main" val="2218284353"/>
+        <p14:creationId xmlns:p14="http://schemas.microsoft.com/office/powerpoint/2010/main" xmlns="" val="2218284353"/>
       </p:ext>
     </p:extLst>
   </p:cSld>
@@ -1739,7 +1727,7 @@
     </p:spTree>
     <p:extLst>
       <p:ext uri="{BB962C8B-B14F-4D97-AF65-F5344CB8AC3E}">
-        <p14:creationId xmlns:p14="http://schemas.microsoft.com/office/powerpoint/2010/main" val="2933009711"/>
+        <p14:creationId xmlns:p14="http://schemas.microsoft.com/office/powerpoint/2010/main" xmlns="" val="2933009711"/>
       </p:ext>
     </p:extLst>
   </p:cSld>
@@ -2108,7 +2096,7 @@
     </p:spTree>
     <p:extLst>
       <p:ext uri="{BB962C8B-B14F-4D97-AF65-F5344CB8AC3E}">
-        <p14:creationId xmlns:p14="http://schemas.microsoft.com/office/powerpoint/2010/main" val="1124768494"/>
+        <p14:creationId xmlns:p14="http://schemas.microsoft.com/office/powerpoint/2010/main" xmlns="" val="1124768494"/>
       </p:ext>
     </p:extLst>
   </p:cSld>
@@ -2357,7 +2345,7 @@
     </p:spTree>
     <p:extLst>
       <p:ext uri="{BB962C8B-B14F-4D97-AF65-F5344CB8AC3E}">
-        <p14:creationId xmlns:p14="http://schemas.microsoft.com/office/powerpoint/2010/main" val="576388938"/>
+        <p14:creationId xmlns:p14="http://schemas.microsoft.com/office/powerpoint/2010/main" xmlns="" val="576388938"/>
       </p:ext>
     </p:extLst>
   </p:cSld>
@@ -2982,7 +2970,7 @@
     </p:spTree>
     <p:extLst>
       <p:ext uri="{BB962C8B-B14F-4D97-AF65-F5344CB8AC3E}">
-        <p14:creationId xmlns:p14="http://schemas.microsoft.com/office/powerpoint/2010/main" val="290251275"/>
+        <p14:creationId xmlns:p14="http://schemas.microsoft.com/office/powerpoint/2010/main" xmlns="" val="290251275"/>
       </p:ext>
     </p:extLst>
   </p:cSld>
@@ -3844,7 +3832,7 @@
     </p:spTree>
     <p:extLst>
       <p:ext uri="{BB962C8B-B14F-4D97-AF65-F5344CB8AC3E}">
-        <p14:creationId xmlns:p14="http://schemas.microsoft.com/office/powerpoint/2010/main" val="3017987325"/>
+        <p14:creationId xmlns:p14="http://schemas.microsoft.com/office/powerpoint/2010/main" xmlns="" val="3017987325"/>
       </p:ext>
     </p:extLst>
   </p:cSld>
@@ -4016,20 +4004,20 @@
     </p:spTree>
     <p:extLst>
       <p:ext uri="{BB962C8B-B14F-4D97-AF65-F5344CB8AC3E}">
-        <p14:creationId xmlns:p14="http://schemas.microsoft.com/office/powerpoint/2010/main" val="1802369627"/>
+        <p14:creationId xmlns:p14="http://schemas.microsoft.com/office/powerpoint/2010/main" xmlns="" val="1802369627"/>
       </p:ext>
     </p:extLst>
   </p:cSld>
   <p:clrMapOvr>
     <a:masterClrMapping/>
   </p:clrMapOvr>
-  <mc:AlternateContent xmlns:mc="http://schemas.openxmlformats.org/markup-compatibility/2006" xmlns:p14="http://schemas.microsoft.com/office/powerpoint/2010/main">
-    <mc:Choice Requires="p14">
+  <mc:AlternateContent xmlns:mc="http://schemas.openxmlformats.org/markup-compatibility/2006">
+    <mc:Choice xmlns:p14="http://schemas.microsoft.com/office/powerpoint/2010/main" xmlns="" Requires="p14">
       <p:transition spd="med" p14:dur="700">
         <p:fade/>
       </p:transition>
     </mc:Choice>
-    <mc:Fallback xmlns="">
+    <mc:Fallback>
       <p:transition spd="med">
         <p:fade/>
       </p:transition>
@@ -4217,20 +4205,20 @@
     </p:spTree>
     <p:extLst>
       <p:ext uri="{BB962C8B-B14F-4D97-AF65-F5344CB8AC3E}">
-        <p14:creationId xmlns:p14="http://schemas.microsoft.com/office/powerpoint/2010/main" val="3445527145"/>
+        <p14:creationId xmlns:p14="http://schemas.microsoft.com/office/powerpoint/2010/main" xmlns="" val="3445527145"/>
       </p:ext>
     </p:extLst>
   </p:cSld>
   <p:clrMapOvr>
     <a:masterClrMapping/>
   </p:clrMapOvr>
-  <mc:AlternateContent xmlns:mc="http://schemas.openxmlformats.org/markup-compatibility/2006" xmlns:p14="http://schemas.microsoft.com/office/powerpoint/2010/main">
-    <mc:Choice Requires="p14">
+  <mc:AlternateContent xmlns:mc="http://schemas.openxmlformats.org/markup-compatibility/2006">
+    <mc:Choice xmlns:p14="http://schemas.microsoft.com/office/powerpoint/2010/main" xmlns="" Requires="p14">
       <p:transition spd="med" p14:dur="700">
         <p:fade/>
       </p:transition>
     </mc:Choice>
-    <mc:Fallback xmlns="">
+    <mc:Fallback>
       <p:transition spd="med">
         <p:fade/>
       </p:transition>
@@ -4408,20 +4396,20 @@
     </p:spTree>
     <p:extLst>
       <p:ext uri="{BB962C8B-B14F-4D97-AF65-F5344CB8AC3E}">
-        <p14:creationId xmlns:p14="http://schemas.microsoft.com/office/powerpoint/2010/main" val="3119422841"/>
+        <p14:creationId xmlns:p14="http://schemas.microsoft.com/office/powerpoint/2010/main" xmlns="" val="3119422841"/>
       </p:ext>
     </p:extLst>
   </p:cSld>
   <p:clrMapOvr>
     <a:masterClrMapping/>
   </p:clrMapOvr>
-  <mc:AlternateContent xmlns:mc="http://schemas.openxmlformats.org/markup-compatibility/2006" xmlns:p14="http://schemas.microsoft.com/office/powerpoint/2010/main">
-    <mc:Choice Requires="p14">
+  <mc:AlternateContent xmlns:mc="http://schemas.openxmlformats.org/markup-compatibility/2006">
+    <mc:Choice xmlns:p14="http://schemas.microsoft.com/office/powerpoint/2010/main" xmlns="" Requires="p14">
       <p:transition spd="med" p14:dur="700">
         <p:fade/>
       </p:transition>
     </mc:Choice>
-    <mc:Fallback xmlns="">
+    <mc:Fallback>
       <p:transition spd="med">
         <p:fade/>
       </p:transition>
@@ -4676,20 +4664,20 @@
     </p:spTree>
     <p:extLst>
       <p:ext uri="{BB962C8B-B14F-4D97-AF65-F5344CB8AC3E}">
-        <p14:creationId xmlns:p14="http://schemas.microsoft.com/office/powerpoint/2010/main" val="3432664710"/>
+        <p14:creationId xmlns:p14="http://schemas.microsoft.com/office/powerpoint/2010/main" xmlns="" val="3432664710"/>
       </p:ext>
     </p:extLst>
   </p:cSld>
   <p:clrMapOvr>
     <a:masterClrMapping/>
   </p:clrMapOvr>
-  <mc:AlternateContent xmlns:mc="http://schemas.openxmlformats.org/markup-compatibility/2006" xmlns:p14="http://schemas.microsoft.com/office/powerpoint/2010/main">
-    <mc:Choice Requires="p14">
+  <mc:AlternateContent xmlns:mc="http://schemas.openxmlformats.org/markup-compatibility/2006">
+    <mc:Choice xmlns:p14="http://schemas.microsoft.com/office/powerpoint/2010/main" xmlns="" Requires="p14">
       <p:transition spd="med" p14:dur="700">
         <p:fade/>
       </p:transition>
     </mc:Choice>
-    <mc:Fallback xmlns="">
+    <mc:Fallback>
       <p:transition spd="med">
         <p:fade/>
       </p:transition>
@@ -4989,20 +4977,20 @@
     </p:spTree>
     <p:extLst>
       <p:ext uri="{BB962C8B-B14F-4D97-AF65-F5344CB8AC3E}">
-        <p14:creationId xmlns:p14="http://schemas.microsoft.com/office/powerpoint/2010/main" val="2055103980"/>
+        <p14:creationId xmlns:p14="http://schemas.microsoft.com/office/powerpoint/2010/main" xmlns="" val="2055103980"/>
       </p:ext>
     </p:extLst>
   </p:cSld>
   <p:clrMapOvr>
     <a:masterClrMapping/>
   </p:clrMapOvr>
-  <mc:AlternateContent xmlns:mc="http://schemas.openxmlformats.org/markup-compatibility/2006" xmlns:p14="http://schemas.microsoft.com/office/powerpoint/2010/main">
-    <mc:Choice Requires="p14">
+  <mc:AlternateContent xmlns:mc="http://schemas.openxmlformats.org/markup-compatibility/2006">
+    <mc:Choice xmlns:p14="http://schemas.microsoft.com/office/powerpoint/2010/main" xmlns="" Requires="p14">
       <p:transition spd="med" p14:dur="700">
         <p:fade/>
       </p:transition>
     </mc:Choice>
-    <mc:Fallback xmlns="">
+    <mc:Fallback>
       <p:transition spd="med">
         <p:fade/>
       </p:transition>
@@ -5454,20 +5442,20 @@
     </p:spTree>
     <p:extLst>
       <p:ext uri="{BB962C8B-B14F-4D97-AF65-F5344CB8AC3E}">
-        <p14:creationId xmlns:p14="http://schemas.microsoft.com/office/powerpoint/2010/main" val="1775793887"/>
+        <p14:creationId xmlns:p14="http://schemas.microsoft.com/office/powerpoint/2010/main" xmlns="" val="1775793887"/>
       </p:ext>
     </p:extLst>
   </p:cSld>
   <p:clrMapOvr>
     <a:masterClrMapping/>
   </p:clrMapOvr>
-  <mc:AlternateContent xmlns:mc="http://schemas.openxmlformats.org/markup-compatibility/2006" xmlns:p14="http://schemas.microsoft.com/office/powerpoint/2010/main">
-    <mc:Choice Requires="p14">
+  <mc:AlternateContent xmlns:mc="http://schemas.openxmlformats.org/markup-compatibility/2006">
+    <mc:Choice xmlns:p14="http://schemas.microsoft.com/office/powerpoint/2010/main" xmlns="" Requires="p14">
       <p:transition spd="med" p14:dur="700">
         <p:fade/>
       </p:transition>
     </mc:Choice>
-    <mc:Fallback xmlns="">
+    <mc:Fallback>
       <p:transition spd="med">
         <p:fade/>
       </p:transition>
@@ -5593,20 +5581,20 @@
     </p:spTree>
     <p:extLst>
       <p:ext uri="{BB962C8B-B14F-4D97-AF65-F5344CB8AC3E}">
-        <p14:creationId xmlns:p14="http://schemas.microsoft.com/office/powerpoint/2010/main" val="1488130519"/>
+        <p14:creationId xmlns:p14="http://schemas.microsoft.com/office/powerpoint/2010/main" xmlns="" val="1488130519"/>
       </p:ext>
     </p:extLst>
   </p:cSld>
   <p:clrMapOvr>
     <a:masterClrMapping/>
   </p:clrMapOvr>
-  <mc:AlternateContent xmlns:mc="http://schemas.openxmlformats.org/markup-compatibility/2006" xmlns:p14="http://schemas.microsoft.com/office/powerpoint/2010/main">
-    <mc:Choice Requires="p14">
+  <mc:AlternateContent xmlns:mc="http://schemas.openxmlformats.org/markup-compatibility/2006">
+    <mc:Choice xmlns:p14="http://schemas.microsoft.com/office/powerpoint/2010/main" xmlns="" Requires="p14">
       <p:transition spd="med" p14:dur="700">
         <p:fade/>
       </p:transition>
     </mc:Choice>
-    <mc:Fallback xmlns="">
+    <mc:Fallback>
       <p:transition spd="med">
         <p:fade/>
       </p:transition>
@@ -5709,20 +5697,20 @@
     </p:spTree>
     <p:extLst>
       <p:ext uri="{BB962C8B-B14F-4D97-AF65-F5344CB8AC3E}">
-        <p14:creationId xmlns:p14="http://schemas.microsoft.com/office/powerpoint/2010/main" val="3196683496"/>
+        <p14:creationId xmlns:p14="http://schemas.microsoft.com/office/powerpoint/2010/main" xmlns="" val="3196683496"/>
       </p:ext>
     </p:extLst>
   </p:cSld>
   <p:clrMapOvr>
     <a:masterClrMapping/>
   </p:clrMapOvr>
-  <mc:AlternateContent xmlns:mc="http://schemas.openxmlformats.org/markup-compatibility/2006" xmlns:p14="http://schemas.microsoft.com/office/powerpoint/2010/main">
-    <mc:Choice Requires="p14">
+  <mc:AlternateContent xmlns:mc="http://schemas.openxmlformats.org/markup-compatibility/2006">
+    <mc:Choice xmlns:p14="http://schemas.microsoft.com/office/powerpoint/2010/main" xmlns="" Requires="p14">
       <p:transition spd="med" p14:dur="700">
         <p:fade/>
       </p:transition>
     </mc:Choice>
-    <mc:Fallback xmlns="">
+    <mc:Fallback>
       <p:transition spd="med">
         <p:fade/>
       </p:transition>
@@ -6009,20 +5997,20 @@
     </p:spTree>
     <p:extLst>
       <p:ext uri="{BB962C8B-B14F-4D97-AF65-F5344CB8AC3E}">
-        <p14:creationId xmlns:p14="http://schemas.microsoft.com/office/powerpoint/2010/main" val="284430622"/>
+        <p14:creationId xmlns:p14="http://schemas.microsoft.com/office/powerpoint/2010/main" xmlns="" val="284430622"/>
       </p:ext>
     </p:extLst>
   </p:cSld>
   <p:clrMapOvr>
     <a:masterClrMapping/>
   </p:clrMapOvr>
-  <mc:AlternateContent xmlns:mc="http://schemas.openxmlformats.org/markup-compatibility/2006" xmlns:p14="http://schemas.microsoft.com/office/powerpoint/2010/main">
-    <mc:Choice Requires="p14">
+  <mc:AlternateContent xmlns:mc="http://schemas.openxmlformats.org/markup-compatibility/2006">
+    <mc:Choice xmlns:p14="http://schemas.microsoft.com/office/powerpoint/2010/main" xmlns="" Requires="p14">
       <p:transition spd="med" p14:dur="700">
         <p:fade/>
       </p:transition>
     </mc:Choice>
-    <mc:Fallback xmlns="">
+    <mc:Fallback>
       <p:transition spd="med">
         <p:fade/>
       </p:transition>
@@ -6305,20 +6293,20 @@
     </p:spTree>
     <p:extLst>
       <p:ext uri="{BB962C8B-B14F-4D97-AF65-F5344CB8AC3E}">
-        <p14:creationId xmlns:p14="http://schemas.microsoft.com/office/powerpoint/2010/main" val="3864686780"/>
+        <p14:creationId xmlns:p14="http://schemas.microsoft.com/office/powerpoint/2010/main" xmlns="" val="3864686780"/>
       </p:ext>
     </p:extLst>
   </p:cSld>
   <p:clrMapOvr>
     <a:masterClrMapping/>
   </p:clrMapOvr>
-  <mc:AlternateContent xmlns:mc="http://schemas.openxmlformats.org/markup-compatibility/2006" xmlns:p14="http://schemas.microsoft.com/office/powerpoint/2010/main">
-    <mc:Choice Requires="p14">
+  <mc:AlternateContent xmlns:mc="http://schemas.openxmlformats.org/markup-compatibility/2006">
+    <mc:Choice xmlns:p14="http://schemas.microsoft.com/office/powerpoint/2010/main" xmlns="" Requires="p14">
       <p:transition spd="med" p14:dur="700">
         <p:fade/>
       </p:transition>
     </mc:Choice>
-    <mc:Fallback xmlns="">
+    <mc:Fallback>
       <p:transition spd="med">
         <p:fade/>
       </p:transition>
@@ -6928,7 +6916,7 @@
     </p:spTree>
     <p:extLst>
       <p:ext uri="{BB962C8B-B14F-4D97-AF65-F5344CB8AC3E}">
-        <p14:creationId xmlns:p14="http://schemas.microsoft.com/office/powerpoint/2010/main" val="2702246830"/>
+        <p14:creationId xmlns:p14="http://schemas.microsoft.com/office/powerpoint/2010/main" xmlns="" val="2702246830"/>
       </p:ext>
     </p:extLst>
   </p:cSld>
@@ -6952,13 +6940,13 @@
     <p:sldLayoutId id="2147483858" r:id="rId16"/>
     <p:sldLayoutId id="2147483859" r:id="rId17"/>
   </p:sldLayoutIdLst>
-  <mc:AlternateContent xmlns:mc="http://schemas.openxmlformats.org/markup-compatibility/2006" xmlns:p14="http://schemas.microsoft.com/office/powerpoint/2010/main">
-    <mc:Choice Requires="p14">
+  <mc:AlternateContent xmlns:mc="http://schemas.openxmlformats.org/markup-compatibility/2006">
+    <mc:Choice xmlns:p14="http://schemas.microsoft.com/office/powerpoint/2010/main" xmlns="" Requires="p14">
       <p:transition spd="med" p14:dur="700">
         <p:fade/>
       </p:transition>
     </mc:Choice>
-    <mc:Fallback xmlns="">
+    <mc:Fallback>
       <p:transition spd="med">
         <p:fade/>
       </p:transition>
@@ -7643,13 +7631,13 @@
   <p:clrMapOvr>
     <a:masterClrMapping/>
   </p:clrMapOvr>
-  <mc:AlternateContent xmlns:mc="http://schemas.openxmlformats.org/markup-compatibility/2006" xmlns:p14="http://schemas.microsoft.com/office/powerpoint/2010/main">
-    <mc:Choice Requires="p14">
+  <mc:AlternateContent xmlns:mc="http://schemas.openxmlformats.org/markup-compatibility/2006">
+    <mc:Choice xmlns:p14="http://schemas.microsoft.com/office/powerpoint/2010/main" xmlns="" Requires="p14">
       <p:transition spd="med" p14:dur="700">
         <p:fade/>
       </p:transition>
     </mc:Choice>
-    <mc:Fallback xmlns="">
+    <mc:Fallback>
       <p:transition spd="med">
         <p:fade/>
       </p:transition>
@@ -7745,7 +7733,7 @@
     </p:spTree>
     <p:extLst>
       <p:ext uri="{BB962C8B-B14F-4D97-AF65-F5344CB8AC3E}">
-        <p14:creationId xmlns:p14="http://schemas.microsoft.com/office/powerpoint/2010/main" val="2212522789"/>
+        <p14:creationId xmlns:p14="http://schemas.microsoft.com/office/powerpoint/2010/main" xmlns="" val="2212522789"/>
       </p:ext>
     </p:extLst>
   </p:cSld>
@@ -7753,7 +7741,7 @@
     <a:masterClrMapping/>
   </p:clrMapOvr>
   <mc:AlternateContent xmlns:mc="http://schemas.openxmlformats.org/markup-compatibility/2006">
-    <mc:Choice xmlns:p14="http://schemas.microsoft.com/office/powerpoint/2010/main" Requires="p14">
+    <mc:Choice xmlns:p14="http://schemas.microsoft.com/office/powerpoint/2010/main" xmlns="" Requires="p14">
       <p:transition spd="med" p14:dur="700">
         <p:fade/>
       </p:transition>
@@ -7868,7 +7856,7 @@
     </p:spTree>
     <p:extLst>
       <p:ext uri="{BB962C8B-B14F-4D97-AF65-F5344CB8AC3E}">
-        <p14:creationId xmlns:p14="http://schemas.microsoft.com/office/powerpoint/2010/main" val="3453090673"/>
+        <p14:creationId xmlns:p14="http://schemas.microsoft.com/office/powerpoint/2010/main" xmlns="" val="3453090673"/>
       </p:ext>
     </p:extLst>
   </p:cSld>
@@ -7876,7 +7864,7 @@
     <a:masterClrMapping/>
   </p:clrMapOvr>
   <mc:AlternateContent xmlns:mc="http://schemas.openxmlformats.org/markup-compatibility/2006">
-    <mc:Choice xmlns:p14="http://schemas.microsoft.com/office/powerpoint/2010/main" Requires="p14">
+    <mc:Choice xmlns:p14="http://schemas.microsoft.com/office/powerpoint/2010/main" xmlns="" Requires="p14">
       <p:transition spd="med" p14:dur="700">
         <p:fade/>
       </p:transition>
@@ -7960,8 +7948,8 @@
           <a:p>
             <a:pPr lvl="1"/>
             <a:r>
-              <a:rPr lang="en-US" dirty="0" err="1" smtClean="0"/>
-              <a:t>Filehandling</a:t>
+              <a:rPr lang="en-US" dirty="0" smtClean="0"/>
+              <a:t>File handling</a:t>
             </a:r>
             <a:endParaRPr lang="en-US" dirty="0"/>
           </a:p>
@@ -7978,7 +7966,7 @@
     </p:spTree>
     <p:extLst>
       <p:ext uri="{BB962C8B-B14F-4D97-AF65-F5344CB8AC3E}">
-        <p14:creationId xmlns:p14="http://schemas.microsoft.com/office/powerpoint/2010/main" val="3317833351"/>
+        <p14:creationId xmlns:p14="http://schemas.microsoft.com/office/powerpoint/2010/main" xmlns="" val="3317833351"/>
       </p:ext>
     </p:extLst>
   </p:cSld>
@@ -7986,7 +7974,7 @@
     <a:masterClrMapping/>
   </p:clrMapOvr>
   <mc:AlternateContent xmlns:mc="http://schemas.openxmlformats.org/markup-compatibility/2006">
-    <mc:Choice xmlns:p14="http://schemas.microsoft.com/office/powerpoint/2010/main" Requires="p14">
+    <mc:Choice xmlns:p14="http://schemas.microsoft.com/office/powerpoint/2010/main" xmlns="" Requires="p14">
       <p:transition spd="med" p14:dur="700">
         <p:fade/>
       </p:transition>
@@ -8059,13 +8047,13 @@
   <p:clrMapOvr>
     <a:masterClrMapping/>
   </p:clrMapOvr>
-  <mc:AlternateContent xmlns:mc="http://schemas.openxmlformats.org/markup-compatibility/2006" xmlns:p14="http://schemas.microsoft.com/office/powerpoint/2010/main">
-    <mc:Choice Requires="p14">
+  <mc:AlternateContent xmlns:mc="http://schemas.openxmlformats.org/markup-compatibility/2006">
+    <mc:Choice xmlns:p14="http://schemas.microsoft.com/office/powerpoint/2010/main" xmlns="" Requires="p14">
       <p:transition spd="med" p14:dur="700">
         <p:fade/>
       </p:transition>
     </mc:Choice>
-    <mc:Fallback xmlns="">
+    <mc:Fallback>
       <p:transition spd="med">
         <p:fade/>
       </p:transition>
@@ -8179,13 +8167,13 @@
   <p:clrMapOvr>
     <a:masterClrMapping/>
   </p:clrMapOvr>
-  <mc:AlternateContent xmlns:mc="http://schemas.openxmlformats.org/markup-compatibility/2006" xmlns:p14="http://schemas.microsoft.com/office/powerpoint/2010/main">
-    <mc:Choice Requires="p14">
+  <mc:AlternateContent xmlns:mc="http://schemas.openxmlformats.org/markup-compatibility/2006">
+    <mc:Choice xmlns:p14="http://schemas.microsoft.com/office/powerpoint/2010/main" xmlns="" Requires="p14">
       <p:transition spd="med" p14:dur="700">
         <p:fade/>
       </p:transition>
     </mc:Choice>
-    <mc:Fallback xmlns="">
+    <mc:Fallback>
       <p:transition spd="med">
         <p:fade/>
       </p:transition>
@@ -8235,7 +8223,7 @@
           <a:p>
             <a:r>
               <a:rPr lang="en-US" b="1" dirty="0" smtClean="0"/>
-              <a:t>Problem Statement</a:t>
+              <a:t>Project Objectives</a:t>
             </a:r>
             <a:endParaRPr lang="en-US" b="1" dirty="0"/>
           </a:p>
@@ -8271,11 +8259,7 @@
             <a:pPr algn="just"/>
             <a:r>
               <a:rPr lang="en-US" dirty="0" smtClean="0"/>
-              <a:t>To use FDTD algorithm and modify it for negative index material </a:t>
-            </a:r>
-            <a:r>
-              <a:rPr lang="en-US" dirty="0" smtClean="0"/>
-              <a:t>simulations</a:t>
+              <a:t>To use FDTD algorithm and modify it for negative index material simulations</a:t>
             </a:r>
           </a:p>
           <a:p>
@@ -8296,13 +8280,13 @@
   <p:clrMapOvr>
     <a:masterClrMapping/>
   </p:clrMapOvr>
-  <mc:AlternateContent xmlns:mc="http://schemas.openxmlformats.org/markup-compatibility/2006" xmlns:p14="http://schemas.microsoft.com/office/powerpoint/2010/main">
-    <mc:Choice Requires="p14">
+  <mc:AlternateContent xmlns:mc="http://schemas.openxmlformats.org/markup-compatibility/2006">
+    <mc:Choice xmlns:p14="http://schemas.microsoft.com/office/powerpoint/2010/main" xmlns="" Requires="p14">
       <p:transition spd="med" p14:dur="700">
         <p:fade/>
       </p:transition>
     </mc:Choice>
-    <mc:Fallback xmlns="">
+    <mc:Fallback>
       <p:transition spd="med">
         <p:fade/>
       </p:transition>
@@ -8407,13 +8391,13 @@
   <p:clrMapOvr>
     <a:masterClrMapping/>
   </p:clrMapOvr>
-  <mc:AlternateContent xmlns:mc="http://schemas.openxmlformats.org/markup-compatibility/2006" xmlns:p14="http://schemas.microsoft.com/office/powerpoint/2010/main">
-    <mc:Choice Requires="p14">
+  <mc:AlternateContent xmlns:mc="http://schemas.openxmlformats.org/markup-compatibility/2006">
+    <mc:Choice xmlns:p14="http://schemas.microsoft.com/office/powerpoint/2010/main" xmlns="" Requires="p14">
       <p:transition spd="med" p14:dur="700">
         <p:fade/>
       </p:transition>
     </mc:Choice>
-    <mc:Fallback xmlns="">
+    <mc:Fallback>
       <p:transition spd="med">
         <p:fade/>
       </p:transition>
@@ -8503,13 +8487,13 @@
   <p:clrMapOvr>
     <a:masterClrMapping/>
   </p:clrMapOvr>
-  <mc:AlternateContent xmlns:mc="http://schemas.openxmlformats.org/markup-compatibility/2006" xmlns:p14="http://schemas.microsoft.com/office/powerpoint/2010/main">
-    <mc:Choice Requires="p14">
+  <mc:AlternateContent xmlns:mc="http://schemas.openxmlformats.org/markup-compatibility/2006">
+    <mc:Choice xmlns:p14="http://schemas.microsoft.com/office/powerpoint/2010/main" xmlns="" Requires="p14">
       <p:transition spd="med" p14:dur="700">
         <p:fade/>
       </p:transition>
     </mc:Choice>
-    <mc:Fallback xmlns="">
+    <mc:Fallback>
       <p:transition spd="med">
         <p:fade/>
       </p:transition>
@@ -8691,15 +8675,7 @@
             <a:pPr lvl="1"/>
             <a:r>
               <a:rPr lang="en-US" dirty="0" smtClean="0"/>
-              <a:t>	</a:t>
-            </a:r>
-            <a:r>
-              <a:rPr lang="en-US" dirty="0" smtClean="0"/>
-              <a:t>Analysis </a:t>
-            </a:r>
-            <a:r>
-              <a:rPr lang="en-US" dirty="0" smtClean="0"/>
-              <a:t>of EM wave in NIM</a:t>
+              <a:t>	Analysis of EM wave in NIM</a:t>
             </a:r>
           </a:p>
           <a:p>
@@ -8717,8 +8693,85 @@
                   </a:schemeClr>
                 </a:solidFill>
               </a:rPr>
-              <a:t>GPU implementation</a:t>
-            </a:r>
+              <a:t>GPU </a:t>
+            </a:r>
+            <a:r>
+              <a:rPr lang="en-US" dirty="0" smtClean="0">
+                <a:solidFill>
+                  <a:schemeClr val="tx1">
+                    <a:lumMod val="50000"/>
+                    <a:lumOff val="50000"/>
+                  </a:schemeClr>
+                </a:solidFill>
+              </a:rPr>
+              <a:t>implementation</a:t>
+            </a:r>
+          </a:p>
+          <a:p>
+            <a:pPr lvl="1"/>
+            <a:r>
+              <a:rPr lang="en-US" dirty="0" smtClean="0">
+                <a:solidFill>
+                  <a:schemeClr val="tx1">
+                    <a:lumMod val="50000"/>
+                    <a:lumOff val="50000"/>
+                  </a:schemeClr>
+                </a:solidFill>
+              </a:rPr>
+              <a:t> </a:t>
+            </a:r>
+            <a:r>
+              <a:rPr lang="en-US" dirty="0" smtClean="0">
+                <a:solidFill>
+                  <a:schemeClr val="tx1">
+                    <a:lumMod val="50000"/>
+                    <a:lumOff val="50000"/>
+                  </a:schemeClr>
+                </a:solidFill>
+              </a:rPr>
+              <a:t>	</a:t>
+            </a:r>
+            <a:r>
+              <a:rPr lang="en-US" dirty="0" smtClean="0">
+                <a:solidFill>
+                  <a:schemeClr val="tx1">
+                    <a:lumMod val="50000"/>
+                    <a:lumOff val="50000"/>
+                  </a:schemeClr>
+                </a:solidFill>
+              </a:rPr>
+              <a:t>Application Specific analysis (Super </a:t>
+            </a:r>
+            <a:r>
+              <a:rPr lang="en-US" dirty="0" err="1" smtClean="0">
+                <a:solidFill>
+                  <a:schemeClr val="tx1">
+                    <a:lumMod val="50000"/>
+                    <a:lumOff val="50000"/>
+                  </a:schemeClr>
+                </a:solidFill>
+              </a:rPr>
+              <a:t>lense</a:t>
+            </a:r>
+            <a:r>
+              <a:rPr lang="en-US" dirty="0" smtClean="0">
+                <a:solidFill>
+                  <a:schemeClr val="tx1">
+                    <a:lumMod val="50000"/>
+                    <a:lumOff val="50000"/>
+                  </a:schemeClr>
+                </a:solidFill>
+              </a:rPr>
+              <a:t>)</a:t>
+            </a:r>
+            <a:endParaRPr lang="en-US" dirty="0" smtClean="0">
+              <a:solidFill>
+                <a:schemeClr val="tx1">
+                  <a:lumMod val="50000"/>
+                  <a:lumOff val="50000"/>
+                </a:schemeClr>
+              </a:solidFill>
+            </a:endParaRPr>
           </a:p>
           <a:p>
             <a:pPr lvl="1"/>
@@ -8749,13 +8802,13 @@
   <p:clrMapOvr>
     <a:masterClrMapping/>
   </p:clrMapOvr>
-  <mc:AlternateContent xmlns:mc="http://schemas.openxmlformats.org/markup-compatibility/2006" xmlns:p14="http://schemas.microsoft.com/office/powerpoint/2010/main">
-    <mc:Choice Requires="p14">
+  <mc:AlternateContent xmlns:mc="http://schemas.openxmlformats.org/markup-compatibility/2006">
+    <mc:Choice xmlns:p14="http://schemas.microsoft.com/office/powerpoint/2010/main" xmlns="" Requires="p14">
       <p:transition spd="med" p14:dur="700">
         <p:fade/>
       </p:transition>
     </mc:Choice>
-    <mc:Fallback xmlns="">
+    <mc:Fallback>
       <p:transition spd="med">
         <p:fade/>
       </p:transition>
@@ -8853,7 +8906,7 @@
     </p:spTree>
     <p:extLst>
       <p:ext uri="{BB962C8B-B14F-4D97-AF65-F5344CB8AC3E}">
-        <p14:creationId xmlns:p14="http://schemas.microsoft.com/office/powerpoint/2010/main" val="3240437127"/>
+        <p14:creationId xmlns:p14="http://schemas.microsoft.com/office/powerpoint/2010/main" xmlns="" val="3240437127"/>
       </p:ext>
     </p:extLst>
   </p:cSld>
@@ -8861,7 +8914,7 @@
     <a:masterClrMapping/>
   </p:clrMapOvr>
   <mc:AlternateContent xmlns:mc="http://schemas.openxmlformats.org/markup-compatibility/2006">
-    <mc:Choice xmlns:p14="http://schemas.microsoft.com/office/powerpoint/2010/main" Requires="p14">
+    <mc:Choice xmlns:p14="http://schemas.microsoft.com/office/powerpoint/2010/main" xmlns="" Requires="p14">
       <p:transition spd="med" p14:dur="700">
         <p:fade/>
       </p:transition>
@@ -8916,11 +8969,7 @@
           <a:p>
             <a:r>
               <a:rPr lang="en-US" b="1" dirty="0" smtClean="0"/>
-              <a:t>How FDTD </a:t>
-            </a:r>
-            <a:r>
-              <a:rPr lang="en-US" b="1" dirty="0" smtClean="0"/>
-              <a:t>works</a:t>
+              <a:t>How FDTD works</a:t>
             </a:r>
             <a:endParaRPr lang="en-US" b="1" dirty="0"/>
           </a:p>
@@ -9028,20 +9077,20 @@
     </p:spTree>
     <p:extLst>
       <p:ext uri="{BB962C8B-B14F-4D97-AF65-F5344CB8AC3E}">
-        <p14:creationId xmlns:p14="http://schemas.microsoft.com/office/powerpoint/2010/main" val="3333083321"/>
+        <p14:creationId xmlns:p14="http://schemas.microsoft.com/office/powerpoint/2010/main" xmlns="" val="3333083321"/>
       </p:ext>
     </p:extLst>
   </p:cSld>
   <p:clrMapOvr>
     <a:masterClrMapping/>
   </p:clrMapOvr>
-  <mc:AlternateContent xmlns:mc="http://schemas.openxmlformats.org/markup-compatibility/2006" xmlns:p14="http://schemas.microsoft.com/office/powerpoint/2010/main">
-    <mc:Choice Requires="p14">
+  <mc:AlternateContent xmlns:mc="http://schemas.openxmlformats.org/markup-compatibility/2006">
+    <mc:Choice xmlns:p14="http://schemas.microsoft.com/office/powerpoint/2010/main" xmlns="" Requires="p14">
       <p:transition spd="med" p14:dur="700">
         <p:fade/>
       </p:transition>
     </mc:Choice>
-    <mc:Fallback xmlns="">
+    <mc:Fallback>
       <p:transition spd="med">
         <p:fade/>
       </p:transition>
@@ -9178,20 +9227,20 @@
     </p:spTree>
     <p:extLst>
       <p:ext uri="{BB962C8B-B14F-4D97-AF65-F5344CB8AC3E}">
-        <p14:creationId xmlns:p14="http://schemas.microsoft.com/office/powerpoint/2010/main" val="1692360811"/>
+        <p14:creationId xmlns:p14="http://schemas.microsoft.com/office/powerpoint/2010/main" xmlns="" val="1692360811"/>
       </p:ext>
     </p:extLst>
   </p:cSld>
   <p:clrMapOvr>
     <a:masterClrMapping/>
   </p:clrMapOvr>
-  <mc:AlternateContent xmlns:mc="http://schemas.openxmlformats.org/markup-compatibility/2006" xmlns:p14="http://schemas.microsoft.com/office/powerpoint/2010/main">
-    <mc:Choice Requires="p14">
+  <mc:AlternateContent xmlns:mc="http://schemas.openxmlformats.org/markup-compatibility/2006">
+    <mc:Choice xmlns:p14="http://schemas.microsoft.com/office/powerpoint/2010/main" xmlns="" Requires="p14">
       <p:transition spd="med" p14:dur="700">
         <p:fade/>
       </p:transition>
     </mc:Choice>
-    <mc:Fallback xmlns="">
+    <mc:Fallback>
       <p:transition spd="med">
         <p:fade/>
       </p:transition>
@@ -9259,7 +9308,7 @@
           <a:blip r:embed="rId2">
             <a:extLst>
               <a:ext uri="{28A0092B-C50C-407E-A947-70E740481C1C}">
-                <a14:useLocalDpi xmlns:a14="http://schemas.microsoft.com/office/drawing/2010/main" val="0"/>
+                <a14:useLocalDpi xmlns:a14="http://schemas.microsoft.com/office/drawing/2010/main" xmlns="" val="0"/>
               </a:ext>
             </a:extLst>
           </a:blip>
@@ -9280,20 +9329,20 @@
     </p:spTree>
     <p:extLst>
       <p:ext uri="{BB962C8B-B14F-4D97-AF65-F5344CB8AC3E}">
-        <p14:creationId xmlns:p14="http://schemas.microsoft.com/office/powerpoint/2010/main" val="3536022546"/>
+        <p14:creationId xmlns:p14="http://schemas.microsoft.com/office/powerpoint/2010/main" xmlns="" val="3536022546"/>
       </p:ext>
     </p:extLst>
   </p:cSld>
   <p:clrMapOvr>
     <a:masterClrMapping/>
   </p:clrMapOvr>
-  <mc:AlternateContent xmlns:mc="http://schemas.openxmlformats.org/markup-compatibility/2006" xmlns:p14="http://schemas.microsoft.com/office/powerpoint/2010/main">
-    <mc:Choice Requires="p14">
+  <mc:AlternateContent xmlns:mc="http://schemas.openxmlformats.org/markup-compatibility/2006">
+    <mc:Choice xmlns:p14="http://schemas.microsoft.com/office/powerpoint/2010/main" xmlns="" Requires="p14">
       <p:transition spd="med" p14:dur="700">
         <p:fade/>
       </p:transition>
     </mc:Choice>
-    <mc:Fallback xmlns="">
+    <mc:Fallback>
       <p:transition spd="med">
         <p:fade/>
       </p:transition>
@@ -9352,7 +9401,7 @@
     </a:clrScheme>
     <a:fontScheme name="Ion">
       <a:majorFont>
-        <a:latin typeface="Century Gothic" panose="020B0502020202020204"/>
+        <a:latin typeface="Century Gothic"/>
         <a:ea typeface=""/>
         <a:cs typeface=""/>
         <a:font script="Jpan" typeface="メイリオ"/>
@@ -9387,7 +9436,7 @@
         <a:font script="Geor" typeface="Sylfaen"/>
       </a:majorFont>
       <a:minorFont>
-        <a:latin typeface="Century Gothic" panose="020B0502020202020204"/>
+        <a:latin typeface="Century Gothic"/>
         <a:ea typeface=""/>
         <a:cs typeface=""/>
         <a:font script="Jpan" typeface="メイリオ"/>
@@ -9569,7 +9618,7 @@
   <a:extraClrSchemeLst/>
   <a:extLst>
     <a:ext uri="{05A4C25C-085E-4340-85A3-A5531E510DB2}">
-      <thm15:themeFamily xmlns:thm15="http://schemas.microsoft.com/office/thememl/2012/main" name="Ion" id="{B8441ADB-2E43-4AF7-B97A-BD870242C6A8}" vid="{292E63A9-BB86-4E3D-B92A-7223C6510D2E}"/>
+      <thm15:themeFamily xmlns:thm15="http://schemas.microsoft.com/office/thememl/2012/main" xmlns="" name="Ion" id="{B8441ADB-2E43-4AF7-B97A-BD870242C6A8}" vid="{292E63A9-BB86-4E3D-B92A-7223C6510D2E}"/>
     </a:ext>
   </a:extLst>
 </a:theme>

--- a/FYP_Defense_Presentation/FYP-1_presentation.pptx
+++ b/FYP_Defense_Presentation/FYP-1_presentation.pptx
@@ -5,23 +5,28 @@
     <p:sldMasterId id="2147483842" r:id="rId2"/>
   </p:sldMasterIdLst>
   <p:notesMasterIdLst>
-    <p:notesMasterId r:id="rId17"/>
+    <p:notesMasterId r:id="rId22"/>
   </p:notesMasterIdLst>
   <p:sldIdLst>
     <p:sldId id="256" r:id="rId3"/>
     <p:sldId id="265" r:id="rId4"/>
-    <p:sldId id="258" r:id="rId5"/>
-    <p:sldId id="259" r:id="rId6"/>
-    <p:sldId id="263" r:id="rId7"/>
-    <p:sldId id="277" r:id="rId8"/>
-    <p:sldId id="281" r:id="rId9"/>
-    <p:sldId id="282" r:id="rId10"/>
-    <p:sldId id="283" r:id="rId11"/>
-    <p:sldId id="278" r:id="rId12"/>
-    <p:sldId id="279" r:id="rId13"/>
-    <p:sldId id="280" r:id="rId14"/>
-    <p:sldId id="276" r:id="rId15"/>
-    <p:sldId id="273" r:id="rId16"/>
+    <p:sldId id="284" r:id="rId5"/>
+    <p:sldId id="258" r:id="rId6"/>
+    <p:sldId id="259" r:id="rId7"/>
+    <p:sldId id="263" r:id="rId8"/>
+    <p:sldId id="277" r:id="rId9"/>
+    <p:sldId id="281" r:id="rId10"/>
+    <p:sldId id="282" r:id="rId11"/>
+    <p:sldId id="283" r:id="rId12"/>
+    <p:sldId id="278" r:id="rId13"/>
+    <p:sldId id="279" r:id="rId14"/>
+    <p:sldId id="280" r:id="rId15"/>
+    <p:sldId id="285" r:id="rId16"/>
+    <p:sldId id="287" r:id="rId17"/>
+    <p:sldId id="288" r:id="rId18"/>
+    <p:sldId id="289" r:id="rId19"/>
+    <p:sldId id="276" r:id="rId20"/>
+    <p:sldId id="273" r:id="rId21"/>
   </p:sldIdLst>
   <p:sldSz cx="9144000" cy="6858000" type="screen4x3"/>
   <p:notesSz cx="6858000" cy="9144000"/>
@@ -122,7 +127,7 @@
   </p:defaultTextStyle>
   <p:extLst>
     <p:ext uri="{EFAFB233-063F-42B5-8137-9DF3F51BA10A}">
-      <p15:sldGuideLst xmlns:p15="http://schemas.microsoft.com/office/powerpoint/2012/main" xmlns="">
+      <p15:sldGuideLst xmlns="" xmlns:p15="http://schemas.microsoft.com/office/powerpoint/2012/main">
         <p15:guide id="1" orient="horz" pos="2160">
           <p15:clr>
             <a:srgbClr val="A4A3A4"/>
@@ -393,7 +398,7 @@
     </p:spTree>
     <p:extLst>
       <p:ext uri="{BB962C8B-B14F-4D97-AF65-F5344CB8AC3E}">
-        <p14:creationId xmlns:p14="http://schemas.microsoft.com/office/powerpoint/2010/main" xmlns="" val="2938669800"/>
+        <p14:creationId xmlns="" xmlns:p14="http://schemas.microsoft.com/office/powerpoint/2010/main" val="2938669800"/>
       </p:ext>
     </p:extLst>
   </p:cSld>
@@ -821,7 +826,7 @@
             <a:fld id="{7391B597-7F42-4E6C-A16E-96B6B138CE43}" type="slidenum">
               <a:rPr lang="en-US" smtClean="0"/>
               <a:pPr/>
-              <a:t>7</a:t>
+              <a:t>8</a:t>
             </a:fld>
             <a:endParaRPr lang="en-US"/>
           </a:p>
@@ -830,7 +835,7 @@
     </p:spTree>
     <p:extLst>
       <p:ext uri="{BB962C8B-B14F-4D97-AF65-F5344CB8AC3E}">
-        <p14:creationId xmlns:p14="http://schemas.microsoft.com/office/powerpoint/2010/main" xmlns="" val="1291117958"/>
+        <p14:creationId xmlns="" xmlns:p14="http://schemas.microsoft.com/office/powerpoint/2010/main" val="1291117958"/>
       </p:ext>
     </p:extLst>
   </p:cSld>
@@ -895,6 +900,124 @@
                 <a:ea typeface="+mn-ea"/>
                 <a:cs typeface="+mn-cs"/>
               </a:rPr>
+              <a:t>reflection coefficient is the </a:t>
+            </a:r>
+            <a:r>
+              <a:rPr lang="en-US" sz="1200" b="0" i="0" u="none" strike="noStrike" kern="1200" dirty="0" smtClean="0">
+                <a:solidFill>
+                  <a:schemeClr val="tx1"/>
+                </a:solidFill>
+                <a:latin typeface="+mn-lt"/>
+                <a:ea typeface="+mn-ea"/>
+                <a:cs typeface="+mn-cs"/>
+                <a:hlinkClick r:id="rId3" tooltip="Ratio"/>
+              </a:rPr>
+              <a:t>ratio</a:t>
+            </a:r>
+            <a:r>
+              <a:rPr lang="en-US" sz="1200" b="0" i="0" kern="1200" dirty="0" smtClean="0">
+                <a:solidFill>
+                  <a:schemeClr val="tx1"/>
+                </a:solidFill>
+                <a:latin typeface="+mn-lt"/>
+                <a:ea typeface="+mn-ea"/>
+                <a:cs typeface="+mn-cs"/>
+              </a:rPr>
+              <a:t> of the amplitude of the reflected wave to the amplitude of the incident wave</a:t>
+            </a:r>
+          </a:p>
+          <a:p>
+            <a:endParaRPr lang="en-US" dirty="0"/>
+          </a:p>
+        </p:txBody>
+      </p:sp>
+      <p:sp>
+        <p:nvSpPr>
+          <p:cNvPr id="4" name="Slide Number Placeholder 3"/>
+          <p:cNvSpPr>
+            <a:spLocks noGrp="1"/>
+          </p:cNvSpPr>
+          <p:nvPr>
+            <p:ph type="sldNum" sz="quarter" idx="10"/>
+          </p:nvPr>
+        </p:nvSpPr>
+        <p:spPr/>
+        <p:txBody>
+          <a:bodyPr/>
+          <a:lstStyle/>
+          <a:p>
+            <a:fld id="{7391B597-7F42-4E6C-A16E-96B6B138CE43}" type="slidenum">
+              <a:rPr lang="en-US" smtClean="0"/>
+              <a:pPr/>
+              <a:t>12</a:t>
+            </a:fld>
+            <a:endParaRPr lang="en-US"/>
+          </a:p>
+        </p:txBody>
+      </p:sp>
+    </p:spTree>
+  </p:cSld>
+  <p:clrMapOvr>
+    <a:masterClrMapping/>
+  </p:clrMapOvr>
+</p:notes>
+</file>
+
+<file path=ppt/notesSlides/notesSlide3.xml><?xml version="1.0" encoding="utf-8"?>
+<p:notes xmlns:a="http://schemas.openxmlformats.org/drawingml/2006/main" xmlns:r="http://schemas.openxmlformats.org/officeDocument/2006/relationships" xmlns:p="http://schemas.openxmlformats.org/presentationml/2006/main">
+  <p:cSld>
+    <p:spTree>
+      <p:nvGrpSpPr>
+        <p:cNvPr id="1" name=""/>
+        <p:cNvGrpSpPr/>
+        <p:nvPr/>
+      </p:nvGrpSpPr>
+      <p:grpSpPr>
+        <a:xfrm>
+          <a:off x="0" y="0"/>
+          <a:ext cx="0" cy="0"/>
+          <a:chOff x="0" y="0"/>
+          <a:chExt cx="0" cy="0"/>
+        </a:xfrm>
+      </p:grpSpPr>
+      <p:sp>
+        <p:nvSpPr>
+          <p:cNvPr id="2" name="Slide Image Placeholder 1"/>
+          <p:cNvSpPr>
+            <a:spLocks noGrp="1" noRot="1" noChangeAspect="1"/>
+          </p:cNvSpPr>
+          <p:nvPr>
+            <p:ph type="sldImg"/>
+          </p:nvPr>
+        </p:nvSpPr>
+        <p:spPr/>
+      </p:sp>
+      <p:sp>
+        <p:nvSpPr>
+          <p:cNvPr id="3" name="Notes Placeholder 2"/>
+          <p:cNvSpPr>
+            <a:spLocks noGrp="1"/>
+          </p:cNvSpPr>
+          <p:nvPr>
+            <p:ph type="body" idx="1"/>
+          </p:nvPr>
+        </p:nvSpPr>
+        <p:spPr/>
+        <p:txBody>
+          <a:bodyPr>
+            <a:normAutofit/>
+          </a:bodyPr>
+          <a:lstStyle/>
+          <a:p>
+            <a:r>
+              <a:rPr lang="en-US" sz="1200" b="0" i="0" kern="1200" dirty="0" smtClean="0">
+                <a:solidFill>
+                  <a:schemeClr val="tx1"/>
+                </a:solidFill>
+                <a:latin typeface="+mn-lt"/>
+                <a:ea typeface="+mn-ea"/>
+                <a:cs typeface="+mn-cs"/>
+              </a:rPr>
               <a:t>is a </a:t>
             </a:r>
             <a:r>
@@ -977,7 +1100,7 @@
             <a:fld id="{7391B597-7F42-4E6C-A16E-96B6B138CE43}" type="slidenum">
               <a:rPr lang="en-US" smtClean="0"/>
               <a:pPr/>
-              <a:t>14</a:t>
+              <a:t>19</a:t>
             </a:fld>
             <a:endParaRPr lang="en-US"/>
           </a:p>
@@ -986,7 +1109,7 @@
     </p:spTree>
     <p:extLst>
       <p:ext uri="{BB962C8B-B14F-4D97-AF65-F5344CB8AC3E}">
-        <p14:creationId xmlns:p14="http://schemas.microsoft.com/office/powerpoint/2010/main" xmlns="" val="3589294838"/>
+        <p14:creationId xmlns="" xmlns:p14="http://schemas.microsoft.com/office/powerpoint/2010/main" val="3589294838"/>
       </p:ext>
     </p:extLst>
   </p:cSld>
@@ -1235,7 +1358,7 @@
     </p:spTree>
     <p:extLst>
       <p:ext uri="{BB962C8B-B14F-4D97-AF65-F5344CB8AC3E}">
-        <p14:creationId xmlns:p14="http://schemas.microsoft.com/office/powerpoint/2010/main" xmlns="" val="1487840183"/>
+        <p14:creationId xmlns="" xmlns:p14="http://schemas.microsoft.com/office/powerpoint/2010/main" val="1487840183"/>
       </p:ext>
     </p:extLst>
   </p:cSld>
@@ -1243,7 +1366,7 @@
     <a:masterClrMapping/>
   </p:clrMapOvr>
   <mc:AlternateContent xmlns:mc="http://schemas.openxmlformats.org/markup-compatibility/2006">
-    <mc:Choice xmlns:p14="http://schemas.microsoft.com/office/powerpoint/2010/main" xmlns="" Requires="p14">
+    <mc:Choice xmlns="" xmlns:p14="http://schemas.microsoft.com/office/powerpoint/2010/main" Requires="p14">
       <p:transition spd="med" p14:dur="700">
         <p:fade/>
       </p:transition>
@@ -1531,7 +1654,7 @@
     </p:spTree>
     <p:extLst>
       <p:ext uri="{BB962C8B-B14F-4D97-AF65-F5344CB8AC3E}">
-        <p14:creationId xmlns:p14="http://schemas.microsoft.com/office/powerpoint/2010/main" xmlns="" val="2218284353"/>
+        <p14:creationId xmlns="" xmlns:p14="http://schemas.microsoft.com/office/powerpoint/2010/main" val="2218284353"/>
       </p:ext>
     </p:extLst>
   </p:cSld>
@@ -1727,7 +1850,7 @@
     </p:spTree>
     <p:extLst>
       <p:ext uri="{BB962C8B-B14F-4D97-AF65-F5344CB8AC3E}">
-        <p14:creationId xmlns:p14="http://schemas.microsoft.com/office/powerpoint/2010/main" xmlns="" val="2933009711"/>
+        <p14:creationId xmlns="" xmlns:p14="http://schemas.microsoft.com/office/powerpoint/2010/main" val="2933009711"/>
       </p:ext>
     </p:extLst>
   </p:cSld>
@@ -2096,7 +2219,7 @@
     </p:spTree>
     <p:extLst>
       <p:ext uri="{BB962C8B-B14F-4D97-AF65-F5344CB8AC3E}">
-        <p14:creationId xmlns:p14="http://schemas.microsoft.com/office/powerpoint/2010/main" xmlns="" val="1124768494"/>
+        <p14:creationId xmlns="" xmlns:p14="http://schemas.microsoft.com/office/powerpoint/2010/main" val="1124768494"/>
       </p:ext>
     </p:extLst>
   </p:cSld>
@@ -2345,7 +2468,7 @@
     </p:spTree>
     <p:extLst>
       <p:ext uri="{BB962C8B-B14F-4D97-AF65-F5344CB8AC3E}">
-        <p14:creationId xmlns:p14="http://schemas.microsoft.com/office/powerpoint/2010/main" xmlns="" val="576388938"/>
+        <p14:creationId xmlns="" xmlns:p14="http://schemas.microsoft.com/office/powerpoint/2010/main" val="576388938"/>
       </p:ext>
     </p:extLst>
   </p:cSld>
@@ -2970,7 +3093,7 @@
     </p:spTree>
     <p:extLst>
       <p:ext uri="{BB962C8B-B14F-4D97-AF65-F5344CB8AC3E}">
-        <p14:creationId xmlns:p14="http://schemas.microsoft.com/office/powerpoint/2010/main" xmlns="" val="290251275"/>
+        <p14:creationId xmlns="" xmlns:p14="http://schemas.microsoft.com/office/powerpoint/2010/main" val="290251275"/>
       </p:ext>
     </p:extLst>
   </p:cSld>
@@ -3832,7 +3955,7 @@
     </p:spTree>
     <p:extLst>
       <p:ext uri="{BB962C8B-B14F-4D97-AF65-F5344CB8AC3E}">
-        <p14:creationId xmlns:p14="http://schemas.microsoft.com/office/powerpoint/2010/main" xmlns="" val="3017987325"/>
+        <p14:creationId xmlns="" xmlns:p14="http://schemas.microsoft.com/office/powerpoint/2010/main" val="3017987325"/>
       </p:ext>
     </p:extLst>
   </p:cSld>
@@ -4004,7 +4127,7 @@
     </p:spTree>
     <p:extLst>
       <p:ext uri="{BB962C8B-B14F-4D97-AF65-F5344CB8AC3E}">
-        <p14:creationId xmlns:p14="http://schemas.microsoft.com/office/powerpoint/2010/main" xmlns="" val="1802369627"/>
+        <p14:creationId xmlns="" xmlns:p14="http://schemas.microsoft.com/office/powerpoint/2010/main" val="1802369627"/>
       </p:ext>
     </p:extLst>
   </p:cSld>
@@ -4012,7 +4135,7 @@
     <a:masterClrMapping/>
   </p:clrMapOvr>
   <mc:AlternateContent xmlns:mc="http://schemas.openxmlformats.org/markup-compatibility/2006">
-    <mc:Choice xmlns:p14="http://schemas.microsoft.com/office/powerpoint/2010/main" xmlns="" Requires="p14">
+    <mc:Choice xmlns="" xmlns:p14="http://schemas.microsoft.com/office/powerpoint/2010/main" Requires="p14">
       <p:transition spd="med" p14:dur="700">
         <p:fade/>
       </p:transition>
@@ -4205,7 +4328,7 @@
     </p:spTree>
     <p:extLst>
       <p:ext uri="{BB962C8B-B14F-4D97-AF65-F5344CB8AC3E}">
-        <p14:creationId xmlns:p14="http://schemas.microsoft.com/office/powerpoint/2010/main" xmlns="" val="3445527145"/>
+        <p14:creationId xmlns="" xmlns:p14="http://schemas.microsoft.com/office/powerpoint/2010/main" val="3445527145"/>
       </p:ext>
     </p:extLst>
   </p:cSld>
@@ -4213,7 +4336,7 @@
     <a:masterClrMapping/>
   </p:clrMapOvr>
   <mc:AlternateContent xmlns:mc="http://schemas.openxmlformats.org/markup-compatibility/2006">
-    <mc:Choice xmlns:p14="http://schemas.microsoft.com/office/powerpoint/2010/main" xmlns="" Requires="p14">
+    <mc:Choice xmlns="" xmlns:p14="http://schemas.microsoft.com/office/powerpoint/2010/main" Requires="p14">
       <p:transition spd="med" p14:dur="700">
         <p:fade/>
       </p:transition>
@@ -4396,7 +4519,7 @@
     </p:spTree>
     <p:extLst>
       <p:ext uri="{BB962C8B-B14F-4D97-AF65-F5344CB8AC3E}">
-        <p14:creationId xmlns:p14="http://schemas.microsoft.com/office/powerpoint/2010/main" xmlns="" val="3119422841"/>
+        <p14:creationId xmlns="" xmlns:p14="http://schemas.microsoft.com/office/powerpoint/2010/main" val="3119422841"/>
       </p:ext>
     </p:extLst>
   </p:cSld>
@@ -4404,7 +4527,7 @@
     <a:masterClrMapping/>
   </p:clrMapOvr>
   <mc:AlternateContent xmlns:mc="http://schemas.openxmlformats.org/markup-compatibility/2006">
-    <mc:Choice xmlns:p14="http://schemas.microsoft.com/office/powerpoint/2010/main" xmlns="" Requires="p14">
+    <mc:Choice xmlns="" xmlns:p14="http://schemas.microsoft.com/office/powerpoint/2010/main" Requires="p14">
       <p:transition spd="med" p14:dur="700">
         <p:fade/>
       </p:transition>
@@ -4664,7 +4787,7 @@
     </p:spTree>
     <p:extLst>
       <p:ext uri="{BB962C8B-B14F-4D97-AF65-F5344CB8AC3E}">
-        <p14:creationId xmlns:p14="http://schemas.microsoft.com/office/powerpoint/2010/main" xmlns="" val="3432664710"/>
+        <p14:creationId xmlns="" xmlns:p14="http://schemas.microsoft.com/office/powerpoint/2010/main" val="3432664710"/>
       </p:ext>
     </p:extLst>
   </p:cSld>
@@ -4672,7 +4795,7 @@
     <a:masterClrMapping/>
   </p:clrMapOvr>
   <mc:AlternateContent xmlns:mc="http://schemas.openxmlformats.org/markup-compatibility/2006">
-    <mc:Choice xmlns:p14="http://schemas.microsoft.com/office/powerpoint/2010/main" xmlns="" Requires="p14">
+    <mc:Choice xmlns="" xmlns:p14="http://schemas.microsoft.com/office/powerpoint/2010/main" Requires="p14">
       <p:transition spd="med" p14:dur="700">
         <p:fade/>
       </p:transition>
@@ -4977,7 +5100,7 @@
     </p:spTree>
     <p:extLst>
       <p:ext uri="{BB962C8B-B14F-4D97-AF65-F5344CB8AC3E}">
-        <p14:creationId xmlns:p14="http://schemas.microsoft.com/office/powerpoint/2010/main" xmlns="" val="2055103980"/>
+        <p14:creationId xmlns="" xmlns:p14="http://schemas.microsoft.com/office/powerpoint/2010/main" val="2055103980"/>
       </p:ext>
     </p:extLst>
   </p:cSld>
@@ -4985,7 +5108,7 @@
     <a:masterClrMapping/>
   </p:clrMapOvr>
   <mc:AlternateContent xmlns:mc="http://schemas.openxmlformats.org/markup-compatibility/2006">
-    <mc:Choice xmlns:p14="http://schemas.microsoft.com/office/powerpoint/2010/main" xmlns="" Requires="p14">
+    <mc:Choice xmlns="" xmlns:p14="http://schemas.microsoft.com/office/powerpoint/2010/main" Requires="p14">
       <p:transition spd="med" p14:dur="700">
         <p:fade/>
       </p:transition>
@@ -5442,7 +5565,7 @@
     </p:spTree>
     <p:extLst>
       <p:ext uri="{BB962C8B-B14F-4D97-AF65-F5344CB8AC3E}">
-        <p14:creationId xmlns:p14="http://schemas.microsoft.com/office/powerpoint/2010/main" xmlns="" val="1775793887"/>
+        <p14:creationId xmlns="" xmlns:p14="http://schemas.microsoft.com/office/powerpoint/2010/main" val="1775793887"/>
       </p:ext>
     </p:extLst>
   </p:cSld>
@@ -5450,7 +5573,7 @@
     <a:masterClrMapping/>
   </p:clrMapOvr>
   <mc:AlternateContent xmlns:mc="http://schemas.openxmlformats.org/markup-compatibility/2006">
-    <mc:Choice xmlns:p14="http://schemas.microsoft.com/office/powerpoint/2010/main" xmlns="" Requires="p14">
+    <mc:Choice xmlns="" xmlns:p14="http://schemas.microsoft.com/office/powerpoint/2010/main" Requires="p14">
       <p:transition spd="med" p14:dur="700">
         <p:fade/>
       </p:transition>
@@ -5581,7 +5704,7 @@
     </p:spTree>
     <p:extLst>
       <p:ext uri="{BB962C8B-B14F-4D97-AF65-F5344CB8AC3E}">
-        <p14:creationId xmlns:p14="http://schemas.microsoft.com/office/powerpoint/2010/main" xmlns="" val="1488130519"/>
+        <p14:creationId xmlns="" xmlns:p14="http://schemas.microsoft.com/office/powerpoint/2010/main" val="1488130519"/>
       </p:ext>
     </p:extLst>
   </p:cSld>
@@ -5589,7 +5712,7 @@
     <a:masterClrMapping/>
   </p:clrMapOvr>
   <mc:AlternateContent xmlns:mc="http://schemas.openxmlformats.org/markup-compatibility/2006">
-    <mc:Choice xmlns:p14="http://schemas.microsoft.com/office/powerpoint/2010/main" xmlns="" Requires="p14">
+    <mc:Choice xmlns="" xmlns:p14="http://schemas.microsoft.com/office/powerpoint/2010/main" Requires="p14">
       <p:transition spd="med" p14:dur="700">
         <p:fade/>
       </p:transition>
@@ -5697,7 +5820,7 @@
     </p:spTree>
     <p:extLst>
       <p:ext uri="{BB962C8B-B14F-4D97-AF65-F5344CB8AC3E}">
-        <p14:creationId xmlns:p14="http://schemas.microsoft.com/office/powerpoint/2010/main" xmlns="" val="3196683496"/>
+        <p14:creationId xmlns="" xmlns:p14="http://schemas.microsoft.com/office/powerpoint/2010/main" val="3196683496"/>
       </p:ext>
     </p:extLst>
   </p:cSld>
@@ -5705,7 +5828,7 @@
     <a:masterClrMapping/>
   </p:clrMapOvr>
   <mc:AlternateContent xmlns:mc="http://schemas.openxmlformats.org/markup-compatibility/2006">
-    <mc:Choice xmlns:p14="http://schemas.microsoft.com/office/powerpoint/2010/main" xmlns="" Requires="p14">
+    <mc:Choice xmlns="" xmlns:p14="http://schemas.microsoft.com/office/powerpoint/2010/main" Requires="p14">
       <p:transition spd="med" p14:dur="700">
         <p:fade/>
       </p:transition>
@@ -5997,7 +6120,7 @@
     </p:spTree>
     <p:extLst>
       <p:ext uri="{BB962C8B-B14F-4D97-AF65-F5344CB8AC3E}">
-        <p14:creationId xmlns:p14="http://schemas.microsoft.com/office/powerpoint/2010/main" xmlns="" val="284430622"/>
+        <p14:creationId xmlns="" xmlns:p14="http://schemas.microsoft.com/office/powerpoint/2010/main" val="284430622"/>
       </p:ext>
     </p:extLst>
   </p:cSld>
@@ -6005,7 +6128,7 @@
     <a:masterClrMapping/>
   </p:clrMapOvr>
   <mc:AlternateContent xmlns:mc="http://schemas.openxmlformats.org/markup-compatibility/2006">
-    <mc:Choice xmlns:p14="http://schemas.microsoft.com/office/powerpoint/2010/main" xmlns="" Requires="p14">
+    <mc:Choice xmlns="" xmlns:p14="http://schemas.microsoft.com/office/powerpoint/2010/main" Requires="p14">
       <p:transition spd="med" p14:dur="700">
         <p:fade/>
       </p:transition>
@@ -6293,7 +6416,7 @@
     </p:spTree>
     <p:extLst>
       <p:ext uri="{BB962C8B-B14F-4D97-AF65-F5344CB8AC3E}">
-        <p14:creationId xmlns:p14="http://schemas.microsoft.com/office/powerpoint/2010/main" xmlns="" val="3864686780"/>
+        <p14:creationId xmlns="" xmlns:p14="http://schemas.microsoft.com/office/powerpoint/2010/main" val="3864686780"/>
       </p:ext>
     </p:extLst>
   </p:cSld>
@@ -6301,7 +6424,7 @@
     <a:masterClrMapping/>
   </p:clrMapOvr>
   <mc:AlternateContent xmlns:mc="http://schemas.openxmlformats.org/markup-compatibility/2006">
-    <mc:Choice xmlns:p14="http://schemas.microsoft.com/office/powerpoint/2010/main" xmlns="" Requires="p14">
+    <mc:Choice xmlns="" xmlns:p14="http://schemas.microsoft.com/office/powerpoint/2010/main" Requires="p14">
       <p:transition spd="med" p14:dur="700">
         <p:fade/>
       </p:transition>
@@ -6916,7 +7039,7 @@
     </p:spTree>
     <p:extLst>
       <p:ext uri="{BB962C8B-B14F-4D97-AF65-F5344CB8AC3E}">
-        <p14:creationId xmlns:p14="http://schemas.microsoft.com/office/powerpoint/2010/main" xmlns="" val="2702246830"/>
+        <p14:creationId xmlns="" xmlns:p14="http://schemas.microsoft.com/office/powerpoint/2010/main" val="2702246830"/>
       </p:ext>
     </p:extLst>
   </p:cSld>
@@ -6941,7 +7064,7 @@
     <p:sldLayoutId id="2147483859" r:id="rId17"/>
   </p:sldLayoutIdLst>
   <mc:AlternateContent xmlns:mc="http://schemas.openxmlformats.org/markup-compatibility/2006">
-    <mc:Choice xmlns:p14="http://schemas.microsoft.com/office/powerpoint/2010/main" xmlns="" Requires="p14">
+    <mc:Choice xmlns="" xmlns:p14="http://schemas.microsoft.com/office/powerpoint/2010/main" Requires="p14">
       <p:transition spd="med" p14:dur="700">
         <p:fade/>
       </p:transition>
@@ -7632,7 +7755,7 @@
     <a:masterClrMapping/>
   </p:clrMapOvr>
   <mc:AlternateContent xmlns:mc="http://schemas.openxmlformats.org/markup-compatibility/2006">
-    <mc:Choice xmlns:p14="http://schemas.microsoft.com/office/powerpoint/2010/main" xmlns="" Requires="p14">
+    <mc:Choice xmlns="" xmlns:p14="http://schemas.microsoft.com/office/powerpoint/2010/main" Requires="p14">
       <p:transition spd="med" p14:dur="700">
         <p:fade/>
       </p:transition>
@@ -7687,53 +7810,46 @@
           <a:p>
             <a:r>
               <a:rPr lang="en-US" dirty="0" smtClean="0"/>
-              <a:t>Task 2: Implementation On </a:t>
-            </a:r>
-            <a:r>
-              <a:rPr lang="en-US" dirty="0" err="1" smtClean="0"/>
-              <a:t>MATlab</a:t>
+              <a:t>Task 1: FDTD Technique</a:t>
             </a:r>
             <a:endParaRPr lang="en-GB" dirty="0"/>
           </a:p>
         </p:txBody>
       </p:sp>
-      <p:sp>
-        <p:nvSpPr>
-          <p:cNvPr id="3" name="Content Placeholder 2"/>
-          <p:cNvSpPr>
-            <a:spLocks noGrp="1"/>
-          </p:cNvSpPr>
-          <p:nvPr>
-            <p:ph idx="1"/>
-          </p:nvPr>
-        </p:nvSpPr>
-        <p:spPr/>
-        <p:txBody>
-          <a:bodyPr/>
-          <a:lstStyle/>
-          <a:p>
-            <a:r>
-              <a:rPr lang="en-US" dirty="0" smtClean="0"/>
-              <a:t>Both sinusoidal and Gaussian waves</a:t>
-            </a:r>
-          </a:p>
-          <a:p>
-            <a:r>
-              <a:rPr lang="en-US" dirty="0" smtClean="0"/>
-              <a:t>F = 3 </a:t>
-            </a:r>
-            <a:r>
-              <a:rPr lang="en-US" dirty="0" err="1" smtClean="0"/>
-              <a:t>Ghz</a:t>
-            </a:r>
-            <a:endParaRPr lang="en-GB" dirty="0"/>
-          </a:p>
-        </p:txBody>
-      </p:sp>
+      <p:pic>
+        <p:nvPicPr>
+          <p:cNvPr id="5" name="Picture 4"/>
+          <p:cNvPicPr>
+            <a:picLocks noChangeAspect="1"/>
+          </p:cNvPicPr>
+          <p:nvPr/>
+        </p:nvPicPr>
+        <p:blipFill>
+          <a:blip r:embed="rId2">
+            <a:extLst>
+              <a:ext uri="{28A0092B-C50C-407E-A947-70E740481C1C}">
+                <a14:useLocalDpi xmlns="" xmlns:a14="http://schemas.microsoft.com/office/drawing/2010/main" val="0"/>
+              </a:ext>
+            </a:extLst>
+          </a:blip>
+          <a:stretch>
+            <a:fillRect/>
+          </a:stretch>
+        </p:blipFill>
+        <p:spPr>
+          <a:xfrm>
+            <a:off x="1419060" y="1524000"/>
+            <a:ext cx="6305879" cy="4706112"/>
+          </a:xfrm>
+          <a:prstGeom prst="rect">
+            <a:avLst/>
+          </a:prstGeom>
+        </p:spPr>
+      </p:pic>
     </p:spTree>
     <p:extLst>
       <p:ext uri="{BB962C8B-B14F-4D97-AF65-F5344CB8AC3E}">
-        <p14:creationId xmlns:p14="http://schemas.microsoft.com/office/powerpoint/2010/main" xmlns="" val="2212522789"/>
+        <p14:creationId xmlns="" xmlns:p14="http://schemas.microsoft.com/office/powerpoint/2010/main" val="3536022546"/>
       </p:ext>
     </p:extLst>
   </p:cSld>
@@ -7741,7 +7857,7 @@
     <a:masterClrMapping/>
   </p:clrMapOvr>
   <mc:AlternateContent xmlns:mc="http://schemas.openxmlformats.org/markup-compatibility/2006">
-    <mc:Choice xmlns:p14="http://schemas.microsoft.com/office/powerpoint/2010/main" xmlns="" Requires="p14">
+    <mc:Choice xmlns="" xmlns:p14="http://schemas.microsoft.com/office/powerpoint/2010/main" Requires="p14">
       <p:transition spd="med" p14:dur="700">
         <p:fade/>
       </p:transition>
@@ -7796,7 +7912,11 @@
           <a:p>
             <a:r>
               <a:rPr lang="en-US" dirty="0" smtClean="0"/>
-              <a:t>Task 3: Frequency Domain Analysis</a:t>
+              <a:t>Task 2: Implementation On </a:t>
+            </a:r>
+            <a:r>
+              <a:rPr lang="en-US" dirty="0" err="1" smtClean="0"/>
+              <a:t>MATlab</a:t>
             </a:r>
             <a:endParaRPr lang="en-GB" dirty="0"/>
           </a:p>
@@ -7819,44 +7939,52 @@
           <a:p>
             <a:r>
               <a:rPr lang="en-US" dirty="0" smtClean="0"/>
-              <a:t>Medium under observation is shown</a:t>
-            </a:r>
-          </a:p>
-          <a:p>
-            <a:r>
-              <a:rPr lang="el-GR" dirty="0"/>
-              <a:t>ε </a:t>
-            </a:r>
-            <a:r>
-              <a:rPr lang="en-US" dirty="0"/>
-              <a:t>permittivity </a:t>
-            </a:r>
+              <a:t>Both sinusoidal and Gaussian waves</a:t>
+            </a:r>
+          </a:p>
+          <a:p>
             <a:r>
               <a:rPr lang="en-US" dirty="0" smtClean="0"/>
-              <a:t>= 2 </a:t>
-            </a:r>
-            <a:r>
-              <a:rPr lang="el-GR" dirty="0" smtClean="0"/>
-              <a:t>ε</a:t>
-            </a:r>
-            <a:r>
-              <a:rPr lang="en-US" baseline="-25000" dirty="0" smtClean="0"/>
-              <a:t>o</a:t>
-            </a:r>
-            <a:endParaRPr lang="en-US" dirty="0" smtClean="0"/>
-          </a:p>
-          <a:p>
-            <a:endParaRPr lang="en-US" dirty="0" smtClean="0"/>
-          </a:p>
-          <a:p>
+              <a:t>F = 3 </a:t>
+            </a:r>
+            <a:r>
+              <a:rPr lang="en-US" dirty="0" smtClean="0"/>
+              <a:t>GHz (sinusoidal)</a:t>
+            </a:r>
             <a:endParaRPr lang="en-GB" dirty="0"/>
           </a:p>
         </p:txBody>
       </p:sp>
+      <p:pic>
+        <p:nvPicPr>
+          <p:cNvPr id="1026" name="Picture 2" descr="C:\Users\Hina\Desktop\New folder\1.PNG"/>
+          <p:cNvPicPr>
+            <a:picLocks noChangeAspect="1" noChangeArrowheads="1"/>
+          </p:cNvPicPr>
+          <p:nvPr/>
+        </p:nvPicPr>
+        <p:blipFill>
+          <a:blip r:embed="rId2"/>
+          <a:srcRect t="16999" b="3160"/>
+          <a:stretch>
+            <a:fillRect/>
+          </a:stretch>
+        </p:blipFill>
+        <p:spPr bwMode="auto">
+          <a:xfrm>
+            <a:off x="457200" y="2895600"/>
+            <a:ext cx="8077200" cy="3810000"/>
+          </a:xfrm>
+          <a:prstGeom prst="rect">
+            <a:avLst/>
+          </a:prstGeom>
+          <a:noFill/>
+        </p:spPr>
+      </p:pic>
     </p:spTree>
     <p:extLst>
       <p:ext uri="{BB962C8B-B14F-4D97-AF65-F5344CB8AC3E}">
-        <p14:creationId xmlns:p14="http://schemas.microsoft.com/office/powerpoint/2010/main" xmlns="" val="3453090673"/>
+        <p14:creationId xmlns="" xmlns:p14="http://schemas.microsoft.com/office/powerpoint/2010/main" val="2212522789"/>
       </p:ext>
     </p:extLst>
   </p:cSld>
@@ -7864,7 +7992,7 @@
     <a:masterClrMapping/>
   </p:clrMapOvr>
   <mc:AlternateContent xmlns:mc="http://schemas.openxmlformats.org/markup-compatibility/2006">
-    <mc:Choice xmlns:p14="http://schemas.microsoft.com/office/powerpoint/2010/main" xmlns="" Requires="p14">
+    <mc:Choice xmlns="" xmlns:p14="http://schemas.microsoft.com/office/powerpoint/2010/main" Requires="p14">
       <p:transition spd="med" p14:dur="700">
         <p:fade/>
       </p:transition>
@@ -7919,7 +8047,7 @@
           <a:p>
             <a:r>
               <a:rPr lang="en-US" dirty="0" smtClean="0"/>
-              <a:t>Additional Task: Implementation in C++</a:t>
+              <a:t>Task 3: Frequency Domain Analysis</a:t>
             </a:r>
             <a:endParaRPr lang="en-GB" dirty="0"/>
           </a:p>
@@ -7942,31 +8070,297 @@
           <a:p>
             <a:r>
               <a:rPr lang="en-US" dirty="0" smtClean="0"/>
-              <a:t>Problems</a:t>
-            </a:r>
-          </a:p>
-          <a:p>
-            <a:pPr lvl="1"/>
+              <a:t>Medium under observation is shown</a:t>
+            </a:r>
+          </a:p>
+          <a:p>
+            <a:r>
+              <a:rPr lang="el-GR" dirty="0"/>
+              <a:t>ε </a:t>
+            </a:r>
+            <a:r>
+              <a:rPr lang="en-US" dirty="0"/>
+              <a:t>permittivity </a:t>
+            </a:r>
             <a:r>
               <a:rPr lang="en-US" dirty="0" smtClean="0"/>
-              <a:t>File handling</a:t>
-            </a:r>
-            <a:endParaRPr lang="en-US" dirty="0"/>
-          </a:p>
-          <a:p>
-            <a:pPr lvl="1"/>
+              <a:t>= 2 </a:t>
+            </a:r>
+            <a:r>
+              <a:rPr lang="el-GR" dirty="0" smtClean="0"/>
+              <a:t>ε</a:t>
+            </a:r>
+            <a:r>
+              <a:rPr lang="en-US" baseline="-25000" dirty="0" smtClean="0"/>
+              <a:t>o</a:t>
+            </a:r>
+          </a:p>
+          <a:p>
             <a:r>
               <a:rPr lang="en-US" dirty="0" smtClean="0"/>
-              <a:t>Data Types</a:t>
-            </a:r>
-            <a:endParaRPr lang="en-US" dirty="0"/>
-          </a:p>
-        </p:txBody>
-      </p:sp>
+              <a:t>Reflection coefficient </a:t>
+            </a:r>
+            <a:r>
+              <a:rPr lang="el-GR" dirty="0" smtClean="0"/>
+              <a:t>Γ</a:t>
+            </a:r>
+            <a:r>
+              <a:rPr lang="en-US" dirty="0" smtClean="0"/>
+              <a:t> = 0.1716</a:t>
+            </a:r>
+          </a:p>
+          <a:p>
+            <a:r>
+              <a:rPr lang="en-US" dirty="0" smtClean="0"/>
+              <a:t>Fourier Analysis of incident and Transmitted waves</a:t>
+            </a:r>
+          </a:p>
+          <a:p>
+            <a:r>
+              <a:rPr lang="en-US" dirty="0" smtClean="0"/>
+              <a:t>Refractive Index                          = 1.4141</a:t>
+            </a:r>
+            <a:endParaRPr lang="en-US" dirty="0" smtClean="0"/>
+          </a:p>
+          <a:p>
+            <a:endParaRPr lang="en-GB" dirty="0"/>
+          </a:p>
+        </p:txBody>
+      </p:sp>
+      <p:sp>
+        <p:nvSpPr>
+          <p:cNvPr id="16386" name="Rectangle 2"/>
+          <p:cNvSpPr>
+            <a:spLocks noChangeArrowheads="1"/>
+          </p:cNvSpPr>
+          <p:nvPr/>
+        </p:nvSpPr>
+        <p:spPr bwMode="auto">
+          <a:xfrm>
+            <a:off x="0" y="0"/>
+            <a:ext cx="9144000" cy="457200"/>
+          </a:xfrm>
+          <a:prstGeom prst="rect">
+            <a:avLst/>
+          </a:prstGeom>
+          <a:noFill/>
+          <a:ln w="9525">
+            <a:noFill/>
+            <a:miter lim="800000"/>
+            <a:headEnd/>
+            <a:tailEnd/>
+          </a:ln>
+          <a:effectLst/>
+        </p:spPr>
+        <p:txBody>
+          <a:bodyPr vert="horz" wrap="none" lIns="91440" tIns="45720" rIns="91440" bIns="45720" numCol="1" anchor="ctr" anchorCtr="0" compatLnSpc="1">
+            <a:prstTxWarp prst="textNoShape">
+              <a:avLst/>
+            </a:prstTxWarp>
+            <a:spAutoFit/>
+          </a:bodyPr>
+          <a:lstStyle/>
+          <a:p>
+            <a:endParaRPr lang="en-US"/>
+          </a:p>
+        </p:txBody>
+      </p:sp>
+      <p:sp>
+        <p:nvSpPr>
+          <p:cNvPr id="16387" name="Rectangle 3"/>
+          <p:cNvSpPr>
+            <a:spLocks noChangeArrowheads="1"/>
+          </p:cNvSpPr>
+          <p:nvPr/>
+        </p:nvSpPr>
+        <p:spPr bwMode="auto">
+          <a:xfrm>
+            <a:off x="0" y="704850"/>
+            <a:ext cx="9144000" cy="0"/>
+          </a:xfrm>
+          <a:prstGeom prst="rect">
+            <a:avLst/>
+          </a:prstGeom>
+          <a:noFill/>
+          <a:ln w="9525">
+            <a:noFill/>
+            <a:miter lim="800000"/>
+            <a:headEnd/>
+            <a:tailEnd/>
+          </a:ln>
+          <a:effectLst/>
+        </p:spPr>
+        <p:txBody>
+          <a:bodyPr vert="horz" wrap="none" lIns="91440" tIns="45720" rIns="91440" bIns="45720" numCol="1" anchor="ctr" anchorCtr="0" compatLnSpc="1">
+            <a:prstTxWarp prst="textNoShape">
+              <a:avLst/>
+            </a:prstTxWarp>
+            <a:spAutoFit/>
+          </a:bodyPr>
+          <a:lstStyle/>
+          <a:p>
+            <a:pPr marL="0" marR="0" lvl="0" indent="0" algn="l" defTabSz="914400" rtl="0" eaLnBrk="1" fontAlgn="base" latinLnBrk="0" hangingPunct="1">
+              <a:lnSpc>
+                <a:spcPct val="100000"/>
+              </a:lnSpc>
+              <a:spcBef>
+                <a:spcPct val="0"/>
+              </a:spcBef>
+              <a:spcAft>
+                <a:spcPct val="0"/>
+              </a:spcAft>
+              <a:buClrTx/>
+              <a:buSzTx/>
+              <a:buFontTx/>
+              <a:buNone/>
+              <a:tabLst/>
+            </a:pPr>
+            <a:endParaRPr kumimoji="0" lang="en-US" sz="1800" b="0" i="0" u="none" strike="noStrike" cap="none" normalizeH="0" baseline="0" smtClean="0">
+              <a:ln>
+                <a:noFill/>
+              </a:ln>
+              <a:solidFill>
+                <a:schemeClr val="tx1"/>
+              </a:solidFill>
+              <a:effectLst/>
+              <a:latin typeface="Arial" pitchFamily="34" charset="0"/>
+              <a:cs typeface="Arial" pitchFamily="34" charset="0"/>
+            </a:endParaRPr>
+          </a:p>
+        </p:txBody>
+      </p:sp>
+      <p:sp>
+        <p:nvSpPr>
+          <p:cNvPr id="16389" name="Rectangle 5"/>
+          <p:cNvSpPr>
+            <a:spLocks noChangeArrowheads="1"/>
+          </p:cNvSpPr>
+          <p:nvPr/>
+        </p:nvSpPr>
+        <p:spPr bwMode="auto">
+          <a:xfrm>
+            <a:off x="0" y="0"/>
+            <a:ext cx="9144000" cy="457200"/>
+          </a:xfrm>
+          <a:prstGeom prst="rect">
+            <a:avLst/>
+          </a:prstGeom>
+          <a:noFill/>
+          <a:ln w="9525">
+            <a:noFill/>
+            <a:miter lim="800000"/>
+            <a:headEnd/>
+            <a:tailEnd/>
+          </a:ln>
+          <a:effectLst/>
+        </p:spPr>
+        <p:txBody>
+          <a:bodyPr vert="horz" wrap="none" lIns="91440" tIns="45720" rIns="91440" bIns="45720" numCol="1" anchor="ctr" anchorCtr="0" compatLnSpc="1">
+            <a:prstTxWarp prst="textNoShape">
+              <a:avLst/>
+            </a:prstTxWarp>
+            <a:spAutoFit/>
+          </a:bodyPr>
+          <a:lstStyle/>
+          <a:p>
+            <a:endParaRPr lang="en-US"/>
+          </a:p>
+        </p:txBody>
+      </p:sp>
+      <p:sp>
+        <p:nvSpPr>
+          <p:cNvPr id="16390" name="Rectangle 6"/>
+          <p:cNvSpPr>
+            <a:spLocks noChangeArrowheads="1"/>
+          </p:cNvSpPr>
+          <p:nvPr/>
+        </p:nvSpPr>
+        <p:spPr bwMode="auto">
+          <a:xfrm>
+            <a:off x="0" y="704850"/>
+            <a:ext cx="9144000" cy="0"/>
+          </a:xfrm>
+          <a:prstGeom prst="rect">
+            <a:avLst/>
+          </a:prstGeom>
+          <a:noFill/>
+          <a:ln w="9525">
+            <a:noFill/>
+            <a:miter lim="800000"/>
+            <a:headEnd/>
+            <a:tailEnd/>
+          </a:ln>
+          <a:effectLst/>
+        </p:spPr>
+        <p:txBody>
+          <a:bodyPr vert="horz" wrap="none" lIns="91440" tIns="45720" rIns="91440" bIns="45720" numCol="1" anchor="ctr" anchorCtr="0" compatLnSpc="1">
+            <a:prstTxWarp prst="textNoShape">
+              <a:avLst/>
+            </a:prstTxWarp>
+            <a:spAutoFit/>
+          </a:bodyPr>
+          <a:lstStyle/>
+          <a:p>
+            <a:pPr marL="0" marR="0" lvl="0" indent="0" algn="l" defTabSz="914400" rtl="0" eaLnBrk="1" fontAlgn="base" latinLnBrk="0" hangingPunct="1">
+              <a:lnSpc>
+                <a:spcPct val="100000"/>
+              </a:lnSpc>
+              <a:spcBef>
+                <a:spcPct val="0"/>
+              </a:spcBef>
+              <a:spcAft>
+                <a:spcPct val="0"/>
+              </a:spcAft>
+              <a:buClrTx/>
+              <a:buSzTx/>
+              <a:buFontTx/>
+              <a:buNone/>
+              <a:tabLst/>
+            </a:pPr>
+            <a:endParaRPr kumimoji="0" lang="en-US" sz="1800" b="0" i="0" u="none" strike="noStrike" cap="none" normalizeH="0" baseline="0" smtClean="0">
+              <a:ln>
+                <a:noFill/>
+              </a:ln>
+              <a:solidFill>
+                <a:schemeClr val="tx1"/>
+              </a:solidFill>
+              <a:effectLst/>
+              <a:latin typeface="Arial" pitchFamily="34" charset="0"/>
+              <a:cs typeface="Arial" pitchFamily="34" charset="0"/>
+            </a:endParaRPr>
+          </a:p>
+        </p:txBody>
+      </p:sp>
+      <p:pic>
+        <p:nvPicPr>
+          <p:cNvPr id="16391" name="Picture 7" descr="C:\Users\Hina\Desktop\New folder\Capture.PNG"/>
+          <p:cNvPicPr>
+            <a:picLocks noChangeAspect="1" noChangeArrowheads="1"/>
+          </p:cNvPicPr>
+          <p:nvPr/>
+        </p:nvPicPr>
+        <p:blipFill>
+          <a:blip r:embed="rId3"/>
+          <a:srcRect/>
+          <a:stretch>
+            <a:fillRect/>
+          </a:stretch>
+        </p:blipFill>
+        <p:spPr bwMode="auto">
+          <a:xfrm>
+            <a:off x="3352800" y="3733800"/>
+            <a:ext cx="1600200" cy="533400"/>
+          </a:xfrm>
+          <a:prstGeom prst="rect">
+            <a:avLst/>
+          </a:prstGeom>
+          <a:noFill/>
+        </p:spPr>
+      </p:pic>
     </p:spTree>
     <p:extLst>
       <p:ext uri="{BB962C8B-B14F-4D97-AF65-F5344CB8AC3E}">
-        <p14:creationId xmlns:p14="http://schemas.microsoft.com/office/powerpoint/2010/main" xmlns="" val="3317833351"/>
+        <p14:creationId xmlns="" xmlns:p14="http://schemas.microsoft.com/office/powerpoint/2010/main" val="3453090673"/>
       </p:ext>
     </p:extLst>
   </p:cSld>
@@ -7974,7 +8368,7 @@
     <a:masterClrMapping/>
   </p:clrMapOvr>
   <mc:AlternateContent xmlns:mc="http://schemas.openxmlformats.org/markup-compatibility/2006">
-    <mc:Choice xmlns:p14="http://schemas.microsoft.com/office/powerpoint/2010/main" xmlns="" Requires="p14">
+    <mc:Choice xmlns="" xmlns:p14="http://schemas.microsoft.com/office/powerpoint/2010/main" Requires="p14">
       <p:transition spd="med" p14:dur="700">
         <p:fade/>
       </p:transition>
@@ -8022,33 +8416,50 @@
             <p:ph type="title"/>
           </p:nvPr>
         </p:nvSpPr>
-        <p:spPr>
-          <a:xfrm>
-            <a:off x="457200" y="2971800"/>
-            <a:ext cx="8229600" cy="1143000"/>
-          </a:xfrm>
-        </p:spPr>
-        <p:txBody>
-          <a:bodyPr>
-            <a:normAutofit/>
-          </a:bodyPr>
+        <p:spPr/>
+        <p:txBody>
+          <a:bodyPr/>
           <a:lstStyle/>
           <a:p>
             <a:r>
               <a:rPr lang="en-US" dirty="0" smtClean="0"/>
-              <a:t>Questions ?</a:t>
-            </a:r>
-            <a:endParaRPr lang="en-US" dirty="0"/>
+              <a:t>Additional Task: Implementation in C++</a:t>
+            </a:r>
+            <a:endParaRPr lang="en-GB" dirty="0"/>
+          </a:p>
+        </p:txBody>
+      </p:sp>
+      <p:sp>
+        <p:nvSpPr>
+          <p:cNvPr id="3" name="Content Placeholder 2"/>
+          <p:cNvSpPr>
+            <a:spLocks noGrp="1"/>
+          </p:cNvSpPr>
+          <p:nvPr>
+            <p:ph idx="1"/>
+          </p:nvPr>
+        </p:nvSpPr>
+        <p:spPr/>
+        <p:txBody>
+          <a:bodyPr/>
+          <a:lstStyle/>
+          <a:p>
+            <a:endParaRPr lang="en-US" dirty="0" smtClean="0"/>
           </a:p>
         </p:txBody>
       </p:sp>
     </p:spTree>
+    <p:extLst>
+      <p:ext uri="{BB962C8B-B14F-4D97-AF65-F5344CB8AC3E}">
+        <p14:creationId xmlns="" xmlns:p14="http://schemas.microsoft.com/office/powerpoint/2010/main" val="3317833351"/>
+      </p:ext>
+    </p:extLst>
   </p:cSld>
   <p:clrMapOvr>
     <a:masterClrMapping/>
   </p:clrMapOvr>
   <mc:AlternateContent xmlns:mc="http://schemas.openxmlformats.org/markup-compatibility/2006">
-    <mc:Choice xmlns:p14="http://schemas.microsoft.com/office/powerpoint/2010/main" xmlns="" Requires="p14">
+    <mc:Choice xmlns="" xmlns:p14="http://schemas.microsoft.com/office/powerpoint/2010/main" Requires="p14">
       <p:transition spd="med" p14:dur="700">
         <p:fade/>
       </p:transition>
@@ -8102,10 +8513,1006 @@
           <a:lstStyle/>
           <a:p>
             <a:r>
-              <a:rPr lang="en-US" b="1" dirty="0" smtClean="0"/>
+              <a:rPr lang="en-US" dirty="0" smtClean="0"/>
+              <a:t>Problems</a:t>
+            </a:r>
+            <a:endParaRPr lang="en-US" dirty="0"/>
+          </a:p>
+        </p:txBody>
+      </p:sp>
+      <p:sp>
+        <p:nvSpPr>
+          <p:cNvPr id="3" name="Content Placeholder 2"/>
+          <p:cNvSpPr>
+            <a:spLocks noGrp="1"/>
+          </p:cNvSpPr>
+          <p:nvPr>
+            <p:ph idx="1"/>
+          </p:nvPr>
+        </p:nvSpPr>
+        <p:spPr/>
+        <p:txBody>
+          <a:bodyPr/>
+          <a:lstStyle/>
+          <a:p>
+            <a:r>
+              <a:rPr lang="en-US" dirty="0" smtClean="0"/>
+              <a:t>Source Node</a:t>
+            </a:r>
+          </a:p>
+          <a:p>
+            <a:r>
+              <a:rPr lang="en-US" dirty="0" smtClean="0"/>
+              <a:t>Grid Truncation</a:t>
+            </a:r>
+          </a:p>
+          <a:p>
+            <a:r>
+              <a:rPr lang="en-US" dirty="0" smtClean="0"/>
+              <a:t>Boundary condition</a:t>
+            </a:r>
+          </a:p>
+          <a:p>
+            <a:r>
+              <a:rPr lang="en-US" dirty="0" smtClean="0"/>
+              <a:t>Unstable Simulation results</a:t>
+            </a:r>
+          </a:p>
+          <a:p>
+            <a:r>
+              <a:rPr lang="en-US" dirty="0" smtClean="0"/>
+              <a:t>Frequency Analysis results</a:t>
+            </a:r>
+          </a:p>
+          <a:p>
+            <a:r>
+              <a:rPr lang="en-US" dirty="0" smtClean="0"/>
+              <a:t>File Handling in C++</a:t>
+            </a:r>
+          </a:p>
+          <a:p>
+            <a:r>
+              <a:rPr lang="en-US" dirty="0" smtClean="0"/>
+              <a:t>Variables precision</a:t>
+            </a:r>
+          </a:p>
+          <a:p>
+            <a:endParaRPr lang="en-US" dirty="0" smtClean="0"/>
+          </a:p>
+        </p:txBody>
+      </p:sp>
+    </p:spTree>
+  </p:cSld>
+  <p:clrMapOvr>
+    <a:masterClrMapping/>
+  </p:clrMapOvr>
+  <mc:AlternateContent xmlns:mc="http://schemas.openxmlformats.org/markup-compatibility/2006">
+    <mc:Choice xmlns="" xmlns:p14="http://schemas.microsoft.com/office/powerpoint/2010/main" Requires="p14">
+      <p:transition spd="med" p14:dur="700">
+        <p:fade/>
+      </p:transition>
+    </mc:Choice>
+    <mc:Fallback>
+      <p:transition spd="med">
+        <p:fade/>
+      </p:transition>
+    </mc:Fallback>
+  </mc:AlternateContent>
+  <p:timing>
+    <p:tnLst>
+      <p:par>
+        <p:cTn id="1" dur="indefinite" restart="never" nodeType="tmRoot"/>
+      </p:par>
+    </p:tnLst>
+  </p:timing>
+</p:sld>
+</file>
+
+<file path=ppt/slides/slide15.xml><?xml version="1.0" encoding="utf-8"?>
+<p:sld xmlns:a="http://schemas.openxmlformats.org/drawingml/2006/main" xmlns:r="http://schemas.openxmlformats.org/officeDocument/2006/relationships" xmlns:p="http://schemas.openxmlformats.org/presentationml/2006/main">
+  <p:cSld>
+    <p:spTree>
+      <p:nvGrpSpPr>
+        <p:cNvPr id="1" name=""/>
+        <p:cNvGrpSpPr/>
+        <p:nvPr/>
+      </p:nvGrpSpPr>
+      <p:grpSpPr>
+        <a:xfrm>
+          <a:off x="0" y="0"/>
+          <a:ext cx="0" cy="0"/>
+          <a:chOff x="0" y="0"/>
+          <a:chExt cx="0" cy="0"/>
+        </a:xfrm>
+      </p:grpSpPr>
+      <p:sp>
+        <p:nvSpPr>
+          <p:cNvPr id="2" name="Title 1"/>
+          <p:cNvSpPr>
+            <a:spLocks noGrp="1"/>
+          </p:cNvSpPr>
+          <p:nvPr>
+            <p:ph type="title"/>
+          </p:nvPr>
+        </p:nvSpPr>
+        <p:spPr/>
+        <p:txBody>
+          <a:bodyPr/>
+          <a:lstStyle/>
+          <a:p>
+            <a:r>
+              <a:rPr lang="en-US" dirty="0" smtClean="0"/>
+              <a:t>Results</a:t>
+            </a:r>
+            <a:endParaRPr lang="en-US" dirty="0"/>
+          </a:p>
+        </p:txBody>
+      </p:sp>
+      <p:pic>
+        <p:nvPicPr>
+          <p:cNvPr id="2050" name="Picture 2" descr="C:\Users\Hina\Desktop\New folder\1.PNG"/>
+          <p:cNvPicPr>
+            <a:picLocks noChangeAspect="1" noChangeArrowheads="1"/>
+          </p:cNvPicPr>
+          <p:nvPr/>
+        </p:nvPicPr>
+        <p:blipFill>
+          <a:blip r:embed="rId2"/>
+          <a:srcRect/>
+          <a:stretch>
+            <a:fillRect/>
+          </a:stretch>
+        </p:blipFill>
+        <p:spPr bwMode="auto">
+          <a:xfrm>
+            <a:off x="1828800" y="1676400"/>
+            <a:ext cx="5419725" cy="4772025"/>
+          </a:xfrm>
+          <a:prstGeom prst="rect">
+            <a:avLst/>
+          </a:prstGeom>
+          <a:noFill/>
+        </p:spPr>
+      </p:pic>
+      <p:pic>
+        <p:nvPicPr>
+          <p:cNvPr id="5" name="Picture 2" descr="C:\Users\Hina\Desktop\New folder\2.PNG"/>
+          <p:cNvPicPr>
+            <a:picLocks noGrp="1" noChangeAspect="1" noChangeArrowheads="1"/>
+          </p:cNvPicPr>
+          <p:nvPr>
+            <p:ph idx="1"/>
+          </p:nvPr>
+        </p:nvPicPr>
+        <p:blipFill>
+          <a:blip r:embed="rId3"/>
+          <a:srcRect/>
+          <a:stretch>
+            <a:fillRect/>
+          </a:stretch>
+        </p:blipFill>
+        <p:spPr bwMode="auto">
+          <a:xfrm>
+            <a:off x="1828800" y="1676400"/>
+            <a:ext cx="5419726" cy="4800600"/>
+          </a:xfrm>
+          <a:prstGeom prst="rect">
+            <a:avLst/>
+          </a:prstGeom>
+          <a:noFill/>
+        </p:spPr>
+      </p:pic>
+      <p:pic>
+        <p:nvPicPr>
+          <p:cNvPr id="6" name="Picture 2" descr="C:\Users\Hina\Desktop\New folder\3.PNG"/>
+          <p:cNvPicPr>
+            <a:picLocks noChangeAspect="1" noChangeArrowheads="1"/>
+          </p:cNvPicPr>
+          <p:nvPr/>
+        </p:nvPicPr>
+        <p:blipFill>
+          <a:blip r:embed="rId4"/>
+          <a:srcRect/>
+          <a:stretch>
+            <a:fillRect/>
+          </a:stretch>
+        </p:blipFill>
+        <p:spPr bwMode="auto">
+          <a:xfrm>
+            <a:off x="1800225" y="1676400"/>
+            <a:ext cx="5438775" cy="4800600"/>
+          </a:xfrm>
+          <a:prstGeom prst="rect">
+            <a:avLst/>
+          </a:prstGeom>
+          <a:noFill/>
+        </p:spPr>
+      </p:pic>
+      <p:pic>
+        <p:nvPicPr>
+          <p:cNvPr id="7" name="Picture 2" descr="C:\Users\Hina\Desktop\New folder\4.PNG"/>
+          <p:cNvPicPr>
+            <a:picLocks noChangeAspect="1" noChangeArrowheads="1"/>
+          </p:cNvPicPr>
+          <p:nvPr/>
+        </p:nvPicPr>
+        <p:blipFill>
+          <a:blip r:embed="rId5"/>
+          <a:srcRect/>
+          <a:stretch>
+            <a:fillRect/>
+          </a:stretch>
+        </p:blipFill>
+        <p:spPr bwMode="auto">
+          <a:xfrm>
+            <a:off x="1828800" y="1676401"/>
+            <a:ext cx="5372100" cy="4800600"/>
+          </a:xfrm>
+          <a:prstGeom prst="rect">
+            <a:avLst/>
+          </a:prstGeom>
+          <a:noFill/>
+        </p:spPr>
+      </p:pic>
+      <p:pic>
+        <p:nvPicPr>
+          <p:cNvPr id="8" name="Picture 2" descr="C:\Users\Hina\Desktop\New folder\6.PNG"/>
+          <p:cNvPicPr>
+            <a:picLocks noChangeAspect="1" noChangeArrowheads="1"/>
+          </p:cNvPicPr>
+          <p:nvPr/>
+        </p:nvPicPr>
+        <p:blipFill>
+          <a:blip r:embed="rId6"/>
+          <a:srcRect/>
+          <a:stretch>
+            <a:fillRect/>
+          </a:stretch>
+        </p:blipFill>
+        <p:spPr bwMode="auto">
+          <a:xfrm>
+            <a:off x="1828800" y="1685925"/>
+            <a:ext cx="5448300" cy="4867275"/>
+          </a:xfrm>
+          <a:prstGeom prst="rect">
+            <a:avLst/>
+          </a:prstGeom>
+          <a:noFill/>
+        </p:spPr>
+      </p:pic>
+    </p:spTree>
+  </p:cSld>
+  <p:clrMapOvr>
+    <a:masterClrMapping/>
+  </p:clrMapOvr>
+  <mc:AlternateContent xmlns:mc="http://schemas.openxmlformats.org/markup-compatibility/2006">
+    <mc:Choice xmlns="" xmlns:p14="http://schemas.microsoft.com/office/powerpoint/2010/main" Requires="p14">
+      <p:transition spd="med" p14:dur="700">
+        <p:fade/>
+      </p:transition>
+    </mc:Choice>
+    <mc:Fallback>
+      <p:transition spd="med">
+        <p:fade/>
+      </p:transition>
+    </mc:Fallback>
+  </mc:AlternateContent>
+  <p:timing>
+    <p:tnLst>
+      <p:par>
+        <p:cTn id="1" dur="indefinite" restart="never" nodeType="tmRoot">
+          <p:childTnLst>
+            <p:seq concurrent="1" nextAc="seek">
+              <p:cTn id="2" dur="indefinite" nodeType="mainSeq">
+                <p:childTnLst>
+                  <p:par>
+                    <p:cTn id="3" fill="hold">
+                      <p:stCondLst>
+                        <p:cond delay="indefinite"/>
+                      </p:stCondLst>
+                      <p:childTnLst>
+                        <p:par>
+                          <p:cTn id="4" fill="hold">
+                            <p:stCondLst>
+                              <p:cond delay="0"/>
+                            </p:stCondLst>
+                            <p:childTnLst>
+                              <p:par>
+                                <p:cTn id="5" presetID="2" presetClass="entr" presetSubtype="2" fill="hold" nodeType="clickEffect">
+                                  <p:stCondLst>
+                                    <p:cond delay="0"/>
+                                  </p:stCondLst>
+                                  <p:childTnLst>
+                                    <p:set>
+                                      <p:cBhvr>
+                                        <p:cTn id="6" dur="1" fill="hold">
+                                          <p:stCondLst>
+                                            <p:cond delay="0"/>
+                                          </p:stCondLst>
+                                        </p:cTn>
+                                        <p:tgtEl>
+                                          <p:spTgt spid="5"/>
+                                        </p:tgtEl>
+                                        <p:attrNameLst>
+                                          <p:attrName>style.visibility</p:attrName>
+                                        </p:attrNameLst>
+                                      </p:cBhvr>
+                                      <p:to>
+                                        <p:strVal val="visible"/>
+                                      </p:to>
+                                    </p:set>
+                                    <p:anim calcmode="lin" valueType="num">
+                                      <p:cBhvr additive="base">
+                                        <p:cTn id="7" dur="500" fill="hold"/>
+                                        <p:tgtEl>
+                                          <p:spTgt spid="5"/>
+                                        </p:tgtEl>
+                                        <p:attrNameLst>
+                                          <p:attrName>ppt_x</p:attrName>
+                                        </p:attrNameLst>
+                                      </p:cBhvr>
+                                      <p:tavLst>
+                                        <p:tav tm="0">
+                                          <p:val>
+                                            <p:strVal val="1+#ppt_w/2"/>
+                                          </p:val>
+                                        </p:tav>
+                                        <p:tav tm="100000">
+                                          <p:val>
+                                            <p:strVal val="#ppt_x"/>
+                                          </p:val>
+                                        </p:tav>
+                                      </p:tavLst>
+                                    </p:anim>
+                                    <p:anim calcmode="lin" valueType="num">
+                                      <p:cBhvr additive="base">
+                                        <p:cTn id="8" dur="500" fill="hold"/>
+                                        <p:tgtEl>
+                                          <p:spTgt spid="5"/>
+                                        </p:tgtEl>
+                                        <p:attrNameLst>
+                                          <p:attrName>ppt_y</p:attrName>
+                                        </p:attrNameLst>
+                                      </p:cBhvr>
+                                      <p:tavLst>
+                                        <p:tav tm="0">
+                                          <p:val>
+                                            <p:strVal val="#ppt_y"/>
+                                          </p:val>
+                                        </p:tav>
+                                        <p:tav tm="100000">
+                                          <p:val>
+                                            <p:strVal val="#ppt_y"/>
+                                          </p:val>
+                                        </p:tav>
+                                      </p:tavLst>
+                                    </p:anim>
+                                  </p:childTnLst>
+                                </p:cTn>
+                              </p:par>
+                            </p:childTnLst>
+                          </p:cTn>
+                        </p:par>
+                      </p:childTnLst>
+                    </p:cTn>
+                  </p:par>
+                  <p:par>
+                    <p:cTn id="9" fill="hold">
+                      <p:stCondLst>
+                        <p:cond delay="indefinite"/>
+                      </p:stCondLst>
+                      <p:childTnLst>
+                        <p:par>
+                          <p:cTn id="10" fill="hold">
+                            <p:stCondLst>
+                              <p:cond delay="0"/>
+                            </p:stCondLst>
+                            <p:childTnLst>
+                              <p:par>
+                                <p:cTn id="11" presetID="2" presetClass="entr" presetSubtype="2" fill="hold" nodeType="clickEffect">
+                                  <p:stCondLst>
+                                    <p:cond delay="0"/>
+                                  </p:stCondLst>
+                                  <p:childTnLst>
+                                    <p:set>
+                                      <p:cBhvr>
+                                        <p:cTn id="12" dur="1" fill="hold">
+                                          <p:stCondLst>
+                                            <p:cond delay="0"/>
+                                          </p:stCondLst>
+                                        </p:cTn>
+                                        <p:tgtEl>
+                                          <p:spTgt spid="6"/>
+                                        </p:tgtEl>
+                                        <p:attrNameLst>
+                                          <p:attrName>style.visibility</p:attrName>
+                                        </p:attrNameLst>
+                                      </p:cBhvr>
+                                      <p:to>
+                                        <p:strVal val="visible"/>
+                                      </p:to>
+                                    </p:set>
+                                    <p:anim calcmode="lin" valueType="num">
+                                      <p:cBhvr additive="base">
+                                        <p:cTn id="13" dur="500" fill="hold"/>
+                                        <p:tgtEl>
+                                          <p:spTgt spid="6"/>
+                                        </p:tgtEl>
+                                        <p:attrNameLst>
+                                          <p:attrName>ppt_x</p:attrName>
+                                        </p:attrNameLst>
+                                      </p:cBhvr>
+                                      <p:tavLst>
+                                        <p:tav tm="0">
+                                          <p:val>
+                                            <p:strVal val="1+#ppt_w/2"/>
+                                          </p:val>
+                                        </p:tav>
+                                        <p:tav tm="100000">
+                                          <p:val>
+                                            <p:strVal val="#ppt_x"/>
+                                          </p:val>
+                                        </p:tav>
+                                      </p:tavLst>
+                                    </p:anim>
+                                    <p:anim calcmode="lin" valueType="num">
+                                      <p:cBhvr additive="base">
+                                        <p:cTn id="14" dur="500" fill="hold"/>
+                                        <p:tgtEl>
+                                          <p:spTgt spid="6"/>
+                                        </p:tgtEl>
+                                        <p:attrNameLst>
+                                          <p:attrName>ppt_y</p:attrName>
+                                        </p:attrNameLst>
+                                      </p:cBhvr>
+                                      <p:tavLst>
+                                        <p:tav tm="0">
+                                          <p:val>
+                                            <p:strVal val="#ppt_y"/>
+                                          </p:val>
+                                        </p:tav>
+                                        <p:tav tm="100000">
+                                          <p:val>
+                                            <p:strVal val="#ppt_y"/>
+                                          </p:val>
+                                        </p:tav>
+                                      </p:tavLst>
+                                    </p:anim>
+                                  </p:childTnLst>
+                                </p:cTn>
+                              </p:par>
+                            </p:childTnLst>
+                          </p:cTn>
+                        </p:par>
+                      </p:childTnLst>
+                    </p:cTn>
+                  </p:par>
+                  <p:par>
+                    <p:cTn id="15" fill="hold">
+                      <p:stCondLst>
+                        <p:cond delay="indefinite"/>
+                      </p:stCondLst>
+                      <p:childTnLst>
+                        <p:par>
+                          <p:cTn id="16" fill="hold">
+                            <p:stCondLst>
+                              <p:cond delay="0"/>
+                            </p:stCondLst>
+                            <p:childTnLst>
+                              <p:par>
+                                <p:cTn id="17" presetID="2" presetClass="entr" presetSubtype="2" fill="hold" nodeType="clickEffect">
+                                  <p:stCondLst>
+                                    <p:cond delay="0"/>
+                                  </p:stCondLst>
+                                  <p:childTnLst>
+                                    <p:set>
+                                      <p:cBhvr>
+                                        <p:cTn id="18" dur="1" fill="hold">
+                                          <p:stCondLst>
+                                            <p:cond delay="0"/>
+                                          </p:stCondLst>
+                                        </p:cTn>
+                                        <p:tgtEl>
+                                          <p:spTgt spid="7"/>
+                                        </p:tgtEl>
+                                        <p:attrNameLst>
+                                          <p:attrName>style.visibility</p:attrName>
+                                        </p:attrNameLst>
+                                      </p:cBhvr>
+                                      <p:to>
+                                        <p:strVal val="visible"/>
+                                      </p:to>
+                                    </p:set>
+                                    <p:anim calcmode="lin" valueType="num">
+                                      <p:cBhvr additive="base">
+                                        <p:cTn id="19" dur="500" fill="hold"/>
+                                        <p:tgtEl>
+                                          <p:spTgt spid="7"/>
+                                        </p:tgtEl>
+                                        <p:attrNameLst>
+                                          <p:attrName>ppt_x</p:attrName>
+                                        </p:attrNameLst>
+                                      </p:cBhvr>
+                                      <p:tavLst>
+                                        <p:tav tm="0">
+                                          <p:val>
+                                            <p:strVal val="1+#ppt_w/2"/>
+                                          </p:val>
+                                        </p:tav>
+                                        <p:tav tm="100000">
+                                          <p:val>
+                                            <p:strVal val="#ppt_x"/>
+                                          </p:val>
+                                        </p:tav>
+                                      </p:tavLst>
+                                    </p:anim>
+                                    <p:anim calcmode="lin" valueType="num">
+                                      <p:cBhvr additive="base">
+                                        <p:cTn id="20" dur="500" fill="hold"/>
+                                        <p:tgtEl>
+                                          <p:spTgt spid="7"/>
+                                        </p:tgtEl>
+                                        <p:attrNameLst>
+                                          <p:attrName>ppt_y</p:attrName>
+                                        </p:attrNameLst>
+                                      </p:cBhvr>
+                                      <p:tavLst>
+                                        <p:tav tm="0">
+                                          <p:val>
+                                            <p:strVal val="#ppt_y"/>
+                                          </p:val>
+                                        </p:tav>
+                                        <p:tav tm="100000">
+                                          <p:val>
+                                            <p:strVal val="#ppt_y"/>
+                                          </p:val>
+                                        </p:tav>
+                                      </p:tavLst>
+                                    </p:anim>
+                                  </p:childTnLst>
+                                </p:cTn>
+                              </p:par>
+                            </p:childTnLst>
+                          </p:cTn>
+                        </p:par>
+                      </p:childTnLst>
+                    </p:cTn>
+                  </p:par>
+                  <p:par>
+                    <p:cTn id="21" fill="hold">
+                      <p:stCondLst>
+                        <p:cond delay="indefinite"/>
+                      </p:stCondLst>
+                      <p:childTnLst>
+                        <p:par>
+                          <p:cTn id="22" fill="hold">
+                            <p:stCondLst>
+                              <p:cond delay="0"/>
+                            </p:stCondLst>
+                            <p:childTnLst>
+                              <p:par>
+                                <p:cTn id="23" presetID="2" presetClass="entr" presetSubtype="2" fill="hold" nodeType="clickEffect">
+                                  <p:stCondLst>
+                                    <p:cond delay="0"/>
+                                  </p:stCondLst>
+                                  <p:childTnLst>
+                                    <p:set>
+                                      <p:cBhvr>
+                                        <p:cTn id="24" dur="1" fill="hold">
+                                          <p:stCondLst>
+                                            <p:cond delay="0"/>
+                                          </p:stCondLst>
+                                        </p:cTn>
+                                        <p:tgtEl>
+                                          <p:spTgt spid="8"/>
+                                        </p:tgtEl>
+                                        <p:attrNameLst>
+                                          <p:attrName>style.visibility</p:attrName>
+                                        </p:attrNameLst>
+                                      </p:cBhvr>
+                                      <p:to>
+                                        <p:strVal val="visible"/>
+                                      </p:to>
+                                    </p:set>
+                                    <p:anim calcmode="lin" valueType="num">
+                                      <p:cBhvr additive="base">
+                                        <p:cTn id="25" dur="500" fill="hold"/>
+                                        <p:tgtEl>
+                                          <p:spTgt spid="8"/>
+                                        </p:tgtEl>
+                                        <p:attrNameLst>
+                                          <p:attrName>ppt_x</p:attrName>
+                                        </p:attrNameLst>
+                                      </p:cBhvr>
+                                      <p:tavLst>
+                                        <p:tav tm="0">
+                                          <p:val>
+                                            <p:strVal val="1+#ppt_w/2"/>
+                                          </p:val>
+                                        </p:tav>
+                                        <p:tav tm="100000">
+                                          <p:val>
+                                            <p:strVal val="#ppt_x"/>
+                                          </p:val>
+                                        </p:tav>
+                                      </p:tavLst>
+                                    </p:anim>
+                                    <p:anim calcmode="lin" valueType="num">
+                                      <p:cBhvr additive="base">
+                                        <p:cTn id="26" dur="500" fill="hold"/>
+                                        <p:tgtEl>
+                                          <p:spTgt spid="8"/>
+                                        </p:tgtEl>
+                                        <p:attrNameLst>
+                                          <p:attrName>ppt_y</p:attrName>
+                                        </p:attrNameLst>
+                                      </p:cBhvr>
+                                      <p:tavLst>
+                                        <p:tav tm="0">
+                                          <p:val>
+                                            <p:strVal val="#ppt_y"/>
+                                          </p:val>
+                                        </p:tav>
+                                        <p:tav tm="100000">
+                                          <p:val>
+                                            <p:strVal val="#ppt_y"/>
+                                          </p:val>
+                                        </p:tav>
+                                      </p:tavLst>
+                                    </p:anim>
+                                  </p:childTnLst>
+                                </p:cTn>
+                              </p:par>
+                            </p:childTnLst>
+                          </p:cTn>
+                        </p:par>
+                      </p:childTnLst>
+                    </p:cTn>
+                  </p:par>
+                </p:childTnLst>
+              </p:cTn>
+              <p:prevCondLst>
+                <p:cond evt="onPrev" delay="0">
+                  <p:tgtEl>
+                    <p:sldTgt/>
+                  </p:tgtEl>
+                </p:cond>
+              </p:prevCondLst>
+              <p:nextCondLst>
+                <p:cond evt="onNext" delay="0">
+                  <p:tgtEl>
+                    <p:sldTgt/>
+                  </p:tgtEl>
+                </p:cond>
+              </p:nextCondLst>
+            </p:seq>
+          </p:childTnLst>
+        </p:cTn>
+      </p:par>
+    </p:tnLst>
+  </p:timing>
+</p:sld>
+</file>
+
+<file path=ppt/slides/slide16.xml><?xml version="1.0" encoding="utf-8"?>
+<p:sld xmlns:a="http://schemas.openxmlformats.org/drawingml/2006/main" xmlns:r="http://schemas.openxmlformats.org/officeDocument/2006/relationships" xmlns:p="http://schemas.openxmlformats.org/presentationml/2006/main">
+  <p:cSld>
+    <p:spTree>
+      <p:nvGrpSpPr>
+        <p:cNvPr id="1" name=""/>
+        <p:cNvGrpSpPr/>
+        <p:nvPr/>
+      </p:nvGrpSpPr>
+      <p:grpSpPr>
+        <a:xfrm>
+          <a:off x="0" y="0"/>
+          <a:ext cx="0" cy="0"/>
+          <a:chOff x="0" y="0"/>
+          <a:chExt cx="0" cy="0"/>
+        </a:xfrm>
+      </p:grpSpPr>
+      <p:sp>
+        <p:nvSpPr>
+          <p:cNvPr id="2" name="Title 1"/>
+          <p:cNvSpPr>
+            <a:spLocks noGrp="1"/>
+          </p:cNvSpPr>
+          <p:nvPr>
+            <p:ph type="title"/>
+          </p:nvPr>
+        </p:nvSpPr>
+        <p:spPr/>
+        <p:txBody>
+          <a:bodyPr/>
+          <a:lstStyle/>
+          <a:p>
+            <a:r>
+              <a:rPr lang="en-US" dirty="0" smtClean="0"/>
+              <a:t>References</a:t>
+            </a:r>
+            <a:endParaRPr lang="en-US" dirty="0"/>
+          </a:p>
+        </p:txBody>
+      </p:sp>
+      <p:sp>
+        <p:nvSpPr>
+          <p:cNvPr id="3" name="Content Placeholder 2"/>
+          <p:cNvSpPr>
+            <a:spLocks noGrp="1"/>
+          </p:cNvSpPr>
+          <p:nvPr>
+            <p:ph idx="1"/>
+          </p:nvPr>
+        </p:nvSpPr>
+        <p:spPr/>
+        <p:txBody>
+          <a:bodyPr/>
+          <a:lstStyle/>
+          <a:p>
+            <a:r>
+              <a:rPr lang="en-US" dirty="0" smtClean="0"/>
+              <a:t>John B. Schneider, </a:t>
+            </a:r>
+            <a:r>
+              <a:rPr lang="en-US" i="1" dirty="0" smtClean="0"/>
+              <a:t>“Understanding the Finite-Difference Time-Domain Method”</a:t>
+            </a:r>
+            <a:r>
+              <a:rPr lang="en-US" dirty="0" smtClean="0"/>
+              <a:t>, </a:t>
+            </a:r>
+            <a:r>
+              <a:rPr lang="en-US" dirty="0" smtClean="0"/>
+              <a:t>2010</a:t>
+            </a:r>
+          </a:p>
+          <a:p>
+            <a:endParaRPr lang="en-US" dirty="0" smtClean="0"/>
+          </a:p>
+          <a:p>
+            <a:r>
+              <a:rPr lang="en-US" dirty="0" smtClean="0"/>
+              <a:t>Dennis M. Sullivan, “Electromagnetic Simulation using the FDTD method”, Publisher: Wiley, 2013</a:t>
+            </a:r>
+          </a:p>
+          <a:p>
+            <a:endParaRPr lang="en-US" dirty="0" smtClean="0"/>
+          </a:p>
+          <a:p>
+            <a:r>
+              <a:rPr lang="en-US" dirty="0" smtClean="0"/>
+              <a:t>S </a:t>
+            </a:r>
+            <a:r>
+              <a:rPr lang="en-US" dirty="0" err="1" smtClean="0"/>
+              <a:t>Anantha</a:t>
+            </a:r>
+            <a:r>
+              <a:rPr lang="en-US" dirty="0" smtClean="0"/>
+              <a:t> Ramakrishna, “Physics of negative refractive index materials”, 2005</a:t>
+            </a:r>
+          </a:p>
+          <a:p>
+            <a:endParaRPr lang="en-US" dirty="0" smtClean="0"/>
+          </a:p>
+          <a:p>
+            <a:endParaRPr lang="en-US" dirty="0" smtClean="0"/>
+          </a:p>
+          <a:p>
+            <a:endParaRPr lang="en-US" dirty="0"/>
+          </a:p>
+        </p:txBody>
+      </p:sp>
+    </p:spTree>
+  </p:cSld>
+  <p:clrMapOvr>
+    <a:masterClrMapping/>
+  </p:clrMapOvr>
+  <mc:AlternateContent xmlns:mc="http://schemas.openxmlformats.org/markup-compatibility/2006">
+    <mc:Choice xmlns="" xmlns:p14="http://schemas.microsoft.com/office/powerpoint/2010/main" Requires="p14">
+      <p:transition spd="med" p14:dur="700">
+        <p:fade/>
+      </p:transition>
+    </mc:Choice>
+    <mc:Fallback>
+      <p:transition spd="med">
+        <p:fade/>
+      </p:transition>
+    </mc:Fallback>
+  </mc:AlternateContent>
+  <p:timing>
+    <p:tnLst>
+      <p:par>
+        <p:cTn id="1" dur="indefinite" restart="never" nodeType="tmRoot"/>
+      </p:par>
+    </p:tnLst>
+  </p:timing>
+</p:sld>
+</file>
+
+<file path=ppt/slides/slide17.xml><?xml version="1.0" encoding="utf-8"?>
+<p:sld xmlns:a="http://schemas.openxmlformats.org/drawingml/2006/main" xmlns:r="http://schemas.openxmlformats.org/officeDocument/2006/relationships" xmlns:p="http://schemas.openxmlformats.org/presentationml/2006/main">
+  <p:cSld>
+    <p:spTree>
+      <p:nvGrpSpPr>
+        <p:cNvPr id="1" name=""/>
+        <p:cNvGrpSpPr/>
+        <p:nvPr/>
+      </p:nvGrpSpPr>
+      <p:grpSpPr>
+        <a:xfrm>
+          <a:off x="0" y="0"/>
+          <a:ext cx="0" cy="0"/>
+          <a:chOff x="0" y="0"/>
+          <a:chExt cx="0" cy="0"/>
+        </a:xfrm>
+      </p:grpSpPr>
+      <p:sp>
+        <p:nvSpPr>
+          <p:cNvPr id="2" name="Title 1"/>
+          <p:cNvSpPr>
+            <a:spLocks noGrp="1"/>
+          </p:cNvSpPr>
+          <p:nvPr>
+            <p:ph type="title"/>
+          </p:nvPr>
+        </p:nvSpPr>
+        <p:spPr>
+          <a:xfrm>
+            <a:off x="484710" y="2971800"/>
+            <a:ext cx="7055380" cy="1400530"/>
+          </a:xfrm>
+        </p:spPr>
+        <p:txBody>
+          <a:bodyPr/>
+          <a:lstStyle/>
+          <a:p>
+            <a:r>
+              <a:rPr lang="en-US" dirty="0" smtClean="0"/>
+              <a:t>Thank you</a:t>
+            </a:r>
+            <a:endParaRPr lang="en-US" dirty="0"/>
+          </a:p>
+        </p:txBody>
+      </p:sp>
+    </p:spTree>
+  </p:cSld>
+  <p:clrMapOvr>
+    <a:masterClrMapping/>
+  </p:clrMapOvr>
+  <mc:AlternateContent xmlns:mc="http://schemas.openxmlformats.org/markup-compatibility/2006">
+    <mc:Choice xmlns="" xmlns:p14="http://schemas.microsoft.com/office/powerpoint/2010/main" Requires="p14">
+      <p:transition spd="med" p14:dur="700">
+        <p:fade/>
+      </p:transition>
+    </mc:Choice>
+    <mc:Fallback>
+      <p:transition spd="med">
+        <p:fade/>
+      </p:transition>
+    </mc:Fallback>
+  </mc:AlternateContent>
+  <p:timing>
+    <p:tnLst>
+      <p:par>
+        <p:cTn id="1" dur="indefinite" restart="never" nodeType="tmRoot"/>
+      </p:par>
+    </p:tnLst>
+  </p:timing>
+</p:sld>
+</file>
+
+<file path=ppt/slides/slide18.xml><?xml version="1.0" encoding="utf-8"?>
+<p:sld xmlns:a="http://schemas.openxmlformats.org/drawingml/2006/main" xmlns:r="http://schemas.openxmlformats.org/officeDocument/2006/relationships" xmlns:p="http://schemas.openxmlformats.org/presentationml/2006/main">
+  <p:cSld>
+    <p:spTree>
+      <p:nvGrpSpPr>
+        <p:cNvPr id="1" name=""/>
+        <p:cNvGrpSpPr/>
+        <p:nvPr/>
+      </p:nvGrpSpPr>
+      <p:grpSpPr>
+        <a:xfrm>
+          <a:off x="0" y="0"/>
+          <a:ext cx="0" cy="0"/>
+          <a:chOff x="0" y="0"/>
+          <a:chExt cx="0" cy="0"/>
+        </a:xfrm>
+      </p:grpSpPr>
+      <p:sp>
+        <p:nvSpPr>
+          <p:cNvPr id="2" name="Title 1"/>
+          <p:cNvSpPr>
+            <a:spLocks noGrp="1"/>
+          </p:cNvSpPr>
+          <p:nvPr>
+            <p:ph type="title"/>
+          </p:nvPr>
+        </p:nvSpPr>
+        <p:spPr>
+          <a:xfrm>
+            <a:off x="457200" y="2971800"/>
+            <a:ext cx="8229600" cy="1143000"/>
+          </a:xfrm>
+        </p:spPr>
+        <p:txBody>
+          <a:bodyPr>
+            <a:normAutofit/>
+          </a:bodyPr>
+          <a:lstStyle/>
+          <a:p>
+            <a:r>
+              <a:rPr lang="en-US" dirty="0" smtClean="0"/>
+              <a:t>Questions ?</a:t>
+            </a:r>
+            <a:endParaRPr lang="en-US" dirty="0"/>
+          </a:p>
+        </p:txBody>
+      </p:sp>
+    </p:spTree>
+  </p:cSld>
+  <p:clrMapOvr>
+    <a:masterClrMapping/>
+  </p:clrMapOvr>
+  <mc:AlternateContent xmlns:mc="http://schemas.openxmlformats.org/markup-compatibility/2006">
+    <mc:Choice xmlns="" xmlns:p14="http://schemas.microsoft.com/office/powerpoint/2010/main" Requires="p14">
+      <p:transition spd="med" p14:dur="700">
+        <p:fade/>
+      </p:transition>
+    </mc:Choice>
+    <mc:Fallback>
+      <p:transition spd="med">
+        <p:fade/>
+      </p:transition>
+    </mc:Fallback>
+  </mc:AlternateContent>
+  <p:timing>
+    <p:tnLst>
+      <p:par>
+        <p:cTn id="1" dur="indefinite" restart="never" nodeType="tmRoot"/>
+      </p:par>
+    </p:tnLst>
+  </p:timing>
+</p:sld>
+</file>
+
+<file path=ppt/slides/slide19.xml><?xml version="1.0" encoding="utf-8"?>
+<p:sld xmlns:a="http://schemas.openxmlformats.org/drawingml/2006/main" xmlns:r="http://schemas.openxmlformats.org/officeDocument/2006/relationships" xmlns:p="http://schemas.openxmlformats.org/presentationml/2006/main">
+  <p:cSld>
+    <p:spTree>
+      <p:nvGrpSpPr>
+        <p:cNvPr id="1" name=""/>
+        <p:cNvGrpSpPr/>
+        <p:nvPr/>
+      </p:nvGrpSpPr>
+      <p:grpSpPr>
+        <a:xfrm>
+          <a:off x="0" y="0"/>
+          <a:ext cx="0" cy="0"/>
+          <a:chOff x="0" y="0"/>
+          <a:chExt cx="0" cy="0"/>
+        </a:xfrm>
+      </p:grpSpPr>
+      <p:sp>
+        <p:nvSpPr>
+          <p:cNvPr id="2" name="Title 1"/>
+          <p:cNvSpPr>
+            <a:spLocks noGrp="1"/>
+          </p:cNvSpPr>
+          <p:nvPr>
+            <p:ph type="title"/>
+          </p:nvPr>
+        </p:nvSpPr>
+        <p:spPr/>
+        <p:txBody>
+          <a:bodyPr/>
+          <a:lstStyle/>
+          <a:p>
+            <a:r>
+              <a:rPr lang="en-US" dirty="0" smtClean="0"/>
               <a:t>Applications of NIM</a:t>
             </a:r>
-            <a:endParaRPr lang="en-US" b="1" dirty="0"/>
+            <a:endParaRPr lang="en-US" dirty="0"/>
           </a:p>
         </p:txBody>
       </p:sp>
@@ -8168,7 +9575,7 @@
     <a:masterClrMapping/>
   </p:clrMapOvr>
   <mc:AlternateContent xmlns:mc="http://schemas.openxmlformats.org/markup-compatibility/2006">
-    <mc:Choice xmlns:p14="http://schemas.microsoft.com/office/powerpoint/2010/main" xmlns="" Requires="p14">
+    <mc:Choice xmlns="" xmlns:p14="http://schemas.microsoft.com/office/powerpoint/2010/main" Requires="p14">
       <p:transition spd="med" p14:dur="700">
         <p:fade/>
       </p:transition>
@@ -8222,10 +9629,10 @@
           <a:lstStyle/>
           <a:p>
             <a:r>
-              <a:rPr lang="en-US" b="1" dirty="0" smtClean="0"/>
+              <a:rPr lang="en-US" dirty="0" smtClean="0"/>
               <a:t>Project Objectives</a:t>
             </a:r>
-            <a:endParaRPr lang="en-US" b="1" dirty="0"/>
+            <a:endParaRPr lang="en-US" dirty="0"/>
           </a:p>
         </p:txBody>
       </p:sp>
@@ -8281,7 +9688,7 @@
     <a:masterClrMapping/>
   </p:clrMapOvr>
   <mc:AlternateContent xmlns:mc="http://schemas.openxmlformats.org/markup-compatibility/2006">
-    <mc:Choice xmlns:p14="http://schemas.microsoft.com/office/powerpoint/2010/main" xmlns="" Requires="p14">
+    <mc:Choice xmlns="" xmlns:p14="http://schemas.microsoft.com/office/powerpoint/2010/main" Requires="p14">
       <p:transition spd="med" p14:dur="700">
         <p:fade/>
       </p:transition>
@@ -8335,10 +9742,10 @@
           <a:lstStyle/>
           <a:p>
             <a:r>
-              <a:rPr lang="en-US" b="1" dirty="0" smtClean="0"/>
-              <a:t>Introduction to NIM</a:t>
-            </a:r>
-            <a:endParaRPr lang="en-US" b="1" dirty="0"/>
+              <a:rPr lang="en-US" dirty="0" smtClean="0"/>
+              <a:t>Literature Review</a:t>
+            </a:r>
+            <a:endParaRPr lang="en-US" dirty="0"/>
           </a:p>
         </p:txBody>
       </p:sp>
@@ -8357,32 +9764,81 @@
           <a:bodyPr/>
           <a:lstStyle/>
           <a:p>
-            <a:pPr algn="just"/>
+            <a:pPr marL="342906" lvl="1" indent="-342906"/>
+            <a:r>
+              <a:rPr lang="en-US" sz="2000" dirty="0" smtClean="0"/>
+              <a:t>Richard W. </a:t>
+            </a:r>
+            <a:r>
+              <a:rPr lang="en-US" sz="2000" dirty="0" err="1" smtClean="0"/>
+              <a:t>Ziolkowski</a:t>
+            </a:r>
+            <a:r>
+              <a:rPr lang="en-US" sz="2000" dirty="0" smtClean="0"/>
+              <a:t> and Ehud </a:t>
+            </a:r>
+            <a:r>
+              <a:rPr lang="en-US" sz="2000" dirty="0" err="1" smtClean="0"/>
+              <a:t>Heyman</a:t>
+            </a:r>
+            <a:r>
+              <a:rPr lang="en-US" sz="2000" dirty="0" smtClean="0"/>
+              <a:t> </a:t>
+            </a:r>
+            <a:r>
+              <a:rPr lang="en-US" sz="2000" dirty="0" smtClean="0"/>
+              <a:t>, “Wave </a:t>
+            </a:r>
+            <a:r>
+              <a:rPr lang="en-US" sz="2000" dirty="0" smtClean="0"/>
+              <a:t>propagation in media having negative permittivity and </a:t>
+            </a:r>
+            <a:r>
+              <a:rPr lang="en-US" sz="2000" dirty="0" smtClean="0"/>
+              <a:t>permeability”, 2001</a:t>
+            </a:r>
+          </a:p>
+          <a:p>
+            <a:pPr marL="342906" lvl="1" indent="-342906"/>
+            <a:endParaRPr lang="en-US" sz="2000" dirty="0" smtClean="0"/>
+          </a:p>
+          <a:p>
+            <a:r>
+              <a:rPr lang="en-US" dirty="0" err="1" smtClean="0"/>
+              <a:t>Pavel</a:t>
+            </a:r>
             <a:r>
               <a:rPr lang="en-US" dirty="0" smtClean="0"/>
-              <a:t>Negative Index Materials (NIM) or Left Handed Material (LHM) is a material which has negative permeability and permittivity.</a:t>
-            </a:r>
-          </a:p>
-          <a:p>
-            <a:pPr lvl="1" algn="just"/>
+              <a:t> </a:t>
+            </a:r>
+            <a:r>
+              <a:rPr lang="en-US" dirty="0" err="1" smtClean="0"/>
+              <a:t>Kolinko</a:t>
+            </a:r>
             <a:r>
               <a:rPr lang="en-US" dirty="0" smtClean="0"/>
-              <a:t>when a light enters from one medium to another with different refractive indices, it alters its path depending upon the difference between the refractive indices. (Refraction)</a:t>
-            </a:r>
-          </a:p>
-          <a:p>
-            <a:pPr lvl="1" algn="just"/>
+              <a:t> and David R. </a:t>
+            </a:r>
             <a:r>
               <a:rPr lang="en-US" dirty="0" smtClean="0"/>
-              <a:t>Naturally value of refractive index is always positive </a:t>
-            </a:r>
-          </a:p>
-          <a:p>
-            <a:pPr lvl="1"/>
-            <a:endParaRPr lang="en-US" dirty="0" smtClean="0"/>
-          </a:p>
-          <a:p>
-            <a:endParaRPr lang="en-US" dirty="0"/>
+              <a:t>Smith, “</a:t>
+            </a:r>
+            <a:r>
+              <a:rPr lang="en-US" dirty="0" smtClean="0"/>
+              <a:t>Numerical study of electromagnetic </a:t>
+            </a:r>
+            <a:r>
+              <a:rPr lang="en-US" dirty="0" smtClean="0"/>
+              <a:t>waves interacting </a:t>
+            </a:r>
+            <a:r>
+              <a:rPr lang="en-US" dirty="0" smtClean="0"/>
+              <a:t>with negative index </a:t>
+            </a:r>
+            <a:r>
+              <a:rPr lang="en-US" dirty="0" smtClean="0"/>
+              <a:t>materials”, 2003</a:t>
+            </a:r>
           </a:p>
         </p:txBody>
       </p:sp>
@@ -8392,7 +9848,7 @@
     <a:masterClrMapping/>
   </p:clrMapOvr>
   <mc:AlternateContent xmlns:mc="http://schemas.openxmlformats.org/markup-compatibility/2006">
-    <mc:Choice xmlns:p14="http://schemas.microsoft.com/office/powerpoint/2010/main" xmlns="" Requires="p14">
+    <mc:Choice xmlns="" xmlns:p14="http://schemas.microsoft.com/office/powerpoint/2010/main" Requires="p14">
       <p:transition spd="med" p14:dur="700">
         <p:fade/>
       </p:transition>
@@ -8414,6 +9870,117 @@
 </file>
 
 <file path=ppt/slides/slide4.xml><?xml version="1.0" encoding="utf-8"?>
+<p:sld xmlns:a="http://schemas.openxmlformats.org/drawingml/2006/main" xmlns:r="http://schemas.openxmlformats.org/officeDocument/2006/relationships" xmlns:p="http://schemas.openxmlformats.org/presentationml/2006/main">
+  <p:cSld>
+    <p:spTree>
+      <p:nvGrpSpPr>
+        <p:cNvPr id="1" name=""/>
+        <p:cNvGrpSpPr/>
+        <p:nvPr/>
+      </p:nvGrpSpPr>
+      <p:grpSpPr>
+        <a:xfrm>
+          <a:off x="0" y="0"/>
+          <a:ext cx="0" cy="0"/>
+          <a:chOff x="0" y="0"/>
+          <a:chExt cx="0" cy="0"/>
+        </a:xfrm>
+      </p:grpSpPr>
+      <p:sp>
+        <p:nvSpPr>
+          <p:cNvPr id="2" name="Title 1"/>
+          <p:cNvSpPr>
+            <a:spLocks noGrp="1"/>
+          </p:cNvSpPr>
+          <p:nvPr>
+            <p:ph type="title"/>
+          </p:nvPr>
+        </p:nvSpPr>
+        <p:spPr/>
+        <p:txBody>
+          <a:bodyPr/>
+          <a:lstStyle/>
+          <a:p>
+            <a:r>
+              <a:rPr lang="en-US" dirty="0" smtClean="0"/>
+              <a:t>Introduction to NIM</a:t>
+            </a:r>
+            <a:endParaRPr lang="en-US" dirty="0"/>
+          </a:p>
+        </p:txBody>
+      </p:sp>
+      <p:sp>
+        <p:nvSpPr>
+          <p:cNvPr id="3" name="Content Placeholder 2"/>
+          <p:cNvSpPr>
+            <a:spLocks noGrp="1"/>
+          </p:cNvSpPr>
+          <p:nvPr>
+            <p:ph idx="1"/>
+          </p:nvPr>
+        </p:nvSpPr>
+        <p:spPr/>
+        <p:txBody>
+          <a:bodyPr/>
+          <a:lstStyle/>
+          <a:p>
+            <a:pPr algn="just"/>
+            <a:r>
+              <a:rPr lang="en-US" dirty="0" smtClean="0"/>
+              <a:t>Negative Index Materials (NIM) or Left Handed Material (LHM) is a material which has negative permeability and permittivity.</a:t>
+            </a:r>
+          </a:p>
+          <a:p>
+            <a:pPr lvl="1" algn="just"/>
+            <a:r>
+              <a:rPr lang="en-US" dirty="0" smtClean="0"/>
+              <a:t>when a light enters from one medium to another with different refractive indices, it alters its path depending upon the difference between the refractive indices. (Refraction)</a:t>
+            </a:r>
+          </a:p>
+          <a:p>
+            <a:pPr lvl="1" algn="just"/>
+            <a:r>
+              <a:rPr lang="en-US" dirty="0" smtClean="0"/>
+              <a:t>Naturally value of refractive index is always positive </a:t>
+            </a:r>
+          </a:p>
+          <a:p>
+            <a:pPr lvl="1"/>
+            <a:endParaRPr lang="en-US" dirty="0" smtClean="0"/>
+          </a:p>
+          <a:p>
+            <a:endParaRPr lang="en-US" dirty="0"/>
+          </a:p>
+        </p:txBody>
+      </p:sp>
+    </p:spTree>
+  </p:cSld>
+  <p:clrMapOvr>
+    <a:masterClrMapping/>
+  </p:clrMapOvr>
+  <mc:AlternateContent xmlns:mc="http://schemas.openxmlformats.org/markup-compatibility/2006">
+    <mc:Choice xmlns="" xmlns:p14="http://schemas.microsoft.com/office/powerpoint/2010/main" Requires="p14">
+      <p:transition spd="med" p14:dur="700">
+        <p:fade/>
+      </p:transition>
+    </mc:Choice>
+    <mc:Fallback>
+      <p:transition spd="med">
+        <p:fade/>
+      </p:transition>
+    </mc:Fallback>
+  </mc:AlternateContent>
+  <p:timing>
+    <p:tnLst>
+      <p:par>
+        <p:cTn id="1" dur="indefinite" restart="never" nodeType="tmRoot"/>
+      </p:par>
+    </p:tnLst>
+  </p:timing>
+</p:sld>
+</file>
+
+<file path=ppt/slides/slide5.xml><?xml version="1.0" encoding="utf-8"?>
 <p:sld xmlns:a="http://schemas.openxmlformats.org/drawingml/2006/main" xmlns:r="http://schemas.openxmlformats.org/officeDocument/2006/relationships" xmlns:p="http://schemas.openxmlformats.org/presentationml/2006/main">
   <p:cSld>
     <p:spTree>
@@ -8488,322 +10055,7 @@
     <a:masterClrMapping/>
   </p:clrMapOvr>
   <mc:AlternateContent xmlns:mc="http://schemas.openxmlformats.org/markup-compatibility/2006">
-    <mc:Choice xmlns:p14="http://schemas.microsoft.com/office/powerpoint/2010/main" xmlns="" Requires="p14">
-      <p:transition spd="med" p14:dur="700">
-        <p:fade/>
-      </p:transition>
-    </mc:Choice>
-    <mc:Fallback>
-      <p:transition spd="med">
-        <p:fade/>
-      </p:transition>
-    </mc:Fallback>
-  </mc:AlternateContent>
-  <p:timing>
-    <p:tnLst>
-      <p:par>
-        <p:cTn id="1" dur="indefinite" restart="never" nodeType="tmRoot">
-          <p:childTnLst>
-            <p:seq concurrent="1" nextAc="seek">
-              <p:cTn id="2" dur="indefinite" nodeType="mainSeq">
-                <p:childTnLst>
-                  <p:par>
-                    <p:cTn id="3" fill="hold">
-                      <p:stCondLst>
-                        <p:cond delay="indefinite"/>
-                      </p:stCondLst>
-                      <p:childTnLst>
-                        <p:par>
-                          <p:cTn id="4" fill="hold">
-                            <p:stCondLst>
-                              <p:cond delay="0"/>
-                            </p:stCondLst>
-                            <p:childTnLst>
-                              <p:par>
-                                <p:cTn id="5" presetID="1" presetClass="entr" presetSubtype="0" fill="hold" nodeType="clickEffect">
-                                  <p:stCondLst>
-                                    <p:cond delay="0"/>
-                                  </p:stCondLst>
-                                  <p:childTnLst>
-                                    <p:set>
-                                      <p:cBhvr>
-                                        <p:cTn id="6" dur="1" fill="hold">
-                                          <p:stCondLst>
-                                            <p:cond delay="0"/>
-                                          </p:stCondLst>
-                                        </p:cTn>
-                                        <p:tgtEl>
-                                          <p:spTgt spid="1027"/>
-                                        </p:tgtEl>
-                                        <p:attrNameLst>
-                                          <p:attrName>style.visibility</p:attrName>
-                                        </p:attrNameLst>
-                                      </p:cBhvr>
-                                      <p:to>
-                                        <p:strVal val="visible"/>
-                                      </p:to>
-                                    </p:set>
-                                  </p:childTnLst>
-                                </p:cTn>
-                              </p:par>
-                            </p:childTnLst>
-                          </p:cTn>
-                        </p:par>
-                      </p:childTnLst>
-                    </p:cTn>
-                  </p:par>
-                </p:childTnLst>
-              </p:cTn>
-              <p:prevCondLst>
-                <p:cond evt="onPrev" delay="0">
-                  <p:tgtEl>
-                    <p:sldTgt/>
-                  </p:tgtEl>
-                </p:cond>
-              </p:prevCondLst>
-              <p:nextCondLst>
-                <p:cond evt="onNext" delay="0">
-                  <p:tgtEl>
-                    <p:sldTgt/>
-                  </p:tgtEl>
-                </p:cond>
-              </p:nextCondLst>
-            </p:seq>
-          </p:childTnLst>
-        </p:cTn>
-      </p:par>
-    </p:tnLst>
-  </p:timing>
-</p:sld>
-</file>
-
-<file path=ppt/slides/slide5.xml><?xml version="1.0" encoding="utf-8"?>
-<p:sld xmlns:a="http://schemas.openxmlformats.org/drawingml/2006/main" xmlns:r="http://schemas.openxmlformats.org/officeDocument/2006/relationships" xmlns:p="http://schemas.openxmlformats.org/presentationml/2006/main">
-  <p:cSld>
-    <p:spTree>
-      <p:nvGrpSpPr>
-        <p:cNvPr id="1" name=""/>
-        <p:cNvGrpSpPr/>
-        <p:nvPr/>
-      </p:nvGrpSpPr>
-      <p:grpSpPr>
-        <a:xfrm>
-          <a:off x="0" y="0"/>
-          <a:ext cx="0" cy="0"/>
-          <a:chOff x="0" y="0"/>
-          <a:chExt cx="0" cy="0"/>
-        </a:xfrm>
-      </p:grpSpPr>
-      <p:sp>
-        <p:nvSpPr>
-          <p:cNvPr id="2" name="Title 1"/>
-          <p:cNvSpPr>
-            <a:spLocks noGrp="1"/>
-          </p:cNvSpPr>
-          <p:nvPr>
-            <p:ph type="title"/>
-          </p:nvPr>
-        </p:nvSpPr>
-        <p:spPr/>
-        <p:txBody>
-          <a:bodyPr/>
-          <a:lstStyle/>
-          <a:p>
-            <a:r>
-              <a:rPr lang="en-US" b="1" dirty="0" smtClean="0"/>
-              <a:t>Deliverables</a:t>
-            </a:r>
-            <a:endParaRPr lang="en-US" b="1" dirty="0"/>
-          </a:p>
-        </p:txBody>
-      </p:sp>
-      <p:sp>
-        <p:nvSpPr>
-          <p:cNvPr id="3" name="Content Placeholder 2"/>
-          <p:cNvSpPr>
-            <a:spLocks noGrp="1"/>
-          </p:cNvSpPr>
-          <p:nvPr>
-            <p:ph idx="1"/>
-          </p:nvPr>
-        </p:nvSpPr>
-        <p:spPr/>
-        <p:txBody>
-          <a:bodyPr>
-            <a:normAutofit/>
-          </a:bodyPr>
-          <a:lstStyle/>
-          <a:p>
-            <a:r>
-              <a:rPr lang="en-US" b="1" dirty="0" smtClean="0"/>
-              <a:t>FYP 1</a:t>
-            </a:r>
-          </a:p>
-          <a:p>
-            <a:pPr lvl="1"/>
-            <a:r>
-              <a:rPr lang="en-US" dirty="0" smtClean="0"/>
-              <a:t>	Learning FDTD technique</a:t>
-            </a:r>
-          </a:p>
-          <a:p>
-            <a:pPr lvl="1"/>
-            <a:r>
-              <a:rPr lang="en-US" dirty="0" smtClean="0"/>
-              <a:t>	Implementation of FDTD algorithm in </a:t>
-            </a:r>
-            <a:r>
-              <a:rPr lang="en-US" dirty="0" err="1" smtClean="0"/>
-              <a:t>Matlab</a:t>
-            </a:r>
-            <a:endParaRPr lang="en-US" dirty="0" smtClean="0"/>
-          </a:p>
-          <a:p>
-            <a:pPr lvl="1"/>
-            <a:r>
-              <a:rPr lang="en-US" dirty="0" smtClean="0"/>
-              <a:t>	Frequency domain analysis of medium</a:t>
-            </a:r>
-          </a:p>
-          <a:p>
-            <a:r>
-              <a:rPr lang="en-US" b="1" dirty="0" smtClean="0"/>
-              <a:t>FYP 2</a:t>
-            </a:r>
-          </a:p>
-          <a:p>
-            <a:pPr lvl="1"/>
-            <a:r>
-              <a:rPr lang="en-US" dirty="0" smtClean="0"/>
-              <a:t>	Analysis of EM wave in NIM</a:t>
-            </a:r>
-          </a:p>
-          <a:p>
-            <a:pPr lvl="1"/>
-            <a:r>
-              <a:rPr lang="en-US" dirty="0" smtClean="0"/>
-              <a:t>	</a:t>
-            </a:r>
-            <a:r>
-              <a:rPr lang="en-US" dirty="0" smtClean="0">
-                <a:solidFill>
-                  <a:schemeClr val="tx1">
-                    <a:lumMod val="50000"/>
-                    <a:lumOff val="50000"/>
-                  </a:schemeClr>
-                </a:solidFill>
-              </a:rPr>
-              <a:t>GPU </a:t>
-            </a:r>
-            <a:r>
-              <a:rPr lang="en-US" dirty="0" smtClean="0">
-                <a:solidFill>
-                  <a:schemeClr val="tx1">
-                    <a:lumMod val="50000"/>
-                    <a:lumOff val="50000"/>
-                  </a:schemeClr>
-                </a:solidFill>
-              </a:rPr>
-              <a:t>implementation</a:t>
-            </a:r>
-          </a:p>
-          <a:p>
-            <a:pPr lvl="1"/>
-            <a:r>
-              <a:rPr lang="en-US" dirty="0" smtClean="0">
-                <a:solidFill>
-                  <a:schemeClr val="tx1">
-                    <a:lumMod val="50000"/>
-                    <a:lumOff val="50000"/>
-                  </a:schemeClr>
-                </a:solidFill>
-              </a:rPr>
-              <a:t> </a:t>
-            </a:r>
-            <a:r>
-              <a:rPr lang="en-US" dirty="0" smtClean="0">
-                <a:solidFill>
-                  <a:schemeClr val="tx1">
-                    <a:lumMod val="50000"/>
-                    <a:lumOff val="50000"/>
-                  </a:schemeClr>
-                </a:solidFill>
-              </a:rPr>
-              <a:t>	</a:t>
-            </a:r>
-            <a:r>
-              <a:rPr lang="en-US" dirty="0" smtClean="0">
-                <a:solidFill>
-                  <a:schemeClr val="tx1">
-                    <a:lumMod val="50000"/>
-                    <a:lumOff val="50000"/>
-                  </a:schemeClr>
-                </a:solidFill>
-              </a:rPr>
-              <a:t>Application Specific analysis (Super </a:t>
-            </a:r>
-            <a:r>
-              <a:rPr lang="en-US" dirty="0" err="1" smtClean="0">
-                <a:solidFill>
-                  <a:schemeClr val="tx1">
-                    <a:lumMod val="50000"/>
-                    <a:lumOff val="50000"/>
-                  </a:schemeClr>
-                </a:solidFill>
-              </a:rPr>
-              <a:t>lense</a:t>
-            </a:r>
-            <a:r>
-              <a:rPr lang="en-US" dirty="0" smtClean="0">
-                <a:solidFill>
-                  <a:schemeClr val="tx1">
-                    <a:lumMod val="50000"/>
-                    <a:lumOff val="50000"/>
-                  </a:schemeClr>
-                </a:solidFill>
-              </a:rPr>
-              <a:t>)</a:t>
-            </a:r>
-            <a:endParaRPr lang="en-US" dirty="0" smtClean="0">
-              <a:solidFill>
-                <a:schemeClr val="tx1">
-                  <a:lumMod val="50000"/>
-                  <a:lumOff val="50000"/>
-                </a:schemeClr>
-              </a:solidFill>
-            </a:endParaRPr>
-          </a:p>
-          <a:p>
-            <a:pPr lvl="1"/>
-            <a:r>
-              <a:rPr lang="en-US" dirty="0" smtClean="0">
-                <a:solidFill>
-                  <a:schemeClr val="tx1">
-                    <a:lumMod val="50000"/>
-                    <a:lumOff val="50000"/>
-                  </a:schemeClr>
-                </a:solidFill>
-              </a:rPr>
-              <a:t>	Performance Analysis</a:t>
-            </a:r>
-            <a:endParaRPr lang="en-US" dirty="0">
-              <a:solidFill>
-                <a:schemeClr val="tx1">
-                  <a:lumMod val="50000"/>
-                  <a:lumOff val="50000"/>
-                </a:schemeClr>
-              </a:solidFill>
-            </a:endParaRPr>
-          </a:p>
-        </p:txBody>
-      </p:sp>
-    </p:spTree>
-  </p:cSld>
-  <p:clrMapOvr>
-    <a:masterClrMapping/>
-  </p:clrMapOvr>
-  <mc:AlternateContent xmlns:mc="http://schemas.openxmlformats.org/markup-compatibility/2006">
-    <mc:Choice xmlns:p14="http://schemas.microsoft.com/office/powerpoint/2010/main" xmlns="" Requires="p14">
+    <mc:Choice xmlns="" xmlns:p14="http://schemas.microsoft.com/office/powerpoint/2010/main" Requires="p14">
       <p:transition spd="med" p14:dur="700">
         <p:fade/>
       </p:transition>
@@ -8851,21 +10103,16 @@
             <p:ph type="title"/>
           </p:nvPr>
         </p:nvSpPr>
-        <p:spPr>
-          <a:xfrm>
-            <a:off x="484710" y="452718"/>
-            <a:ext cx="7516290" cy="1400530"/>
-          </a:xfrm>
-        </p:spPr>
+        <p:spPr/>
         <p:txBody>
           <a:bodyPr/>
           <a:lstStyle/>
           <a:p>
             <a:r>
               <a:rPr lang="en-US" dirty="0" smtClean="0"/>
-              <a:t>Task 1: FDTD Technique</a:t>
-            </a:r>
-            <a:endParaRPr lang="en-GB" dirty="0"/>
+              <a:t>Deliverables</a:t>
+            </a:r>
+            <a:endParaRPr lang="en-US" dirty="0"/>
           </a:p>
         </p:txBody>
       </p:sp>
@@ -8881,40 +10128,137 @@
         </p:nvSpPr>
         <p:spPr/>
         <p:txBody>
-          <a:bodyPr/>
+          <a:bodyPr>
+            <a:normAutofit/>
+          </a:bodyPr>
           <a:lstStyle/>
           <a:p>
             <a:r>
+              <a:rPr lang="en-US" b="1" dirty="0" smtClean="0"/>
+              <a:t>FYP 1</a:t>
+            </a:r>
+          </a:p>
+          <a:p>
+            <a:pPr lvl="1"/>
+            <a:r>
               <a:rPr lang="en-US" dirty="0" smtClean="0"/>
-              <a:t>Why FDTD ?</a:t>
-            </a:r>
-          </a:p>
-          <a:p>
-            <a:endParaRPr lang="en-US" dirty="0"/>
-          </a:p>
-          <a:p>
+              <a:t>	Learning FDTD technique</a:t>
+            </a:r>
+          </a:p>
+          <a:p>
+            <a:pPr lvl="1"/>
             <a:r>
               <a:rPr lang="en-US" dirty="0" smtClean="0"/>
-              <a:t>Problems</a:t>
-            </a:r>
-          </a:p>
-          <a:p>
-            <a:endParaRPr lang="en-GB" dirty="0"/>
+              <a:t>	Implementation of FDTD algorithm in </a:t>
+            </a:r>
+            <a:r>
+              <a:rPr lang="en-US" dirty="0" err="1" smtClean="0"/>
+              <a:t>Matlab</a:t>
+            </a:r>
+            <a:endParaRPr lang="en-US" dirty="0" smtClean="0"/>
+          </a:p>
+          <a:p>
+            <a:pPr lvl="1"/>
+            <a:r>
+              <a:rPr lang="en-US" dirty="0" smtClean="0"/>
+              <a:t>	Frequency domain analysis of medium</a:t>
+            </a:r>
+          </a:p>
+          <a:p>
+            <a:r>
+              <a:rPr lang="en-US" b="1" dirty="0" smtClean="0"/>
+              <a:t>FYP 2</a:t>
+            </a:r>
+          </a:p>
+          <a:p>
+            <a:pPr lvl="1"/>
+            <a:r>
+              <a:rPr lang="en-US" dirty="0" smtClean="0"/>
+              <a:t>	Analysis of EM wave in NIM</a:t>
+            </a:r>
+          </a:p>
+          <a:p>
+            <a:pPr lvl="1"/>
+            <a:r>
+              <a:rPr lang="en-US" dirty="0" smtClean="0"/>
+              <a:t>	</a:t>
+            </a:r>
+            <a:r>
+              <a:rPr lang="en-US" dirty="0" smtClean="0">
+                <a:solidFill>
+                  <a:schemeClr val="tx1">
+                    <a:lumMod val="50000"/>
+                    <a:lumOff val="50000"/>
+                  </a:schemeClr>
+                </a:solidFill>
+              </a:rPr>
+              <a:t>GPU implementation</a:t>
+            </a:r>
+          </a:p>
+          <a:p>
+            <a:pPr lvl="1"/>
+            <a:r>
+              <a:rPr lang="en-US" dirty="0" smtClean="0">
+                <a:solidFill>
+                  <a:schemeClr val="tx1">
+                    <a:lumMod val="50000"/>
+                    <a:lumOff val="50000"/>
+                  </a:schemeClr>
+                </a:solidFill>
+              </a:rPr>
+              <a:t> 	Application Specific analysis (Super </a:t>
+            </a:r>
+            <a:r>
+              <a:rPr lang="en-US" dirty="0" smtClean="0">
+                <a:solidFill>
+                  <a:schemeClr val="tx1">
+                    <a:lumMod val="50000"/>
+                    <a:lumOff val="50000"/>
+                  </a:schemeClr>
+                </a:solidFill>
+              </a:rPr>
+              <a:t>lens)</a:t>
+            </a:r>
+            <a:endParaRPr lang="en-US" dirty="0" smtClean="0">
+              <a:solidFill>
+                <a:schemeClr val="tx1">
+                  <a:lumMod val="50000"/>
+                  <a:lumOff val="50000"/>
+                </a:schemeClr>
+              </a:solidFill>
+            </a:endParaRPr>
+          </a:p>
+          <a:p>
+            <a:pPr lvl="1"/>
+            <a:r>
+              <a:rPr lang="en-US" dirty="0" smtClean="0">
+                <a:solidFill>
+                  <a:schemeClr val="tx1">
+                    <a:lumMod val="50000"/>
+                    <a:lumOff val="50000"/>
+                  </a:schemeClr>
+                </a:solidFill>
+              </a:rPr>
+              <a:t>	Performance Analysis</a:t>
+            </a:r>
+            <a:endParaRPr lang="en-US" dirty="0">
+              <a:solidFill>
+                <a:schemeClr val="tx1">
+                  <a:lumMod val="50000"/>
+                  <a:lumOff val="50000"/>
+                </a:schemeClr>
+              </a:solidFill>
+            </a:endParaRPr>
           </a:p>
         </p:txBody>
       </p:sp>
     </p:spTree>
-    <p:extLst>
-      <p:ext uri="{BB962C8B-B14F-4D97-AF65-F5344CB8AC3E}">
-        <p14:creationId xmlns:p14="http://schemas.microsoft.com/office/powerpoint/2010/main" xmlns="" val="3240437127"/>
-      </p:ext>
-    </p:extLst>
   </p:cSld>
   <p:clrMapOvr>
     <a:masterClrMapping/>
   </p:clrMapOvr>
   <mc:AlternateContent xmlns:mc="http://schemas.openxmlformats.org/markup-compatibility/2006">
-    <mc:Choice xmlns:p14="http://schemas.microsoft.com/office/powerpoint/2010/main" xmlns="" Requires="p14">
+    <mc:Choice xmlns="" xmlns:p14="http://schemas.microsoft.com/office/powerpoint/2010/main" Requires="p14">
       <p:transition spd="med" p14:dur="700">
         <p:fade/>
       </p:transition>
@@ -8962,14 +10306,157 @@
             <p:ph type="title"/>
           </p:nvPr>
         </p:nvSpPr>
-        <p:spPr/>
+        <p:spPr>
+          <a:xfrm>
+            <a:off x="484710" y="452718"/>
+            <a:ext cx="7516290" cy="1400530"/>
+          </a:xfrm>
+        </p:spPr>
         <p:txBody>
           <a:bodyPr/>
           <a:lstStyle/>
           <a:p>
             <a:r>
-              <a:rPr lang="en-US" b="1" dirty="0" smtClean="0"/>
-              <a:t>How FDTD works</a:t>
+              <a:rPr lang="en-US" dirty="0" smtClean="0"/>
+              <a:t>Task 1: FDTD Technique</a:t>
+            </a:r>
+            <a:endParaRPr lang="en-GB" dirty="0"/>
+          </a:p>
+        </p:txBody>
+      </p:sp>
+      <p:sp>
+        <p:nvSpPr>
+          <p:cNvPr id="3" name="Content Placeholder 2"/>
+          <p:cNvSpPr>
+            <a:spLocks noGrp="1"/>
+          </p:cNvSpPr>
+          <p:nvPr>
+            <p:ph idx="1"/>
+          </p:nvPr>
+        </p:nvSpPr>
+        <p:spPr/>
+        <p:txBody>
+          <a:bodyPr/>
+          <a:lstStyle/>
+          <a:p>
+            <a:pPr algn="just"/>
+            <a:r>
+              <a:rPr lang="en-US" dirty="0" smtClean="0"/>
+              <a:t>Finite-Difference Time-Domain (FDTD) is one of the most efficient techniques of differential time domain numerical modeling methods.</a:t>
+            </a:r>
+          </a:p>
+          <a:p>
+            <a:pPr lvl="1" algn="just"/>
+            <a:r>
+              <a:rPr lang="en-US" dirty="0" smtClean="0"/>
+              <a:t>Treats nonlinear material properties in a natural way.</a:t>
+            </a:r>
+          </a:p>
+          <a:p>
+            <a:pPr lvl="1" algn="just"/>
+            <a:r>
+              <a:rPr lang="en-US" dirty="0" smtClean="0"/>
+              <a:t>It solves the Maxwell’s differential equations in leap-frog manner (</a:t>
+            </a:r>
+            <a:r>
+              <a:rPr lang="en-US" dirty="0" smtClean="0">
+                <a:solidFill>
+                  <a:schemeClr val="tx1">
+                    <a:lumMod val="85000"/>
+                    <a:lumOff val="15000"/>
+                  </a:schemeClr>
+                </a:solidFill>
+              </a:rPr>
+              <a:t>At a given time instant, first electric field and then magnetic field is solved</a:t>
+            </a:r>
+            <a:r>
+              <a:rPr lang="en-US" dirty="0" smtClean="0"/>
+              <a:t>).</a:t>
+            </a:r>
+          </a:p>
+          <a:p>
+            <a:pPr lvl="1" algn="just"/>
+            <a:r>
+              <a:rPr lang="en-US" dirty="0" smtClean="0"/>
+              <a:t>It is readily parallelizable on hardware like GPU.</a:t>
+            </a:r>
+          </a:p>
+          <a:p>
+            <a:endParaRPr lang="en-GB" dirty="0"/>
+          </a:p>
+        </p:txBody>
+      </p:sp>
+    </p:spTree>
+    <p:extLst>
+      <p:ext uri="{BB962C8B-B14F-4D97-AF65-F5344CB8AC3E}">
+        <p14:creationId xmlns="" xmlns:p14="http://schemas.microsoft.com/office/powerpoint/2010/main" val="3240437127"/>
+      </p:ext>
+    </p:extLst>
+  </p:cSld>
+  <p:clrMapOvr>
+    <a:masterClrMapping/>
+  </p:clrMapOvr>
+  <mc:AlternateContent xmlns:mc="http://schemas.openxmlformats.org/markup-compatibility/2006">
+    <mc:Choice xmlns="" xmlns:p14="http://schemas.microsoft.com/office/powerpoint/2010/main" Requires="p14">
+      <p:transition spd="med" p14:dur="700">
+        <p:fade/>
+      </p:transition>
+    </mc:Choice>
+    <mc:Fallback>
+      <p:transition spd="med">
+        <p:fade/>
+      </p:transition>
+    </mc:Fallback>
+  </mc:AlternateContent>
+  <p:timing>
+    <p:tnLst>
+      <p:par>
+        <p:cTn id="1" dur="indefinite" restart="never" nodeType="tmRoot"/>
+      </p:par>
+    </p:tnLst>
+  </p:timing>
+</p:sld>
+</file>
+
+<file path=ppt/slides/slide8.xml><?xml version="1.0" encoding="utf-8"?>
+<p:sld xmlns:a="http://schemas.openxmlformats.org/drawingml/2006/main" xmlns:r="http://schemas.openxmlformats.org/officeDocument/2006/relationships" xmlns:p="http://schemas.openxmlformats.org/presentationml/2006/main">
+  <p:cSld>
+    <p:spTree>
+      <p:nvGrpSpPr>
+        <p:cNvPr id="1" name=""/>
+        <p:cNvGrpSpPr/>
+        <p:nvPr/>
+      </p:nvGrpSpPr>
+      <p:grpSpPr>
+        <a:xfrm>
+          <a:off x="0" y="0"/>
+          <a:ext cx="0" cy="0"/>
+          <a:chOff x="0" y="0"/>
+          <a:chExt cx="0" cy="0"/>
+        </a:xfrm>
+      </p:grpSpPr>
+      <p:sp>
+        <p:nvSpPr>
+          <p:cNvPr id="2" name="Title 1"/>
+          <p:cNvSpPr>
+            <a:spLocks noGrp="1"/>
+          </p:cNvSpPr>
+          <p:nvPr>
+            <p:ph type="title"/>
+          </p:nvPr>
+        </p:nvSpPr>
+        <p:spPr/>
+        <p:txBody>
+          <a:bodyPr/>
+          <a:lstStyle/>
+          <a:p>
+            <a:r>
+              <a:rPr lang="en-US" dirty="0" smtClean="0"/>
+              <a:t>Task </a:t>
+            </a:r>
+            <a:r>
+              <a:rPr lang="en-US" dirty="0" smtClean="0"/>
+              <a:t>1: FDTD Technique</a:t>
             </a:r>
             <a:endParaRPr lang="en-US" b="1" dirty="0"/>
           </a:p>
@@ -9077,7 +10564,7 @@
     </p:spTree>
     <p:extLst>
       <p:ext uri="{BB962C8B-B14F-4D97-AF65-F5344CB8AC3E}">
-        <p14:creationId xmlns:p14="http://schemas.microsoft.com/office/powerpoint/2010/main" xmlns="" val="3333083321"/>
+        <p14:creationId xmlns="" xmlns:p14="http://schemas.microsoft.com/office/powerpoint/2010/main" val="3333083321"/>
       </p:ext>
     </p:extLst>
   </p:cSld>
@@ -9085,157 +10572,7 @@
     <a:masterClrMapping/>
   </p:clrMapOvr>
   <mc:AlternateContent xmlns:mc="http://schemas.openxmlformats.org/markup-compatibility/2006">
-    <mc:Choice xmlns:p14="http://schemas.microsoft.com/office/powerpoint/2010/main" xmlns="" Requires="p14">
-      <p:transition spd="med" p14:dur="700">
-        <p:fade/>
-      </p:transition>
-    </mc:Choice>
-    <mc:Fallback>
-      <p:transition spd="med">
-        <p:fade/>
-      </p:transition>
-    </mc:Fallback>
-  </mc:AlternateContent>
-  <p:timing>
-    <p:tnLst>
-      <p:par>
-        <p:cTn id="1" dur="indefinite" restart="never" nodeType="tmRoot"/>
-      </p:par>
-    </p:tnLst>
-  </p:timing>
-</p:sld>
-</file>
-
-<file path=ppt/slides/slide8.xml><?xml version="1.0" encoding="utf-8"?>
-<p:sld xmlns:a="http://schemas.openxmlformats.org/drawingml/2006/main" xmlns:r="http://schemas.openxmlformats.org/officeDocument/2006/relationships" xmlns:p="http://schemas.openxmlformats.org/presentationml/2006/main">
-  <p:cSld>
-    <p:spTree>
-      <p:nvGrpSpPr>
-        <p:cNvPr id="1" name=""/>
-        <p:cNvGrpSpPr/>
-        <p:nvPr/>
-      </p:nvGrpSpPr>
-      <p:grpSpPr>
-        <a:xfrm>
-          <a:off x="0" y="0"/>
-          <a:ext cx="0" cy="0"/>
-          <a:chOff x="0" y="0"/>
-          <a:chExt cx="0" cy="0"/>
-        </a:xfrm>
-      </p:grpSpPr>
-      <p:sp>
-        <p:nvSpPr>
-          <p:cNvPr id="2" name="Title 1"/>
-          <p:cNvSpPr>
-            <a:spLocks noGrp="1"/>
-          </p:cNvSpPr>
-          <p:nvPr>
-            <p:ph type="title"/>
-          </p:nvPr>
-        </p:nvSpPr>
-        <p:spPr/>
-        <p:txBody>
-          <a:bodyPr/>
-          <a:lstStyle/>
-          <a:p>
-            <a:r>
-              <a:rPr lang="en-US" b="1" dirty="0" smtClean="0"/>
-              <a:t>How FDTD works</a:t>
-            </a:r>
-            <a:endParaRPr lang="en-US" b="1" dirty="0"/>
-          </a:p>
-        </p:txBody>
-      </p:sp>
-      <p:sp>
-        <p:nvSpPr>
-          <p:cNvPr id="3" name="Content Placeholder 2"/>
-          <p:cNvSpPr>
-            <a:spLocks noGrp="1"/>
-          </p:cNvSpPr>
-          <p:nvPr>
-            <p:ph idx="1"/>
-          </p:nvPr>
-        </p:nvSpPr>
-        <p:spPr/>
-        <p:txBody>
-          <a:bodyPr/>
-          <a:lstStyle/>
-          <a:p>
-            <a:r>
-              <a:rPr lang="en-US" dirty="0" smtClean="0"/>
-              <a:t>We can find magnetic field using past values of electric field also find electric field values using past magnetic field values.</a:t>
-            </a:r>
-          </a:p>
-          <a:p>
-            <a:endParaRPr lang="en-US" dirty="0" smtClean="0"/>
-          </a:p>
-          <a:p>
-            <a:endParaRPr lang="en-US" dirty="0" smtClean="0"/>
-          </a:p>
-          <a:p>
-            <a:endParaRPr lang="en-US" dirty="0" smtClean="0"/>
-          </a:p>
-          <a:p>
-            <a:endParaRPr lang="en-US" dirty="0" smtClean="0"/>
-          </a:p>
-          <a:p>
-            <a:pPr>
-              <a:buNone/>
-            </a:pPr>
-            <a:r>
-              <a:rPr lang="en-US" dirty="0" smtClean="0"/>
-              <a:t>	</a:t>
-            </a:r>
-          </a:p>
-          <a:p>
-            <a:r>
-              <a:rPr lang="en-US" dirty="0" smtClean="0"/>
-              <a:t>Repeat the above step to get all values</a:t>
-            </a:r>
-          </a:p>
-          <a:p>
-            <a:endParaRPr lang="en-US" dirty="0"/>
-          </a:p>
-        </p:txBody>
-      </p:sp>
-      <p:pic>
-        <p:nvPicPr>
-          <p:cNvPr id="4098" name="Picture 2" descr="C:\Users\Junaid\Desktop\33.PNG"/>
-          <p:cNvPicPr>
-            <a:picLocks noChangeAspect="1" noChangeArrowheads="1"/>
-          </p:cNvPicPr>
-          <p:nvPr/>
-        </p:nvPicPr>
-        <p:blipFill>
-          <a:blip r:embed="rId2" cstate="print"/>
-          <a:srcRect/>
-          <a:stretch>
-            <a:fillRect/>
-          </a:stretch>
-        </p:blipFill>
-        <p:spPr bwMode="auto">
-          <a:xfrm>
-            <a:off x="304800" y="3276600"/>
-            <a:ext cx="8562701" cy="1905000"/>
-          </a:xfrm>
-          <a:prstGeom prst="rect">
-            <a:avLst/>
-          </a:prstGeom>
-          <a:noFill/>
-        </p:spPr>
-      </p:pic>
-    </p:spTree>
-    <p:extLst>
-      <p:ext uri="{BB962C8B-B14F-4D97-AF65-F5344CB8AC3E}">
-        <p14:creationId xmlns:p14="http://schemas.microsoft.com/office/powerpoint/2010/main" xmlns="" val="1692360811"/>
-      </p:ext>
-    </p:extLst>
-  </p:cSld>
-  <p:clrMapOvr>
-    <a:masterClrMapping/>
-  </p:clrMapOvr>
-  <mc:AlternateContent xmlns:mc="http://schemas.openxmlformats.org/markup-compatibility/2006">
-    <mc:Choice xmlns:p14="http://schemas.microsoft.com/office/powerpoint/2010/main" xmlns="" Requires="p14">
+    <mc:Choice xmlns="" xmlns:p14="http://schemas.microsoft.com/office/powerpoint/2010/main" Requires="p14">
       <p:transition spd="med" p14:dur="700">
         <p:fade/>
       </p:transition>
@@ -9289,47 +10626,95 @@
           <a:lstStyle/>
           <a:p>
             <a:r>
-              <a:rPr lang="en-US" b="1" dirty="0"/>
-              <a:t>How FDTD works</a:t>
-            </a:r>
-            <a:endParaRPr lang="en-GB" dirty="0"/>
+              <a:rPr lang="en-US" dirty="0" smtClean="0"/>
+              <a:t>Task 1: FDTD Technique</a:t>
+            </a:r>
+            <a:endParaRPr lang="en-US" b="1" dirty="0"/>
+          </a:p>
+        </p:txBody>
+      </p:sp>
+      <p:sp>
+        <p:nvSpPr>
+          <p:cNvPr id="3" name="Content Placeholder 2"/>
+          <p:cNvSpPr>
+            <a:spLocks noGrp="1"/>
+          </p:cNvSpPr>
+          <p:nvPr>
+            <p:ph idx="1"/>
+          </p:nvPr>
+        </p:nvSpPr>
+        <p:spPr/>
+        <p:txBody>
+          <a:bodyPr/>
+          <a:lstStyle/>
+          <a:p>
+            <a:r>
+              <a:rPr lang="en-US" dirty="0" smtClean="0"/>
+              <a:t>We can find magnetic field using past values of electric field also find electric field values using past magnetic field values.</a:t>
+            </a:r>
+          </a:p>
+          <a:p>
+            <a:endParaRPr lang="en-US" dirty="0" smtClean="0"/>
+          </a:p>
+          <a:p>
+            <a:endParaRPr lang="en-US" dirty="0" smtClean="0"/>
+          </a:p>
+          <a:p>
+            <a:endParaRPr lang="en-US" dirty="0" smtClean="0"/>
+          </a:p>
+          <a:p>
+            <a:endParaRPr lang="en-US" dirty="0" smtClean="0"/>
+          </a:p>
+          <a:p>
+            <a:pPr>
+              <a:buNone/>
+            </a:pPr>
+            <a:r>
+              <a:rPr lang="en-US" dirty="0" smtClean="0"/>
+              <a:t>	</a:t>
+            </a:r>
+          </a:p>
+          <a:p>
+            <a:r>
+              <a:rPr lang="en-US" dirty="0" smtClean="0"/>
+              <a:t>Repeat the above step to get all values</a:t>
+            </a:r>
+          </a:p>
+          <a:p>
+            <a:endParaRPr lang="en-US" dirty="0"/>
           </a:p>
         </p:txBody>
       </p:sp>
       <p:pic>
         <p:nvPicPr>
-          <p:cNvPr id="5" name="Picture 4"/>
+          <p:cNvPr id="4098" name="Picture 2" descr="C:\Users\Junaid\Desktop\33.PNG"/>
           <p:cNvPicPr>
-            <a:picLocks noChangeAspect="1"/>
+            <a:picLocks noChangeAspect="1" noChangeArrowheads="1"/>
           </p:cNvPicPr>
           <p:nvPr/>
         </p:nvPicPr>
         <p:blipFill>
-          <a:blip r:embed="rId2">
-            <a:extLst>
-              <a:ext uri="{28A0092B-C50C-407E-A947-70E740481C1C}">
-                <a14:useLocalDpi xmlns:a14="http://schemas.microsoft.com/office/drawing/2010/main" xmlns="" val="0"/>
-              </a:ext>
-            </a:extLst>
-          </a:blip>
+          <a:blip r:embed="rId2" cstate="print"/>
+          <a:srcRect/>
           <a:stretch>
             <a:fillRect/>
           </a:stretch>
         </p:blipFill>
-        <p:spPr>
+        <p:spPr bwMode="auto">
           <a:xfrm>
-            <a:off x="1419060" y="1524000"/>
-            <a:ext cx="6305879" cy="4706112"/>
+            <a:off x="304800" y="3276600"/>
+            <a:ext cx="8562701" cy="1905000"/>
           </a:xfrm>
           <a:prstGeom prst="rect">
             <a:avLst/>
           </a:prstGeom>
+          <a:noFill/>
         </p:spPr>
       </p:pic>
     </p:spTree>
     <p:extLst>
       <p:ext uri="{BB962C8B-B14F-4D97-AF65-F5344CB8AC3E}">
-        <p14:creationId xmlns:p14="http://schemas.microsoft.com/office/powerpoint/2010/main" xmlns="" val="3536022546"/>
+        <p14:creationId xmlns="" xmlns:p14="http://schemas.microsoft.com/office/powerpoint/2010/main" val="1692360811"/>
       </p:ext>
     </p:extLst>
   </p:cSld>
@@ -9337,7 +10722,7 @@
     <a:masterClrMapping/>
   </p:clrMapOvr>
   <mc:AlternateContent xmlns:mc="http://schemas.openxmlformats.org/markup-compatibility/2006">
-    <mc:Choice xmlns:p14="http://schemas.microsoft.com/office/powerpoint/2010/main" xmlns="" Requires="p14">
+    <mc:Choice xmlns="" xmlns:p14="http://schemas.microsoft.com/office/powerpoint/2010/main" Requires="p14">
       <p:transition spd="med" p14:dur="700">
         <p:fade/>
       </p:transition>
@@ -9618,7 +11003,7 @@
   <a:extraClrSchemeLst/>
   <a:extLst>
     <a:ext uri="{05A4C25C-085E-4340-85A3-A5531E510DB2}">
-      <thm15:themeFamily xmlns:thm15="http://schemas.microsoft.com/office/thememl/2012/main" xmlns="" name="Ion" id="{B8441ADB-2E43-4AF7-B97A-BD870242C6A8}" vid="{292E63A9-BB86-4E3D-B92A-7223C6510D2E}"/>
+      <thm15:themeFamily xmlns="" xmlns:thm15="http://schemas.microsoft.com/office/thememl/2012/main" name="Ion" id="{B8441ADB-2E43-4AF7-B97A-BD870242C6A8}" vid="{292E63A9-BB86-4E3D-B92A-7223C6510D2E}"/>
     </a:ext>
   </a:extLst>
 </a:theme>
